--- a/graphics.pptx
+++ b/graphics.pptx
@@ -6,6 +6,7 @@
   </p:sldMasterIdLst>
   <p:sldIdLst>
     <p:sldId id="258" r:id="rId2"/>
+    <p:sldId id="259" r:id="rId3"/>
   </p:sldIdLst>
   <p:sldSz cx="12192000" cy="6858000"/>
   <p:notesSz cx="6858000" cy="9144000"/>
@@ -104,6 +105,11 @@
       </a:defRPr>
     </a:lvl9pPr>
   </p:defaultTextStyle>
+  <p:extLst>
+    <p:ext uri="{EFAFB233-063F-42B5-8137-9DF3F51BA10A}">
+      <p15:sldGuideLst xmlns:p15="http://schemas.microsoft.com/office/powerpoint/2012/main"/>
+    </p:ext>
+  </p:extLst>
 </p:presentation>
 </file>
 
@@ -254,7 +260,7 @@
           <a:p>
             <a:fld id="{9E04E7CE-2713-1040-A5A4-CE45DCEDD4AF}" type="datetimeFigureOut">
               <a:rPr lang="en-US" smtClean="0"/>
-              <a:t>12/7/19</a:t>
+              <a:t>2/19/20</a:t>
             </a:fld>
             <a:endParaRPr lang="en-US"/>
           </a:p>
@@ -452,7 +458,7 @@
           <a:p>
             <a:fld id="{9E04E7CE-2713-1040-A5A4-CE45DCEDD4AF}" type="datetimeFigureOut">
               <a:rPr lang="en-US" smtClean="0"/>
-              <a:t>12/7/19</a:t>
+              <a:t>2/19/20</a:t>
             </a:fld>
             <a:endParaRPr lang="en-US"/>
           </a:p>
@@ -660,7 +666,7 @@
           <a:p>
             <a:fld id="{9E04E7CE-2713-1040-A5A4-CE45DCEDD4AF}" type="datetimeFigureOut">
               <a:rPr lang="en-US" smtClean="0"/>
-              <a:t>12/7/19</a:t>
+              <a:t>2/19/20</a:t>
             </a:fld>
             <a:endParaRPr lang="en-US"/>
           </a:p>
@@ -858,7 +864,7 @@
           <a:p>
             <a:fld id="{9E04E7CE-2713-1040-A5A4-CE45DCEDD4AF}" type="datetimeFigureOut">
               <a:rPr lang="en-US" smtClean="0"/>
-              <a:t>12/7/19</a:t>
+              <a:t>2/19/20</a:t>
             </a:fld>
             <a:endParaRPr lang="en-US"/>
           </a:p>
@@ -1133,7 +1139,7 @@
           <a:p>
             <a:fld id="{9E04E7CE-2713-1040-A5A4-CE45DCEDD4AF}" type="datetimeFigureOut">
               <a:rPr lang="en-US" smtClean="0"/>
-              <a:t>12/7/19</a:t>
+              <a:t>2/19/20</a:t>
             </a:fld>
             <a:endParaRPr lang="en-US"/>
           </a:p>
@@ -1398,7 +1404,7 @@
           <a:p>
             <a:fld id="{9E04E7CE-2713-1040-A5A4-CE45DCEDD4AF}" type="datetimeFigureOut">
               <a:rPr lang="en-US" smtClean="0"/>
-              <a:t>12/7/19</a:t>
+              <a:t>2/19/20</a:t>
             </a:fld>
             <a:endParaRPr lang="en-US"/>
           </a:p>
@@ -1810,7 +1816,7 @@
           <a:p>
             <a:fld id="{9E04E7CE-2713-1040-A5A4-CE45DCEDD4AF}" type="datetimeFigureOut">
               <a:rPr lang="en-US" smtClean="0"/>
-              <a:t>12/7/19</a:t>
+              <a:t>2/19/20</a:t>
             </a:fld>
             <a:endParaRPr lang="en-US"/>
           </a:p>
@@ -1951,7 +1957,7 @@
           <a:p>
             <a:fld id="{9E04E7CE-2713-1040-A5A4-CE45DCEDD4AF}" type="datetimeFigureOut">
               <a:rPr lang="en-US" smtClean="0"/>
-              <a:t>12/7/19</a:t>
+              <a:t>2/19/20</a:t>
             </a:fld>
             <a:endParaRPr lang="en-US"/>
           </a:p>
@@ -2064,7 +2070,7 @@
           <a:p>
             <a:fld id="{9E04E7CE-2713-1040-A5A4-CE45DCEDD4AF}" type="datetimeFigureOut">
               <a:rPr lang="en-US" smtClean="0"/>
-              <a:t>12/7/19</a:t>
+              <a:t>2/19/20</a:t>
             </a:fld>
             <a:endParaRPr lang="en-US"/>
           </a:p>
@@ -2375,7 +2381,7 @@
           <a:p>
             <a:fld id="{9E04E7CE-2713-1040-A5A4-CE45DCEDD4AF}" type="datetimeFigureOut">
               <a:rPr lang="en-US" smtClean="0"/>
-              <a:t>12/7/19</a:t>
+              <a:t>2/19/20</a:t>
             </a:fld>
             <a:endParaRPr lang="en-US"/>
           </a:p>
@@ -2663,7 +2669,7 @@
           <a:p>
             <a:fld id="{9E04E7CE-2713-1040-A5A4-CE45DCEDD4AF}" type="datetimeFigureOut">
               <a:rPr lang="en-US" smtClean="0"/>
-              <a:t>12/7/19</a:t>
+              <a:t>2/19/20</a:t>
             </a:fld>
             <a:endParaRPr lang="en-US"/>
           </a:p>
@@ -2904,7 +2910,7 @@
           <a:p>
             <a:fld id="{9E04E7CE-2713-1040-A5A4-CE45DCEDD4AF}" type="datetimeFigureOut">
               <a:rPr lang="en-US" smtClean="0"/>
-              <a:t>12/7/19</a:t>
+              <a:t>2/19/20</a:t>
             </a:fld>
             <a:endParaRPr lang="en-US"/>
           </a:p>
@@ -3323,10 +3329,10 @@
       </p:grpSpPr>
       <p:sp>
         <p:nvSpPr>
-          <p:cNvPr id="3" name="Oval 2">
-            <a:extLst>
-              <a:ext uri="{FF2B5EF4-FFF2-40B4-BE49-F238E27FC236}">
-                <a16:creationId xmlns:a16="http://schemas.microsoft.com/office/drawing/2014/main" id="{C4E2AD9A-20A4-FC4C-B2F2-4493EA6F855D}"/>
+          <p:cNvPr id="7" name="Rectangle 6">
+            <a:extLst>
+              <a:ext uri="{FF2B5EF4-FFF2-40B4-BE49-F238E27FC236}">
+                <a16:creationId xmlns:a16="http://schemas.microsoft.com/office/drawing/2014/main" id="{5B9F92DB-CA98-9F4D-AE08-45528DC1EAF0}"/>
               </a:ext>
             </a:extLst>
           </p:cNvPr>
@@ -3335,7 +3341,62 @@
         </p:nvSpPr>
         <p:spPr>
           <a:xfrm>
-            <a:off x="5339255" y="2638097"/>
+            <a:off x="336331" y="441434"/>
+            <a:ext cx="11561379" cy="4572000"/>
+          </a:xfrm>
+          <a:prstGeom prst="rect">
+            <a:avLst/>
+          </a:prstGeom>
+          <a:solidFill>
+            <a:schemeClr val="bg1"/>
+          </a:solidFill>
+          <a:ln>
+            <a:noFill/>
+          </a:ln>
+        </p:spPr>
+        <p:style>
+          <a:lnRef idx="2">
+            <a:schemeClr val="accent1">
+              <a:shade val="50000"/>
+            </a:schemeClr>
+          </a:lnRef>
+          <a:fillRef idx="1">
+            <a:schemeClr val="accent1"/>
+          </a:fillRef>
+          <a:effectRef idx="0">
+            <a:schemeClr val="accent1"/>
+          </a:effectRef>
+          <a:fontRef idx="minor">
+            <a:schemeClr val="lt1"/>
+          </a:fontRef>
+        </p:style>
+        <p:txBody>
+          <a:bodyPr rtlCol="0" anchor="ctr"/>
+          <a:lstStyle/>
+          <a:p>
+            <a:pPr algn="ctr"/>
+            <a:r>
+              <a:rPr lang="en-KW"/>
+              <a:t> </a:t>
+            </a:r>
+          </a:p>
+        </p:txBody>
+      </p:sp>
+      <p:sp>
+        <p:nvSpPr>
+          <p:cNvPr id="3" name="Oval 2">
+            <a:extLst>
+              <a:ext uri="{FF2B5EF4-FFF2-40B4-BE49-F238E27FC236}">
+                <a16:creationId xmlns:a16="http://schemas.microsoft.com/office/drawing/2014/main" id="{C4E2AD9A-20A4-FC4C-B2F2-4493EA6F855D}"/>
+              </a:ext>
+            </a:extLst>
+          </p:cNvPr>
+          <p:cNvSpPr/>
+          <p:nvPr/>
+        </p:nvSpPr>
+        <p:spPr>
+          <a:xfrm>
+            <a:off x="4529959" y="2406869"/>
             <a:ext cx="1124607" cy="1124607"/>
           </a:xfrm>
           <a:prstGeom prst="ellipse">
@@ -3403,7 +3464,7 @@
         </p:nvSpPr>
         <p:spPr>
           <a:xfrm>
-            <a:off x="1713186" y="1445173"/>
+            <a:off x="903890" y="1213945"/>
             <a:ext cx="1534509" cy="635876"/>
           </a:xfrm>
           <a:prstGeom prst="rect">
@@ -3458,7 +3519,7 @@
         </p:nvSpPr>
         <p:spPr>
           <a:xfrm>
-            <a:off x="1319048" y="2320159"/>
+            <a:off x="509752" y="2088931"/>
             <a:ext cx="1928648" cy="635876"/>
           </a:xfrm>
           <a:prstGeom prst="rect">
@@ -3513,7 +3574,7 @@
         </p:nvSpPr>
         <p:spPr>
           <a:xfrm>
-            <a:off x="2207172" y="3901966"/>
+            <a:off x="1397876" y="3670738"/>
             <a:ext cx="1040524" cy="635876"/>
           </a:xfrm>
           <a:prstGeom prst="rect">
@@ -3571,7 +3632,7 @@
         </p:nvCxnSpPr>
         <p:spPr>
           <a:xfrm>
-            <a:off x="3247695" y="1763111"/>
+            <a:off x="2438399" y="1531883"/>
             <a:ext cx="2091560" cy="1437290"/>
           </a:xfrm>
           <a:prstGeom prst="straightConnector1">
@@ -3616,7 +3677,7 @@
         </p:nvCxnSpPr>
         <p:spPr>
           <a:xfrm>
-            <a:off x="3247696" y="2638097"/>
+            <a:off x="2438400" y="2406869"/>
             <a:ext cx="2091559" cy="562304"/>
           </a:xfrm>
           <a:prstGeom prst="straightConnector1">
@@ -3661,7 +3722,7 @@
         </p:nvCxnSpPr>
         <p:spPr>
           <a:xfrm flipV="1">
-            <a:off x="3247696" y="3200402"/>
+            <a:off x="2438400" y="2969174"/>
             <a:ext cx="2091559" cy="1019502"/>
           </a:xfrm>
           <a:prstGeom prst="straightConnector1">
@@ -3703,7 +3764,7 @@
         </p:nvSpPr>
         <p:spPr>
           <a:xfrm>
-            <a:off x="1319048" y="3121573"/>
+            <a:off x="509752" y="2890345"/>
             <a:ext cx="1928648" cy="635876"/>
           </a:xfrm>
           <a:prstGeom prst="rect">
@@ -3760,7 +3821,7 @@
         </p:nvSpPr>
         <p:spPr>
           <a:xfrm>
-            <a:off x="3712778" y="1721069"/>
+            <a:off x="2903482" y="1489841"/>
             <a:ext cx="580697" cy="635876"/>
           </a:xfrm>
           <a:prstGeom prst="rect">
@@ -3825,7 +3886,7 @@
         </p:nvSpPr>
         <p:spPr>
           <a:xfrm>
-            <a:off x="3712778" y="2289943"/>
+            <a:off x="2903482" y="2058715"/>
             <a:ext cx="580697" cy="635876"/>
           </a:xfrm>
           <a:prstGeom prst="rect">
@@ -3890,7 +3951,7 @@
         </p:nvSpPr>
         <p:spPr>
           <a:xfrm>
-            <a:off x="3712778" y="3757449"/>
+            <a:off x="2903482" y="3526221"/>
             <a:ext cx="819807" cy="712074"/>
           </a:xfrm>
           <a:prstGeom prst="rect">
@@ -3968,7 +4029,7 @@
         </p:blipFill>
         <p:spPr>
           <a:xfrm>
-            <a:off x="7108614" y="2081049"/>
+            <a:off x="6384953" y="1531883"/>
             <a:ext cx="3159505" cy="3059362"/>
           </a:xfrm>
           <a:prstGeom prst="rect">
@@ -3990,7 +4051,7 @@
         </p:nvSpPr>
         <p:spPr>
           <a:xfrm>
-            <a:off x="7255347" y="1158765"/>
+            <a:off x="6531686" y="609599"/>
             <a:ext cx="3145718" cy="1124607"/>
           </a:xfrm>
           <a:prstGeom prst="rect">
@@ -4050,7 +4111,7 @@
         </p:nvCxnSpPr>
         <p:spPr>
           <a:xfrm>
-            <a:off x="6463862" y="3200401"/>
+            <a:off x="5654566" y="2969173"/>
             <a:ext cx="511806" cy="0"/>
           </a:xfrm>
           <a:prstGeom prst="straightConnector1">
@@ -4078,6 +4139,118 @@
           </a:fontRef>
         </p:style>
       </p:cxnSp>
+      <p:cxnSp>
+        <p:nvCxnSpPr>
+          <p:cNvPr id="17" name="Straight Arrow Connector 16">
+            <a:extLst>
+              <a:ext uri="{FF2B5EF4-FFF2-40B4-BE49-F238E27FC236}">
+                <a16:creationId xmlns:a16="http://schemas.microsoft.com/office/drawing/2014/main" id="{C0FBCAF5-E7ED-8548-BF6B-379B500672BD}"/>
+              </a:ext>
+            </a:extLst>
+          </p:cNvPr>
+          <p:cNvCxnSpPr>
+            <a:cxnSpLocks/>
+          </p:cNvCxnSpPr>
+          <p:nvPr/>
+        </p:nvCxnSpPr>
+        <p:spPr>
+          <a:xfrm>
+            <a:off x="9677404" y="2969173"/>
+            <a:ext cx="511806" cy="0"/>
+          </a:xfrm>
+          <a:prstGeom prst="straightConnector1">
+            <a:avLst/>
+          </a:prstGeom>
+          <a:ln w="76200">
+            <a:solidFill>
+              <a:schemeClr val="tx1"/>
+            </a:solidFill>
+            <a:tailEnd type="triangle"/>
+          </a:ln>
+        </p:spPr>
+        <p:style>
+          <a:lnRef idx="1">
+            <a:schemeClr val="accent1"/>
+          </a:lnRef>
+          <a:fillRef idx="0">
+            <a:schemeClr val="accent1"/>
+          </a:fillRef>
+          <a:effectRef idx="0">
+            <a:schemeClr val="accent1"/>
+          </a:effectRef>
+          <a:fontRef idx="minor">
+            <a:schemeClr val="tx1"/>
+          </a:fontRef>
+        </p:style>
+      </p:cxnSp>
+      <p:sp>
+        <p:nvSpPr>
+          <p:cNvPr id="18" name="Rectangle 17">
+            <a:extLst>
+              <a:ext uri="{FF2B5EF4-FFF2-40B4-BE49-F238E27FC236}">
+                <a16:creationId xmlns:a16="http://schemas.microsoft.com/office/drawing/2014/main" id="{77E4FD27-A3F4-624E-AC67-F604DF475DE5}"/>
+              </a:ext>
+            </a:extLst>
+          </p:cNvPr>
+          <p:cNvSpPr/>
+          <p:nvPr/>
+        </p:nvSpPr>
+        <p:spPr>
+          <a:xfrm>
+            <a:off x="9544458" y="2328041"/>
+            <a:ext cx="3145718" cy="1124607"/>
+          </a:xfrm>
+          <a:prstGeom prst="rect">
+            <a:avLst/>
+          </a:prstGeom>
+          <a:noFill/>
+          <a:ln w="38100">
+            <a:noFill/>
+          </a:ln>
+        </p:spPr>
+        <p:style>
+          <a:lnRef idx="2">
+            <a:schemeClr val="accent1">
+              <a:shade val="50000"/>
+            </a:schemeClr>
+          </a:lnRef>
+          <a:fillRef idx="1">
+            <a:schemeClr val="accent1"/>
+          </a:fillRef>
+          <a:effectRef idx="0">
+            <a:schemeClr val="accent1"/>
+          </a:effectRef>
+          <a:fontRef idx="minor">
+            <a:schemeClr val="lt1"/>
+          </a:fontRef>
+        </p:style>
+        <p:txBody>
+          <a:bodyPr rtlCol="0" anchor="ctr"/>
+          <a:lstStyle/>
+          <a:p>
+            <a:pPr algn="ctr"/>
+            <a:r>
+              <a:rPr lang="en-US" sz="2800" b="1" dirty="0">
+                <a:solidFill>
+                  <a:schemeClr val="tx1"/>
+                </a:solidFill>
+              </a:rPr>
+              <a:t>Neuron </a:t>
+            </a:r>
+          </a:p>
+          <a:p>
+            <a:pPr algn="ctr"/>
+            <a:r>
+              <a:rPr lang="en-US" sz="2800" b="1" dirty="0">
+                <a:solidFill>
+                  <a:schemeClr val="tx1"/>
+                </a:solidFill>
+              </a:rPr>
+              <a:t>Output</a:t>
+            </a:r>
+          </a:p>
+        </p:txBody>
+      </p:sp>
     </p:spTree>
     <p:extLst>
       <p:ext uri="{BB962C8B-B14F-4D97-AF65-F5344CB8AC3E}">
@@ -4088,6 +4261,614 @@
   <p:clrMapOvr>
     <a:masterClrMapping/>
   </p:clrMapOvr>
+</p:sld>
+</file>
+
+<file path=ppt/slides/slide2.xml><?xml version="1.0" encoding="utf-8"?>
+<p:sld xmlns:a="http://schemas.openxmlformats.org/drawingml/2006/main" xmlns:r="http://schemas.openxmlformats.org/officeDocument/2006/relationships" xmlns:p="http://schemas.openxmlformats.org/presentationml/2006/main">
+  <p:cSld>
+    <p:spTree>
+      <p:nvGrpSpPr>
+        <p:cNvPr id="1" name=""/>
+        <p:cNvGrpSpPr/>
+        <p:nvPr/>
+      </p:nvGrpSpPr>
+      <p:grpSpPr>
+        <a:xfrm>
+          <a:off x="0" y="0"/>
+          <a:ext cx="0" cy="0"/>
+          <a:chOff x="0" y="0"/>
+          <a:chExt cx="0" cy="0"/>
+        </a:xfrm>
+      </p:grpSpPr>
+      <p:sp>
+        <p:nvSpPr>
+          <p:cNvPr id="11" name="Rectangle 10">
+            <a:extLst>
+              <a:ext uri="{FF2B5EF4-FFF2-40B4-BE49-F238E27FC236}">
+                <a16:creationId xmlns:a16="http://schemas.microsoft.com/office/drawing/2014/main" id="{1AE5C21C-4848-8445-917F-BE924B01E5C0}"/>
+              </a:ext>
+            </a:extLst>
+          </p:cNvPr>
+          <p:cNvSpPr/>
+          <p:nvPr/>
+        </p:nvSpPr>
+        <p:spPr>
+          <a:xfrm>
+            <a:off x="244115" y="1075174"/>
+            <a:ext cx="9834382" cy="5486400"/>
+          </a:xfrm>
+          <a:prstGeom prst="rect">
+            <a:avLst/>
+          </a:prstGeom>
+          <a:solidFill>
+            <a:schemeClr val="bg1"/>
+          </a:solidFill>
+          <a:ln>
+            <a:noFill/>
+          </a:ln>
+        </p:spPr>
+        <p:style>
+          <a:lnRef idx="2">
+            <a:schemeClr val="accent1">
+              <a:shade val="50000"/>
+            </a:schemeClr>
+          </a:lnRef>
+          <a:fillRef idx="1">
+            <a:schemeClr val="accent1"/>
+          </a:fillRef>
+          <a:effectRef idx="0">
+            <a:schemeClr val="accent1"/>
+          </a:effectRef>
+          <a:fontRef idx="minor">
+            <a:schemeClr val="lt1"/>
+          </a:fontRef>
+        </p:style>
+        <p:txBody>
+          <a:bodyPr rtlCol="0" anchor="ctr"/>
+          <a:lstStyle/>
+          <a:p>
+            <a:pPr algn="ctr"/>
+            <a:r>
+              <a:rPr lang="en-KW"/>
+              <a:t> </a:t>
+            </a:r>
+          </a:p>
+        </p:txBody>
+      </p:sp>
+      <p:grpSp>
+        <p:nvGrpSpPr>
+          <p:cNvPr id="5" name="Group 4">
+            <a:extLst>
+              <a:ext uri="{FF2B5EF4-FFF2-40B4-BE49-F238E27FC236}">
+                <a16:creationId xmlns:a16="http://schemas.microsoft.com/office/drawing/2014/main" id="{B9766E64-ECD1-F14C-87B0-9BCE29AB0106}"/>
+              </a:ext>
+            </a:extLst>
+          </p:cNvPr>
+          <p:cNvGrpSpPr/>
+          <p:nvPr/>
+        </p:nvGrpSpPr>
+        <p:grpSpPr>
+          <a:xfrm>
+            <a:off x="3328666" y="1352444"/>
+            <a:ext cx="6519236" cy="4927776"/>
+            <a:chOff x="4417937" y="1520907"/>
+            <a:chExt cx="5348726" cy="4043008"/>
+          </a:xfrm>
+        </p:grpSpPr>
+        <p:pic>
+          <p:nvPicPr>
+            <p:cNvPr id="6" name="Picture 5">
+              <a:extLst>
+                <a:ext uri="{FF2B5EF4-FFF2-40B4-BE49-F238E27FC236}">
+                  <a16:creationId xmlns:a16="http://schemas.microsoft.com/office/drawing/2014/main" id="{A465FC60-B741-F342-8F57-2999568EA0D8}"/>
+                </a:ext>
+              </a:extLst>
+            </p:cNvPr>
+            <p:cNvPicPr>
+              <a:picLocks noChangeAspect="1"/>
+            </p:cNvPicPr>
+            <p:nvPr/>
+          </p:nvPicPr>
+          <p:blipFill>
+            <a:blip r:embed="rId2"/>
+            <a:stretch>
+              <a:fillRect/>
+            </a:stretch>
+          </p:blipFill>
+          <p:spPr>
+            <a:xfrm>
+              <a:off x="4417937" y="1520907"/>
+              <a:ext cx="5348726" cy="4043008"/>
+            </a:xfrm>
+            <a:prstGeom prst="rect">
+              <a:avLst/>
+            </a:prstGeom>
+          </p:spPr>
+        </p:pic>
+        <p:sp>
+          <p:nvSpPr>
+            <p:cNvPr id="7" name="Rectangle: Rounded Corners 158">
+              <a:extLst>
+                <a:ext uri="{FF2B5EF4-FFF2-40B4-BE49-F238E27FC236}">
+                  <a16:creationId xmlns:a16="http://schemas.microsoft.com/office/drawing/2014/main" id="{BAD5B38E-9096-2245-941E-3C5799882B4A}"/>
+                </a:ext>
+              </a:extLst>
+            </p:cNvPr>
+            <p:cNvSpPr/>
+            <p:nvPr/>
+          </p:nvSpPr>
+          <p:spPr>
+            <a:xfrm>
+              <a:off x="4417937" y="2906486"/>
+              <a:ext cx="3517749" cy="731520"/>
+            </a:xfrm>
+            <a:prstGeom prst="roundRect">
+              <a:avLst/>
+            </a:prstGeom>
+            <a:noFill/>
+            <a:ln w="57150">
+              <a:prstDash val="sysDot"/>
+            </a:ln>
+          </p:spPr>
+          <p:style>
+            <a:lnRef idx="2">
+              <a:schemeClr val="accent1">
+                <a:shade val="50000"/>
+              </a:schemeClr>
+            </a:lnRef>
+            <a:fillRef idx="1">
+              <a:schemeClr val="accent1"/>
+            </a:fillRef>
+            <a:effectRef idx="0">
+              <a:schemeClr val="accent1"/>
+            </a:effectRef>
+            <a:fontRef idx="minor">
+              <a:schemeClr val="lt1"/>
+            </a:fontRef>
+          </p:style>
+          <p:txBody>
+            <a:bodyPr rtlCol="0" anchor="ctr"/>
+            <a:lstStyle/>
+            <a:p>
+              <a:pPr algn="ctr"/>
+              <a:endParaRPr lang="en-US"/>
+            </a:p>
+          </p:txBody>
+        </p:sp>
+      </p:grpSp>
+      <p:grpSp>
+        <p:nvGrpSpPr>
+          <p:cNvPr id="8" name="Group 7">
+            <a:extLst>
+              <a:ext uri="{FF2B5EF4-FFF2-40B4-BE49-F238E27FC236}">
+                <a16:creationId xmlns:a16="http://schemas.microsoft.com/office/drawing/2014/main" id="{003F982E-164A-1A47-B14E-61FBE5FCE96B}"/>
+              </a:ext>
+            </a:extLst>
+          </p:cNvPr>
+          <p:cNvGrpSpPr/>
+          <p:nvPr/>
+        </p:nvGrpSpPr>
+        <p:grpSpPr>
+          <a:xfrm>
+            <a:off x="401934" y="3041242"/>
+            <a:ext cx="2792137" cy="2322600"/>
+            <a:chOff x="6517768" y="2478704"/>
+            <a:chExt cx="2815361" cy="2322600"/>
+          </a:xfrm>
+        </p:grpSpPr>
+        <mc:AlternateContent xmlns:mc="http://schemas.openxmlformats.org/markup-compatibility/2006" xmlns:a14="http://schemas.microsoft.com/office/drawing/2010/main">
+          <mc:Choice Requires="a14">
+            <p:sp>
+              <p:nvSpPr>
+                <p:cNvPr id="9" name="TextBox 8">
+                  <a:extLst>
+                    <a:ext uri="{FF2B5EF4-FFF2-40B4-BE49-F238E27FC236}">
+                      <a16:creationId xmlns:a16="http://schemas.microsoft.com/office/drawing/2014/main" id="{14F0FBA8-88A4-3F46-967F-22ACE59E3CC0}"/>
+                    </a:ext>
+                  </a:extLst>
+                </p:cNvPr>
+                <p:cNvSpPr txBox="1"/>
+                <p:nvPr/>
+              </p:nvSpPr>
+              <p:spPr>
+                <a:xfrm>
+                  <a:off x="6546001" y="2478704"/>
+                  <a:ext cx="2758897" cy="732573"/>
+                </a:xfrm>
+                <a:prstGeom prst="rect">
+                  <a:avLst/>
+                </a:prstGeom>
+                <a:noFill/>
+              </p:spPr>
+              <p:txBody>
+                <a:bodyPr wrap="none" rtlCol="0">
+                  <a:spAutoFit/>
+                </a:bodyPr>
+                <a:lstStyle/>
+                <a:p>
+                  <a:pPr algn="ctr"/>
+                  <a:r>
+                    <a:rPr lang="en-US" sz="2000" b="1" dirty="0"/>
+                    <a:t>Nonlinearity</a:t>
+                  </a:r>
+                </a:p>
+                <a:p>
+                  <a:pPr/>
+                  <a14:m>
+                    <m:oMathPara xmlns:m="http://schemas.openxmlformats.org/officeDocument/2006/math">
+                      <m:oMathParaPr>
+                        <m:jc m:val="centerGroup"/>
+                      </m:oMathParaPr>
+                      <m:oMath xmlns:m="http://schemas.openxmlformats.org/officeDocument/2006/math">
+                        <m:sSub>
+                          <m:sSubPr>
+                            <m:ctrlPr>
+                              <a:rPr lang="en-US" sz="2000" b="0" i="1" smtClean="0">
+                                <a:latin typeface="Cambria Math" panose="02040503050406030204" pitchFamily="18" charset="0"/>
+                              </a:rPr>
+                            </m:ctrlPr>
+                          </m:sSubPr>
+                          <m:e>
+                            <m:r>
+                              <a:rPr lang="en-US" sz="2000" b="0" i="1" smtClean="0">
+                                <a:latin typeface="Cambria Math" panose="02040503050406030204" pitchFamily="18" charset="0"/>
+                              </a:rPr>
+                              <m:t>𝑢</m:t>
+                            </m:r>
+                          </m:e>
+                          <m:sub>
+                            <m:r>
+                              <a:rPr lang="en-US" sz="2000" b="0" i="1" smtClean="0">
+                                <a:latin typeface="Cambria Math" panose="02040503050406030204" pitchFamily="18" charset="0"/>
+                              </a:rPr>
+                              <m:t>𝑗</m:t>
+                            </m:r>
+                          </m:sub>
+                        </m:sSub>
+                        <m:r>
+                          <a:rPr lang="en-US" sz="2000" b="0" i="1" smtClean="0">
+                            <a:latin typeface="Cambria Math" panose="02040503050406030204" pitchFamily="18" charset="0"/>
+                          </a:rPr>
+                          <m:t>=</m:t>
+                        </m:r>
+                        <m:r>
+                          <m:rPr>
+                            <m:sty m:val="p"/>
+                          </m:rPr>
+                          <a:rPr lang="en-US" sz="2000" b="0" i="0" smtClean="0">
+                            <a:latin typeface="Cambria Math" panose="02040503050406030204" pitchFamily="18" charset="0"/>
+                          </a:rPr>
+                          <m:t>tanh</m:t>
+                        </m:r>
+                        <m:r>
+                          <a:rPr lang="en-US" sz="2000" b="0" i="1" smtClean="0">
+                            <a:latin typeface="Cambria Math" panose="02040503050406030204" pitchFamily="18" charset="0"/>
+                          </a:rPr>
+                          <m:t>⁡(</m:t>
+                        </m:r>
+                        <m:sSub>
+                          <m:sSubPr>
+                            <m:ctrlPr>
+                              <a:rPr lang="en-US" sz="2000" b="0" i="1" smtClean="0">
+                                <a:latin typeface="Cambria Math" panose="02040503050406030204" pitchFamily="18" charset="0"/>
+                              </a:rPr>
+                            </m:ctrlPr>
+                          </m:sSubPr>
+                          <m:e>
+                            <m:r>
+                              <a:rPr lang="en-US" sz="2000" b="0" i="1" smtClean="0">
+                                <a:latin typeface="Cambria Math" panose="02040503050406030204" pitchFamily="18" charset="0"/>
+                              </a:rPr>
+                              <m:t>𝑏</m:t>
+                            </m:r>
+                          </m:e>
+                          <m:sub>
+                            <m:r>
+                              <a:rPr lang="en-US" sz="2000" b="0" i="1" smtClean="0">
+                                <a:latin typeface="Cambria Math" panose="02040503050406030204" pitchFamily="18" charset="0"/>
+                              </a:rPr>
+                              <m:t>𝑗</m:t>
+                            </m:r>
+                          </m:sub>
+                        </m:sSub>
+                        <m:r>
+                          <a:rPr lang="en-US" sz="2000" b="0" i="1" smtClean="0">
+                            <a:latin typeface="Cambria Math" panose="02040503050406030204" pitchFamily="18" charset="0"/>
+                          </a:rPr>
+                          <m:t>+∑</m:t>
+                        </m:r>
+                        <m:sSub>
+                          <m:sSubPr>
+                            <m:ctrlPr>
+                              <a:rPr lang="en-US" sz="2000" b="0" i="1" smtClean="0">
+                                <a:latin typeface="Cambria Math" panose="02040503050406030204" pitchFamily="18" charset="0"/>
+                              </a:rPr>
+                            </m:ctrlPr>
+                          </m:sSubPr>
+                          <m:e>
+                            <m:r>
+                              <a:rPr lang="en-US" sz="2000" b="0" i="1" smtClean="0">
+                                <a:latin typeface="Cambria Math" panose="02040503050406030204" pitchFamily="18" charset="0"/>
+                              </a:rPr>
+                              <m:t>𝑤</m:t>
+                            </m:r>
+                          </m:e>
+                          <m:sub>
+                            <m:r>
+                              <a:rPr lang="en-US" sz="2000" b="0" i="1" smtClean="0">
+                                <a:latin typeface="Cambria Math" panose="02040503050406030204" pitchFamily="18" charset="0"/>
+                              </a:rPr>
+                              <m:t>𝑗𝑖</m:t>
+                            </m:r>
+                          </m:sub>
+                        </m:sSub>
+                        <m:sSub>
+                          <m:sSubPr>
+                            <m:ctrlPr>
+                              <a:rPr lang="en-US" sz="2000" b="0" i="1" smtClean="0">
+                                <a:latin typeface="Cambria Math" panose="02040503050406030204" pitchFamily="18" charset="0"/>
+                              </a:rPr>
+                            </m:ctrlPr>
+                          </m:sSubPr>
+                          <m:e>
+                            <m:r>
+                              <a:rPr lang="en-US" sz="2000" b="0" i="1" smtClean="0">
+                                <a:latin typeface="Cambria Math" panose="02040503050406030204" pitchFamily="18" charset="0"/>
+                              </a:rPr>
+                              <m:t>𝑥</m:t>
+                            </m:r>
+                          </m:e>
+                          <m:sub>
+                            <m:r>
+                              <a:rPr lang="en-US" sz="2000" b="0" i="1" smtClean="0">
+                                <a:latin typeface="Cambria Math" panose="02040503050406030204" pitchFamily="18" charset="0"/>
+                              </a:rPr>
+                              <m:t>𝑖</m:t>
+                            </m:r>
+                          </m:sub>
+                        </m:sSub>
+                        <m:r>
+                          <a:rPr lang="en-US" sz="2000" b="0" i="1" smtClean="0">
+                            <a:latin typeface="Cambria Math" panose="02040503050406030204" pitchFamily="18" charset="0"/>
+                          </a:rPr>
+                          <m:t>)</m:t>
+                        </m:r>
+                      </m:oMath>
+                    </m:oMathPara>
+                  </a14:m>
+                  <a:endParaRPr lang="en-US" sz="2000" dirty="0"/>
+                </a:p>
+              </p:txBody>
+            </p:sp>
+          </mc:Choice>
+          <mc:Fallback xmlns="">
+            <p:sp>
+              <p:nvSpPr>
+                <p:cNvPr id="156" name="TextBox 155">
+                  <a:extLst>
+                    <a:ext uri="{FF2B5EF4-FFF2-40B4-BE49-F238E27FC236}">
+                      <a16:creationId xmlns:a16="http://schemas.microsoft.com/office/drawing/2014/main" id="{DD757EFD-B196-4439-8611-10544318F3CE}"/>
+                    </a:ext>
+                  </a:extLst>
+                </p:cNvPr>
+                <p:cNvSpPr txBox="1">
+                  <a:spLocks noRot="1" noChangeAspect="1" noMove="1" noResize="1" noEditPoints="1" noAdjustHandles="1" noChangeArrowheads="1" noChangeShapeType="1" noTextEdit="1"/>
+                </p:cNvSpPr>
+                <p:nvPr/>
+              </p:nvSpPr>
+              <p:spPr>
+                <a:xfrm>
+                  <a:off x="6546001" y="2478704"/>
+                  <a:ext cx="2758897" cy="732573"/>
+                </a:xfrm>
+                <a:prstGeom prst="rect">
+                  <a:avLst/>
+                </a:prstGeom>
+                <a:blipFill>
+                  <a:blip r:embed="rId4"/>
+                  <a:stretch>
+                    <a:fillRect t="-5000" b="-5000"/>
+                  </a:stretch>
+                </a:blipFill>
+              </p:spPr>
+              <p:txBody>
+                <a:bodyPr/>
+                <a:lstStyle/>
+                <a:p>
+                  <a:r>
+                    <a:rPr lang="en-US">
+                      <a:noFill/>
+                    </a:rPr>
+                    <a:t> </a:t>
+                  </a:r>
+                </a:p>
+              </p:txBody>
+            </p:sp>
+          </mc:Fallback>
+        </mc:AlternateContent>
+        <p:pic>
+          <p:nvPicPr>
+            <p:cNvPr id="10" name="Picture 9">
+              <a:extLst>
+                <a:ext uri="{FF2B5EF4-FFF2-40B4-BE49-F238E27FC236}">
+                  <a16:creationId xmlns:a16="http://schemas.microsoft.com/office/drawing/2014/main" id="{11DA6B0B-F291-0A47-85B2-97B2939CDCB1}"/>
+                </a:ext>
+              </a:extLst>
+            </p:cNvPr>
+            <p:cNvPicPr>
+              <a:picLocks noChangeAspect="1"/>
+            </p:cNvPicPr>
+            <p:nvPr/>
+          </p:nvPicPr>
+          <p:blipFill rotWithShape="1">
+            <a:blip r:embed="rId5">
+              <a:extLst>
+                <a:ext uri="{28A0092B-C50C-407E-A947-70E740481C1C}">
+                  <a14:useLocalDpi xmlns:a14="http://schemas.microsoft.com/office/drawing/2010/main" val="0"/>
+                </a:ext>
+              </a:extLst>
+            </a:blip>
+            <a:srcRect l="49113"/>
+            <a:stretch/>
+          </p:blipFill>
+          <p:spPr>
+            <a:xfrm>
+              <a:off x="6517768" y="3230629"/>
+              <a:ext cx="2815361" cy="1570675"/>
+            </a:xfrm>
+            <a:prstGeom prst="rect">
+              <a:avLst/>
+            </a:prstGeom>
+          </p:spPr>
+        </p:pic>
+      </p:grpSp>
+    </p:spTree>
+    <p:extLst>
+      <p:ext uri="{BB962C8B-B14F-4D97-AF65-F5344CB8AC3E}">
+        <p14:creationId xmlns:p14="http://schemas.microsoft.com/office/powerpoint/2010/main" val="1773884636"/>
+      </p:ext>
+    </p:extLst>
+  </p:cSld>
+  <p:clrMapOvr>
+    <a:masterClrMapping/>
+  </p:clrMapOvr>
+  <p:timing>
+    <p:tnLst>
+      <p:par>
+        <p:cTn id="1" dur="indefinite" restart="never" nodeType="tmRoot">
+          <p:childTnLst>
+            <p:seq concurrent="1" nextAc="seek">
+              <p:cTn id="2" dur="indefinite" nodeType="mainSeq">
+                <p:childTnLst>
+                  <p:par>
+                    <p:cTn id="3" fill="hold">
+                      <p:stCondLst>
+                        <p:cond delay="indefinite"/>
+                      </p:stCondLst>
+                      <p:childTnLst>
+                        <p:par>
+                          <p:cTn id="4" fill="hold">
+                            <p:stCondLst>
+                              <p:cond delay="0"/>
+                            </p:stCondLst>
+                            <p:childTnLst>
+                              <p:par>
+                                <p:cTn id="5" presetID="10" presetClass="entr" presetSubtype="0" fill="hold" nodeType="clickEffect">
+                                  <p:stCondLst>
+                                    <p:cond delay="0"/>
+                                  </p:stCondLst>
+                                  <p:childTnLst>
+                                    <p:set>
+                                      <p:cBhvr>
+                                        <p:cTn id="6" dur="1" fill="hold">
+                                          <p:stCondLst>
+                                            <p:cond delay="0"/>
+                                          </p:stCondLst>
+                                        </p:cTn>
+                                        <p:tgtEl>
+                                          <p:spTgt spid="5"/>
+                                        </p:tgtEl>
+                                        <p:attrNameLst>
+                                          <p:attrName>style.visibility</p:attrName>
+                                        </p:attrNameLst>
+                                      </p:cBhvr>
+                                      <p:to>
+                                        <p:strVal val="visible"/>
+                                      </p:to>
+                                    </p:set>
+                                    <p:animEffect transition="in" filter="fade">
+                                      <p:cBhvr>
+                                        <p:cTn id="7" dur="500"/>
+                                        <p:tgtEl>
+                                          <p:spTgt spid="5"/>
+                                        </p:tgtEl>
+                                      </p:cBhvr>
+                                    </p:animEffect>
+                                  </p:childTnLst>
+                                </p:cTn>
+                              </p:par>
+                            </p:childTnLst>
+                          </p:cTn>
+                        </p:par>
+                      </p:childTnLst>
+                    </p:cTn>
+                  </p:par>
+                  <p:par>
+                    <p:cTn id="8" fill="hold">
+                      <p:stCondLst>
+                        <p:cond delay="indefinite"/>
+                      </p:stCondLst>
+                      <p:childTnLst>
+                        <p:par>
+                          <p:cTn id="9" fill="hold">
+                            <p:stCondLst>
+                              <p:cond delay="0"/>
+                            </p:stCondLst>
+                            <p:childTnLst>
+                              <p:par>
+                                <p:cTn id="10" presetID="10" presetClass="entr" presetSubtype="0" fill="hold" nodeType="clickEffect">
+                                  <p:stCondLst>
+                                    <p:cond delay="0"/>
+                                  </p:stCondLst>
+                                  <p:childTnLst>
+                                    <p:set>
+                                      <p:cBhvr>
+                                        <p:cTn id="11" dur="1" fill="hold">
+                                          <p:stCondLst>
+                                            <p:cond delay="0"/>
+                                          </p:stCondLst>
+                                        </p:cTn>
+                                        <p:tgtEl>
+                                          <p:spTgt spid="8"/>
+                                        </p:tgtEl>
+                                        <p:attrNameLst>
+                                          <p:attrName>style.visibility</p:attrName>
+                                        </p:attrNameLst>
+                                      </p:cBhvr>
+                                      <p:to>
+                                        <p:strVal val="visible"/>
+                                      </p:to>
+                                    </p:set>
+                                    <p:animEffect transition="in" filter="fade">
+                                      <p:cBhvr>
+                                        <p:cTn id="12" dur="500"/>
+                                        <p:tgtEl>
+                                          <p:spTgt spid="8"/>
+                                        </p:tgtEl>
+                                      </p:cBhvr>
+                                    </p:animEffect>
+                                  </p:childTnLst>
+                                </p:cTn>
+                              </p:par>
+                            </p:childTnLst>
+                          </p:cTn>
+                        </p:par>
+                      </p:childTnLst>
+                    </p:cTn>
+                  </p:par>
+                </p:childTnLst>
+              </p:cTn>
+              <p:prevCondLst>
+                <p:cond evt="onPrev" delay="0">
+                  <p:tgtEl>
+                    <p:sldTgt/>
+                  </p:tgtEl>
+                </p:cond>
+              </p:prevCondLst>
+              <p:nextCondLst>
+                <p:cond evt="onNext" delay="0">
+                  <p:tgtEl>
+                    <p:sldTgt/>
+                  </p:tgtEl>
+                </p:cond>
+              </p:nextCondLst>
+            </p:seq>
+          </p:childTnLst>
+        </p:cTn>
+      </p:par>
+    </p:tnLst>
+  </p:timing>
 </p:sld>
 </file>
 

--- a/graphics.pptx
+++ b/graphics.pptx
@@ -7,6 +7,8 @@
   <p:sldIdLst>
     <p:sldId id="258" r:id="rId2"/>
     <p:sldId id="259" r:id="rId3"/>
+    <p:sldId id="260" r:id="rId4"/>
+    <p:sldId id="261" r:id="rId5"/>
   </p:sldIdLst>
   <p:sldSz cx="12192000" cy="6858000"/>
   <p:notesSz cx="6858000" cy="9144000"/>
@@ -260,7 +262,7 @@
           <a:p>
             <a:fld id="{9E04E7CE-2713-1040-A5A4-CE45DCEDD4AF}" type="datetimeFigureOut">
               <a:rPr lang="en-US" smtClean="0"/>
-              <a:t>2/19/20</a:t>
+              <a:t>12/12/21</a:t>
             </a:fld>
             <a:endParaRPr lang="en-US"/>
           </a:p>
@@ -458,7 +460,7 @@
           <a:p>
             <a:fld id="{9E04E7CE-2713-1040-A5A4-CE45DCEDD4AF}" type="datetimeFigureOut">
               <a:rPr lang="en-US" smtClean="0"/>
-              <a:t>2/19/20</a:t>
+              <a:t>12/12/21</a:t>
             </a:fld>
             <a:endParaRPr lang="en-US"/>
           </a:p>
@@ -666,7 +668,7 @@
           <a:p>
             <a:fld id="{9E04E7CE-2713-1040-A5A4-CE45DCEDD4AF}" type="datetimeFigureOut">
               <a:rPr lang="en-US" smtClean="0"/>
-              <a:t>2/19/20</a:t>
+              <a:t>12/12/21</a:t>
             </a:fld>
             <a:endParaRPr lang="en-US"/>
           </a:p>
@@ -864,7 +866,7 @@
           <a:p>
             <a:fld id="{9E04E7CE-2713-1040-A5A4-CE45DCEDD4AF}" type="datetimeFigureOut">
               <a:rPr lang="en-US" smtClean="0"/>
-              <a:t>2/19/20</a:t>
+              <a:t>12/12/21</a:t>
             </a:fld>
             <a:endParaRPr lang="en-US"/>
           </a:p>
@@ -1139,7 +1141,7 @@
           <a:p>
             <a:fld id="{9E04E7CE-2713-1040-A5A4-CE45DCEDD4AF}" type="datetimeFigureOut">
               <a:rPr lang="en-US" smtClean="0"/>
-              <a:t>2/19/20</a:t>
+              <a:t>12/12/21</a:t>
             </a:fld>
             <a:endParaRPr lang="en-US"/>
           </a:p>
@@ -1404,7 +1406,7 @@
           <a:p>
             <a:fld id="{9E04E7CE-2713-1040-A5A4-CE45DCEDD4AF}" type="datetimeFigureOut">
               <a:rPr lang="en-US" smtClean="0"/>
-              <a:t>2/19/20</a:t>
+              <a:t>12/12/21</a:t>
             </a:fld>
             <a:endParaRPr lang="en-US"/>
           </a:p>
@@ -1816,7 +1818,7 @@
           <a:p>
             <a:fld id="{9E04E7CE-2713-1040-A5A4-CE45DCEDD4AF}" type="datetimeFigureOut">
               <a:rPr lang="en-US" smtClean="0"/>
-              <a:t>2/19/20</a:t>
+              <a:t>12/12/21</a:t>
             </a:fld>
             <a:endParaRPr lang="en-US"/>
           </a:p>
@@ -1957,7 +1959,7 @@
           <a:p>
             <a:fld id="{9E04E7CE-2713-1040-A5A4-CE45DCEDD4AF}" type="datetimeFigureOut">
               <a:rPr lang="en-US" smtClean="0"/>
-              <a:t>2/19/20</a:t>
+              <a:t>12/12/21</a:t>
             </a:fld>
             <a:endParaRPr lang="en-US"/>
           </a:p>
@@ -2070,7 +2072,7 @@
           <a:p>
             <a:fld id="{9E04E7CE-2713-1040-A5A4-CE45DCEDD4AF}" type="datetimeFigureOut">
               <a:rPr lang="en-US" smtClean="0"/>
-              <a:t>2/19/20</a:t>
+              <a:t>12/12/21</a:t>
             </a:fld>
             <a:endParaRPr lang="en-US"/>
           </a:p>
@@ -2381,7 +2383,7 @@
           <a:p>
             <a:fld id="{9E04E7CE-2713-1040-A5A4-CE45DCEDD4AF}" type="datetimeFigureOut">
               <a:rPr lang="en-US" smtClean="0"/>
-              <a:t>2/19/20</a:t>
+              <a:t>12/12/21</a:t>
             </a:fld>
             <a:endParaRPr lang="en-US"/>
           </a:p>
@@ -2669,7 +2671,7 @@
           <a:p>
             <a:fld id="{9E04E7CE-2713-1040-A5A4-CE45DCEDD4AF}" type="datetimeFigureOut">
               <a:rPr lang="en-US" smtClean="0"/>
-              <a:t>2/19/20</a:t>
+              <a:t>12/12/21</a:t>
             </a:fld>
             <a:endParaRPr lang="en-US"/>
           </a:p>
@@ -2910,7 +2912,7 @@
           <a:p>
             <a:fld id="{9E04E7CE-2713-1040-A5A4-CE45DCEDD4AF}" type="datetimeFigureOut">
               <a:rPr lang="en-US" smtClean="0"/>
-              <a:t>2/19/20</a:t>
+              <a:t>12/12/21</a:t>
             </a:fld>
             <a:endParaRPr lang="en-US"/>
           </a:p>
@@ -4872,6 +4874,4833 @@
 </p:sld>
 </file>
 
+<file path=ppt/slides/slide3.xml><?xml version="1.0" encoding="utf-8"?>
+<p:sld xmlns:a="http://schemas.openxmlformats.org/drawingml/2006/main" xmlns:r="http://schemas.openxmlformats.org/officeDocument/2006/relationships" xmlns:p="http://schemas.openxmlformats.org/presentationml/2006/main">
+  <p:cSld>
+    <p:spTree>
+      <p:nvGrpSpPr>
+        <p:cNvPr id="1" name=""/>
+        <p:cNvGrpSpPr/>
+        <p:nvPr/>
+      </p:nvGrpSpPr>
+      <p:grpSpPr>
+        <a:xfrm>
+          <a:off x="0" y="0"/>
+          <a:ext cx="0" cy="0"/>
+          <a:chOff x="0" y="0"/>
+          <a:chExt cx="0" cy="0"/>
+        </a:xfrm>
+      </p:grpSpPr>
+      <p:grpSp>
+        <p:nvGrpSpPr>
+          <p:cNvPr id="2" name="Group 1">
+            <a:extLst>
+              <a:ext uri="{FF2B5EF4-FFF2-40B4-BE49-F238E27FC236}">
+                <a16:creationId xmlns:a16="http://schemas.microsoft.com/office/drawing/2014/main" id="{4CB8D283-84A7-B54A-A527-1724E86AC3A2}"/>
+              </a:ext>
+            </a:extLst>
+          </p:cNvPr>
+          <p:cNvGrpSpPr/>
+          <p:nvPr/>
+        </p:nvGrpSpPr>
+        <p:grpSpPr>
+          <a:xfrm>
+            <a:off x="3438834" y="3036579"/>
+            <a:ext cx="987456" cy="990342"/>
+            <a:chOff x="1341927" y="1872195"/>
+            <a:chExt cx="1936572" cy="1942232"/>
+          </a:xfrm>
+        </p:grpSpPr>
+        <p:sp>
+          <p:nvSpPr>
+            <p:cNvPr id="3" name="Rectangle 2">
+              <a:extLst>
+                <a:ext uri="{FF2B5EF4-FFF2-40B4-BE49-F238E27FC236}">
+                  <a16:creationId xmlns:a16="http://schemas.microsoft.com/office/drawing/2014/main" id="{A46AF381-DFA1-A64B-8B20-F5C7DEC0E238}"/>
+                </a:ext>
+              </a:extLst>
+            </p:cNvPr>
+            <p:cNvSpPr/>
+            <p:nvPr/>
+          </p:nvSpPr>
+          <p:spPr>
+            <a:xfrm>
+              <a:off x="1341927" y="1872195"/>
+              <a:ext cx="484143" cy="484143"/>
+            </a:xfrm>
+            <a:prstGeom prst="rect">
+              <a:avLst/>
+            </a:prstGeom>
+            <a:solidFill>
+              <a:schemeClr val="tx1"/>
+            </a:solidFill>
+            <a:ln w="28575">
+              <a:solidFill>
+                <a:schemeClr val="bg1">
+                  <a:lumMod val="95000"/>
+                </a:schemeClr>
+              </a:solidFill>
+            </a:ln>
+          </p:spPr>
+          <p:style>
+            <a:lnRef idx="2">
+              <a:schemeClr val="accent1">
+                <a:shade val="50000"/>
+              </a:schemeClr>
+            </a:lnRef>
+            <a:fillRef idx="1">
+              <a:schemeClr val="accent1"/>
+            </a:fillRef>
+            <a:effectRef idx="0">
+              <a:schemeClr val="accent1"/>
+            </a:effectRef>
+            <a:fontRef idx="minor">
+              <a:schemeClr val="lt1"/>
+            </a:fontRef>
+          </p:style>
+          <p:txBody>
+            <a:bodyPr rtlCol="0" anchor="ctr"/>
+            <a:lstStyle/>
+            <a:p>
+              <a:pPr algn="ctr"/>
+              <a:endParaRPr lang="en-US"/>
+            </a:p>
+          </p:txBody>
+        </p:sp>
+        <p:sp>
+          <p:nvSpPr>
+            <p:cNvPr id="4" name="Rectangle 3">
+              <a:extLst>
+                <a:ext uri="{FF2B5EF4-FFF2-40B4-BE49-F238E27FC236}">
+                  <a16:creationId xmlns:a16="http://schemas.microsoft.com/office/drawing/2014/main" id="{82B06AFB-0EA8-A645-9EDE-56B8554E5006}"/>
+                </a:ext>
+              </a:extLst>
+            </p:cNvPr>
+            <p:cNvSpPr/>
+            <p:nvPr/>
+          </p:nvSpPr>
+          <p:spPr>
+            <a:xfrm>
+              <a:off x="1826070" y="1872195"/>
+              <a:ext cx="484143" cy="484143"/>
+            </a:xfrm>
+            <a:prstGeom prst="rect">
+              <a:avLst/>
+            </a:prstGeom>
+            <a:solidFill>
+              <a:schemeClr val="tx1"/>
+            </a:solidFill>
+            <a:ln w="28575">
+              <a:solidFill>
+                <a:schemeClr val="bg1">
+                  <a:lumMod val="95000"/>
+                </a:schemeClr>
+              </a:solidFill>
+            </a:ln>
+          </p:spPr>
+          <p:style>
+            <a:lnRef idx="2">
+              <a:schemeClr val="accent1">
+                <a:shade val="50000"/>
+              </a:schemeClr>
+            </a:lnRef>
+            <a:fillRef idx="1">
+              <a:schemeClr val="accent1"/>
+            </a:fillRef>
+            <a:effectRef idx="0">
+              <a:schemeClr val="accent1"/>
+            </a:effectRef>
+            <a:fontRef idx="minor">
+              <a:schemeClr val="lt1"/>
+            </a:fontRef>
+          </p:style>
+          <p:txBody>
+            <a:bodyPr rtlCol="0" anchor="ctr"/>
+            <a:lstStyle/>
+            <a:p>
+              <a:pPr algn="ctr"/>
+              <a:endParaRPr lang="en-US"/>
+            </a:p>
+          </p:txBody>
+        </p:sp>
+        <p:sp>
+          <p:nvSpPr>
+            <p:cNvPr id="5" name="Rectangle 4">
+              <a:extLst>
+                <a:ext uri="{FF2B5EF4-FFF2-40B4-BE49-F238E27FC236}">
+                  <a16:creationId xmlns:a16="http://schemas.microsoft.com/office/drawing/2014/main" id="{1F72CE98-BE8C-F646-BB9A-7904B25B78AE}"/>
+                </a:ext>
+              </a:extLst>
+            </p:cNvPr>
+            <p:cNvSpPr/>
+            <p:nvPr/>
+          </p:nvSpPr>
+          <p:spPr>
+            <a:xfrm>
+              <a:off x="2310213" y="1872195"/>
+              <a:ext cx="484143" cy="484143"/>
+            </a:xfrm>
+            <a:prstGeom prst="rect">
+              <a:avLst/>
+            </a:prstGeom>
+            <a:solidFill>
+              <a:schemeClr val="tx1"/>
+            </a:solidFill>
+            <a:ln w="28575">
+              <a:solidFill>
+                <a:schemeClr val="bg1">
+                  <a:lumMod val="95000"/>
+                </a:schemeClr>
+              </a:solidFill>
+            </a:ln>
+          </p:spPr>
+          <p:style>
+            <a:lnRef idx="2">
+              <a:schemeClr val="accent1">
+                <a:shade val="50000"/>
+              </a:schemeClr>
+            </a:lnRef>
+            <a:fillRef idx="1">
+              <a:schemeClr val="accent1"/>
+            </a:fillRef>
+            <a:effectRef idx="0">
+              <a:schemeClr val="accent1"/>
+            </a:effectRef>
+            <a:fontRef idx="minor">
+              <a:schemeClr val="lt1"/>
+            </a:fontRef>
+          </p:style>
+          <p:txBody>
+            <a:bodyPr rtlCol="0" anchor="ctr"/>
+            <a:lstStyle/>
+            <a:p>
+              <a:pPr algn="ctr"/>
+              <a:endParaRPr lang="en-US"/>
+            </a:p>
+          </p:txBody>
+        </p:sp>
+        <p:sp>
+          <p:nvSpPr>
+            <p:cNvPr id="6" name="Rectangle 5">
+              <a:extLst>
+                <a:ext uri="{FF2B5EF4-FFF2-40B4-BE49-F238E27FC236}">
+                  <a16:creationId xmlns:a16="http://schemas.microsoft.com/office/drawing/2014/main" id="{29FF4787-7BD4-BC4F-82D4-5C7BFC743CD2}"/>
+                </a:ext>
+              </a:extLst>
+            </p:cNvPr>
+            <p:cNvSpPr/>
+            <p:nvPr/>
+          </p:nvSpPr>
+          <p:spPr>
+            <a:xfrm>
+              <a:off x="2794356" y="1872195"/>
+              <a:ext cx="484143" cy="484143"/>
+            </a:xfrm>
+            <a:prstGeom prst="rect">
+              <a:avLst/>
+            </a:prstGeom>
+            <a:solidFill>
+              <a:schemeClr val="tx1"/>
+            </a:solidFill>
+            <a:ln w="28575">
+              <a:solidFill>
+                <a:schemeClr val="bg1">
+                  <a:lumMod val="95000"/>
+                </a:schemeClr>
+              </a:solidFill>
+            </a:ln>
+          </p:spPr>
+          <p:style>
+            <a:lnRef idx="2">
+              <a:schemeClr val="accent1">
+                <a:shade val="50000"/>
+              </a:schemeClr>
+            </a:lnRef>
+            <a:fillRef idx="1">
+              <a:schemeClr val="accent1"/>
+            </a:fillRef>
+            <a:effectRef idx="0">
+              <a:schemeClr val="accent1"/>
+            </a:effectRef>
+            <a:fontRef idx="minor">
+              <a:schemeClr val="lt1"/>
+            </a:fontRef>
+          </p:style>
+          <p:txBody>
+            <a:bodyPr rtlCol="0" anchor="ctr"/>
+            <a:lstStyle/>
+            <a:p>
+              <a:pPr algn="ctr"/>
+              <a:endParaRPr lang="en-US"/>
+            </a:p>
+          </p:txBody>
+        </p:sp>
+        <p:sp>
+          <p:nvSpPr>
+            <p:cNvPr id="7" name="Rectangle 6">
+              <a:extLst>
+                <a:ext uri="{FF2B5EF4-FFF2-40B4-BE49-F238E27FC236}">
+                  <a16:creationId xmlns:a16="http://schemas.microsoft.com/office/drawing/2014/main" id="{5FA088D7-DE76-7842-A6CF-F89CA99F88F8}"/>
+                </a:ext>
+              </a:extLst>
+            </p:cNvPr>
+            <p:cNvSpPr/>
+            <p:nvPr/>
+          </p:nvSpPr>
+          <p:spPr>
+            <a:xfrm>
+              <a:off x="1341927" y="2361998"/>
+              <a:ext cx="484143" cy="484143"/>
+            </a:xfrm>
+            <a:prstGeom prst="rect">
+              <a:avLst/>
+            </a:prstGeom>
+            <a:solidFill>
+              <a:schemeClr val="tx1"/>
+            </a:solidFill>
+            <a:ln w="28575">
+              <a:solidFill>
+                <a:schemeClr val="bg1">
+                  <a:lumMod val="95000"/>
+                </a:schemeClr>
+              </a:solidFill>
+            </a:ln>
+          </p:spPr>
+          <p:style>
+            <a:lnRef idx="2">
+              <a:schemeClr val="accent1">
+                <a:shade val="50000"/>
+              </a:schemeClr>
+            </a:lnRef>
+            <a:fillRef idx="1">
+              <a:schemeClr val="accent1"/>
+            </a:fillRef>
+            <a:effectRef idx="0">
+              <a:schemeClr val="accent1"/>
+            </a:effectRef>
+            <a:fontRef idx="minor">
+              <a:schemeClr val="lt1"/>
+            </a:fontRef>
+          </p:style>
+          <p:txBody>
+            <a:bodyPr rtlCol="0" anchor="ctr"/>
+            <a:lstStyle/>
+            <a:p>
+              <a:pPr algn="ctr"/>
+              <a:endParaRPr lang="en-US"/>
+            </a:p>
+          </p:txBody>
+        </p:sp>
+        <p:sp>
+          <p:nvSpPr>
+            <p:cNvPr id="8" name="Rectangle 7">
+              <a:extLst>
+                <a:ext uri="{FF2B5EF4-FFF2-40B4-BE49-F238E27FC236}">
+                  <a16:creationId xmlns:a16="http://schemas.microsoft.com/office/drawing/2014/main" id="{830A3E35-AA78-AF45-94C3-F91063CC513A}"/>
+                </a:ext>
+              </a:extLst>
+            </p:cNvPr>
+            <p:cNvSpPr/>
+            <p:nvPr/>
+          </p:nvSpPr>
+          <p:spPr>
+            <a:xfrm>
+              <a:off x="1826070" y="2361998"/>
+              <a:ext cx="484143" cy="484143"/>
+            </a:xfrm>
+            <a:prstGeom prst="rect">
+              <a:avLst/>
+            </a:prstGeom>
+            <a:noFill/>
+            <a:ln w="28575">
+              <a:solidFill>
+                <a:schemeClr val="bg1">
+                  <a:lumMod val="95000"/>
+                </a:schemeClr>
+              </a:solidFill>
+            </a:ln>
+          </p:spPr>
+          <p:style>
+            <a:lnRef idx="2">
+              <a:schemeClr val="accent1">
+                <a:shade val="50000"/>
+              </a:schemeClr>
+            </a:lnRef>
+            <a:fillRef idx="1">
+              <a:schemeClr val="accent1"/>
+            </a:fillRef>
+            <a:effectRef idx="0">
+              <a:schemeClr val="accent1"/>
+            </a:effectRef>
+            <a:fontRef idx="minor">
+              <a:schemeClr val="lt1"/>
+            </a:fontRef>
+          </p:style>
+          <p:txBody>
+            <a:bodyPr rtlCol="0" anchor="ctr"/>
+            <a:lstStyle/>
+            <a:p>
+              <a:pPr algn="ctr"/>
+              <a:endParaRPr lang="en-US"/>
+            </a:p>
+          </p:txBody>
+        </p:sp>
+        <p:sp>
+          <p:nvSpPr>
+            <p:cNvPr id="9" name="Rectangle 8">
+              <a:extLst>
+                <a:ext uri="{FF2B5EF4-FFF2-40B4-BE49-F238E27FC236}">
+                  <a16:creationId xmlns:a16="http://schemas.microsoft.com/office/drawing/2014/main" id="{6665429F-12D9-3A43-8C2B-652B9568CA01}"/>
+                </a:ext>
+              </a:extLst>
+            </p:cNvPr>
+            <p:cNvSpPr/>
+            <p:nvPr/>
+          </p:nvSpPr>
+          <p:spPr>
+            <a:xfrm>
+              <a:off x="2310213" y="2361998"/>
+              <a:ext cx="484143" cy="484143"/>
+            </a:xfrm>
+            <a:prstGeom prst="rect">
+              <a:avLst/>
+            </a:prstGeom>
+            <a:noFill/>
+            <a:ln w="28575">
+              <a:solidFill>
+                <a:schemeClr val="bg1">
+                  <a:lumMod val="95000"/>
+                </a:schemeClr>
+              </a:solidFill>
+            </a:ln>
+          </p:spPr>
+          <p:style>
+            <a:lnRef idx="2">
+              <a:schemeClr val="accent1">
+                <a:shade val="50000"/>
+              </a:schemeClr>
+            </a:lnRef>
+            <a:fillRef idx="1">
+              <a:schemeClr val="accent1"/>
+            </a:fillRef>
+            <a:effectRef idx="0">
+              <a:schemeClr val="accent1"/>
+            </a:effectRef>
+            <a:fontRef idx="minor">
+              <a:schemeClr val="lt1"/>
+            </a:fontRef>
+          </p:style>
+          <p:txBody>
+            <a:bodyPr rtlCol="0" anchor="ctr"/>
+            <a:lstStyle/>
+            <a:p>
+              <a:pPr algn="ctr"/>
+              <a:endParaRPr lang="en-US"/>
+            </a:p>
+          </p:txBody>
+        </p:sp>
+        <p:sp>
+          <p:nvSpPr>
+            <p:cNvPr id="10" name="Rectangle 9">
+              <a:extLst>
+                <a:ext uri="{FF2B5EF4-FFF2-40B4-BE49-F238E27FC236}">
+                  <a16:creationId xmlns:a16="http://schemas.microsoft.com/office/drawing/2014/main" id="{8EDB0ACE-6B17-2E46-9F3A-1A7713F75134}"/>
+                </a:ext>
+              </a:extLst>
+            </p:cNvPr>
+            <p:cNvSpPr/>
+            <p:nvPr/>
+          </p:nvSpPr>
+          <p:spPr>
+            <a:xfrm>
+              <a:off x="2794356" y="2361998"/>
+              <a:ext cx="484143" cy="484143"/>
+            </a:xfrm>
+            <a:prstGeom prst="rect">
+              <a:avLst/>
+            </a:prstGeom>
+            <a:solidFill>
+              <a:schemeClr val="tx1"/>
+            </a:solidFill>
+            <a:ln w="28575">
+              <a:solidFill>
+                <a:schemeClr val="bg1">
+                  <a:lumMod val="95000"/>
+                </a:schemeClr>
+              </a:solidFill>
+            </a:ln>
+          </p:spPr>
+          <p:style>
+            <a:lnRef idx="2">
+              <a:schemeClr val="accent1">
+                <a:shade val="50000"/>
+              </a:schemeClr>
+            </a:lnRef>
+            <a:fillRef idx="1">
+              <a:schemeClr val="accent1"/>
+            </a:fillRef>
+            <a:effectRef idx="0">
+              <a:schemeClr val="accent1"/>
+            </a:effectRef>
+            <a:fontRef idx="minor">
+              <a:schemeClr val="lt1"/>
+            </a:fontRef>
+          </p:style>
+          <p:txBody>
+            <a:bodyPr rtlCol="0" anchor="ctr"/>
+            <a:lstStyle/>
+            <a:p>
+              <a:pPr algn="ctr"/>
+              <a:endParaRPr lang="en-US"/>
+            </a:p>
+          </p:txBody>
+        </p:sp>
+        <p:sp>
+          <p:nvSpPr>
+            <p:cNvPr id="11" name="Rectangle 10">
+              <a:extLst>
+                <a:ext uri="{FF2B5EF4-FFF2-40B4-BE49-F238E27FC236}">
+                  <a16:creationId xmlns:a16="http://schemas.microsoft.com/office/drawing/2014/main" id="{DDBA28B5-3731-7E4A-A1A7-8E89AFFE417F}"/>
+                </a:ext>
+              </a:extLst>
+            </p:cNvPr>
+            <p:cNvSpPr/>
+            <p:nvPr/>
+          </p:nvSpPr>
+          <p:spPr>
+            <a:xfrm>
+              <a:off x="1341927" y="2846141"/>
+              <a:ext cx="484143" cy="484143"/>
+            </a:xfrm>
+            <a:prstGeom prst="rect">
+              <a:avLst/>
+            </a:prstGeom>
+            <a:solidFill>
+              <a:schemeClr val="tx1"/>
+            </a:solidFill>
+            <a:ln w="28575">
+              <a:solidFill>
+                <a:schemeClr val="bg1">
+                  <a:lumMod val="95000"/>
+                </a:schemeClr>
+              </a:solidFill>
+            </a:ln>
+          </p:spPr>
+          <p:style>
+            <a:lnRef idx="2">
+              <a:schemeClr val="accent1">
+                <a:shade val="50000"/>
+              </a:schemeClr>
+            </a:lnRef>
+            <a:fillRef idx="1">
+              <a:schemeClr val="accent1"/>
+            </a:fillRef>
+            <a:effectRef idx="0">
+              <a:schemeClr val="accent1"/>
+            </a:effectRef>
+            <a:fontRef idx="minor">
+              <a:schemeClr val="lt1"/>
+            </a:fontRef>
+          </p:style>
+          <p:txBody>
+            <a:bodyPr rtlCol="0" anchor="ctr"/>
+            <a:lstStyle/>
+            <a:p>
+              <a:pPr algn="ctr"/>
+              <a:endParaRPr lang="en-US"/>
+            </a:p>
+          </p:txBody>
+        </p:sp>
+        <p:sp>
+          <p:nvSpPr>
+            <p:cNvPr id="12" name="Rectangle 11">
+              <a:extLst>
+                <a:ext uri="{FF2B5EF4-FFF2-40B4-BE49-F238E27FC236}">
+                  <a16:creationId xmlns:a16="http://schemas.microsoft.com/office/drawing/2014/main" id="{B6BDB61C-C871-FF4C-8339-B31136B373D9}"/>
+                </a:ext>
+              </a:extLst>
+            </p:cNvPr>
+            <p:cNvSpPr/>
+            <p:nvPr/>
+          </p:nvSpPr>
+          <p:spPr>
+            <a:xfrm>
+              <a:off x="1826070" y="2846141"/>
+              <a:ext cx="484143" cy="484143"/>
+            </a:xfrm>
+            <a:prstGeom prst="rect">
+              <a:avLst/>
+            </a:prstGeom>
+            <a:noFill/>
+            <a:ln w="28575">
+              <a:solidFill>
+                <a:schemeClr val="bg1">
+                  <a:lumMod val="95000"/>
+                </a:schemeClr>
+              </a:solidFill>
+            </a:ln>
+          </p:spPr>
+          <p:style>
+            <a:lnRef idx="2">
+              <a:schemeClr val="accent1">
+                <a:shade val="50000"/>
+              </a:schemeClr>
+            </a:lnRef>
+            <a:fillRef idx="1">
+              <a:schemeClr val="accent1"/>
+            </a:fillRef>
+            <a:effectRef idx="0">
+              <a:schemeClr val="accent1"/>
+            </a:effectRef>
+            <a:fontRef idx="minor">
+              <a:schemeClr val="lt1"/>
+            </a:fontRef>
+          </p:style>
+          <p:txBody>
+            <a:bodyPr rtlCol="0" anchor="ctr"/>
+            <a:lstStyle/>
+            <a:p>
+              <a:pPr algn="ctr"/>
+              <a:endParaRPr lang="en-US"/>
+            </a:p>
+          </p:txBody>
+        </p:sp>
+        <p:sp>
+          <p:nvSpPr>
+            <p:cNvPr id="13" name="Rectangle 12">
+              <a:extLst>
+                <a:ext uri="{FF2B5EF4-FFF2-40B4-BE49-F238E27FC236}">
+                  <a16:creationId xmlns:a16="http://schemas.microsoft.com/office/drawing/2014/main" id="{364B1690-E1B6-F44C-B9DC-A94A252308D9}"/>
+                </a:ext>
+              </a:extLst>
+            </p:cNvPr>
+            <p:cNvSpPr/>
+            <p:nvPr/>
+          </p:nvSpPr>
+          <p:spPr>
+            <a:xfrm>
+              <a:off x="2310213" y="2846141"/>
+              <a:ext cx="484143" cy="484143"/>
+            </a:xfrm>
+            <a:prstGeom prst="rect">
+              <a:avLst/>
+            </a:prstGeom>
+            <a:noFill/>
+            <a:ln w="28575">
+              <a:solidFill>
+                <a:schemeClr val="bg1">
+                  <a:lumMod val="95000"/>
+                </a:schemeClr>
+              </a:solidFill>
+            </a:ln>
+          </p:spPr>
+          <p:style>
+            <a:lnRef idx="2">
+              <a:schemeClr val="accent1">
+                <a:shade val="50000"/>
+              </a:schemeClr>
+            </a:lnRef>
+            <a:fillRef idx="1">
+              <a:schemeClr val="accent1"/>
+            </a:fillRef>
+            <a:effectRef idx="0">
+              <a:schemeClr val="accent1"/>
+            </a:effectRef>
+            <a:fontRef idx="minor">
+              <a:schemeClr val="lt1"/>
+            </a:fontRef>
+          </p:style>
+          <p:txBody>
+            <a:bodyPr rtlCol="0" anchor="ctr"/>
+            <a:lstStyle/>
+            <a:p>
+              <a:pPr algn="ctr"/>
+              <a:endParaRPr lang="en-US"/>
+            </a:p>
+          </p:txBody>
+        </p:sp>
+        <p:sp>
+          <p:nvSpPr>
+            <p:cNvPr id="14" name="Rectangle 13">
+              <a:extLst>
+                <a:ext uri="{FF2B5EF4-FFF2-40B4-BE49-F238E27FC236}">
+                  <a16:creationId xmlns:a16="http://schemas.microsoft.com/office/drawing/2014/main" id="{1271DBC1-9485-7B46-911E-22D97B9D0AD4}"/>
+                </a:ext>
+              </a:extLst>
+            </p:cNvPr>
+            <p:cNvSpPr/>
+            <p:nvPr/>
+          </p:nvSpPr>
+          <p:spPr>
+            <a:xfrm>
+              <a:off x="2794356" y="2846141"/>
+              <a:ext cx="484143" cy="484143"/>
+            </a:xfrm>
+            <a:prstGeom prst="rect">
+              <a:avLst/>
+            </a:prstGeom>
+            <a:solidFill>
+              <a:schemeClr val="tx1"/>
+            </a:solidFill>
+            <a:ln w="28575">
+              <a:solidFill>
+                <a:schemeClr val="bg1">
+                  <a:lumMod val="95000"/>
+                </a:schemeClr>
+              </a:solidFill>
+            </a:ln>
+          </p:spPr>
+          <p:style>
+            <a:lnRef idx="2">
+              <a:schemeClr val="accent1">
+                <a:shade val="50000"/>
+              </a:schemeClr>
+            </a:lnRef>
+            <a:fillRef idx="1">
+              <a:schemeClr val="accent1"/>
+            </a:fillRef>
+            <a:effectRef idx="0">
+              <a:schemeClr val="accent1"/>
+            </a:effectRef>
+            <a:fontRef idx="minor">
+              <a:schemeClr val="lt1"/>
+            </a:fontRef>
+          </p:style>
+          <p:txBody>
+            <a:bodyPr rtlCol="0" anchor="ctr"/>
+            <a:lstStyle/>
+            <a:p>
+              <a:pPr algn="ctr"/>
+              <a:endParaRPr lang="en-US"/>
+            </a:p>
+          </p:txBody>
+        </p:sp>
+        <p:sp>
+          <p:nvSpPr>
+            <p:cNvPr id="15" name="Rectangle 14">
+              <a:extLst>
+                <a:ext uri="{FF2B5EF4-FFF2-40B4-BE49-F238E27FC236}">
+                  <a16:creationId xmlns:a16="http://schemas.microsoft.com/office/drawing/2014/main" id="{14081D15-1324-DF4D-84CB-1DC9794BCE7B}"/>
+                </a:ext>
+              </a:extLst>
+            </p:cNvPr>
+            <p:cNvSpPr/>
+            <p:nvPr/>
+          </p:nvSpPr>
+          <p:spPr>
+            <a:xfrm>
+              <a:off x="1341927" y="3330284"/>
+              <a:ext cx="484143" cy="484143"/>
+            </a:xfrm>
+            <a:prstGeom prst="rect">
+              <a:avLst/>
+            </a:prstGeom>
+            <a:solidFill>
+              <a:schemeClr val="tx1"/>
+            </a:solidFill>
+            <a:ln w="28575">
+              <a:solidFill>
+                <a:schemeClr val="bg1">
+                  <a:lumMod val="95000"/>
+                </a:schemeClr>
+              </a:solidFill>
+            </a:ln>
+          </p:spPr>
+          <p:style>
+            <a:lnRef idx="2">
+              <a:schemeClr val="accent1">
+                <a:shade val="50000"/>
+              </a:schemeClr>
+            </a:lnRef>
+            <a:fillRef idx="1">
+              <a:schemeClr val="accent1"/>
+            </a:fillRef>
+            <a:effectRef idx="0">
+              <a:schemeClr val="accent1"/>
+            </a:effectRef>
+            <a:fontRef idx="minor">
+              <a:schemeClr val="lt1"/>
+            </a:fontRef>
+          </p:style>
+          <p:txBody>
+            <a:bodyPr rtlCol="0" anchor="ctr"/>
+            <a:lstStyle/>
+            <a:p>
+              <a:pPr algn="ctr"/>
+              <a:endParaRPr lang="en-US"/>
+            </a:p>
+          </p:txBody>
+        </p:sp>
+        <p:sp>
+          <p:nvSpPr>
+            <p:cNvPr id="16" name="Rectangle 15">
+              <a:extLst>
+                <a:ext uri="{FF2B5EF4-FFF2-40B4-BE49-F238E27FC236}">
+                  <a16:creationId xmlns:a16="http://schemas.microsoft.com/office/drawing/2014/main" id="{C22248D2-AFCB-BB45-BAF2-D037D102E133}"/>
+                </a:ext>
+              </a:extLst>
+            </p:cNvPr>
+            <p:cNvSpPr/>
+            <p:nvPr/>
+          </p:nvSpPr>
+          <p:spPr>
+            <a:xfrm>
+              <a:off x="1826070" y="3330284"/>
+              <a:ext cx="484143" cy="484143"/>
+            </a:xfrm>
+            <a:prstGeom prst="rect">
+              <a:avLst/>
+            </a:prstGeom>
+            <a:solidFill>
+              <a:schemeClr val="tx1"/>
+            </a:solidFill>
+            <a:ln w="28575">
+              <a:solidFill>
+                <a:schemeClr val="bg1">
+                  <a:lumMod val="95000"/>
+                </a:schemeClr>
+              </a:solidFill>
+            </a:ln>
+          </p:spPr>
+          <p:style>
+            <a:lnRef idx="2">
+              <a:schemeClr val="accent1">
+                <a:shade val="50000"/>
+              </a:schemeClr>
+            </a:lnRef>
+            <a:fillRef idx="1">
+              <a:schemeClr val="accent1"/>
+            </a:fillRef>
+            <a:effectRef idx="0">
+              <a:schemeClr val="accent1"/>
+            </a:effectRef>
+            <a:fontRef idx="minor">
+              <a:schemeClr val="lt1"/>
+            </a:fontRef>
+          </p:style>
+          <p:txBody>
+            <a:bodyPr rtlCol="0" anchor="ctr"/>
+            <a:lstStyle/>
+            <a:p>
+              <a:pPr algn="ctr"/>
+              <a:endParaRPr lang="en-US"/>
+            </a:p>
+          </p:txBody>
+        </p:sp>
+        <p:sp>
+          <p:nvSpPr>
+            <p:cNvPr id="17" name="Rectangle 16">
+              <a:extLst>
+                <a:ext uri="{FF2B5EF4-FFF2-40B4-BE49-F238E27FC236}">
+                  <a16:creationId xmlns:a16="http://schemas.microsoft.com/office/drawing/2014/main" id="{012F966A-A2D9-E344-B347-C5E5AE3312C1}"/>
+                </a:ext>
+              </a:extLst>
+            </p:cNvPr>
+            <p:cNvSpPr/>
+            <p:nvPr/>
+          </p:nvSpPr>
+          <p:spPr>
+            <a:xfrm>
+              <a:off x="2310213" y="3330284"/>
+              <a:ext cx="484143" cy="484143"/>
+            </a:xfrm>
+            <a:prstGeom prst="rect">
+              <a:avLst/>
+            </a:prstGeom>
+            <a:solidFill>
+              <a:schemeClr val="tx1"/>
+            </a:solidFill>
+            <a:ln w="28575">
+              <a:solidFill>
+                <a:schemeClr val="bg1">
+                  <a:lumMod val="95000"/>
+                </a:schemeClr>
+              </a:solidFill>
+            </a:ln>
+          </p:spPr>
+          <p:style>
+            <a:lnRef idx="2">
+              <a:schemeClr val="accent1">
+                <a:shade val="50000"/>
+              </a:schemeClr>
+            </a:lnRef>
+            <a:fillRef idx="1">
+              <a:schemeClr val="accent1"/>
+            </a:fillRef>
+            <a:effectRef idx="0">
+              <a:schemeClr val="accent1"/>
+            </a:effectRef>
+            <a:fontRef idx="minor">
+              <a:schemeClr val="lt1"/>
+            </a:fontRef>
+          </p:style>
+          <p:txBody>
+            <a:bodyPr rtlCol="0" anchor="ctr"/>
+            <a:lstStyle/>
+            <a:p>
+              <a:pPr algn="ctr"/>
+              <a:endParaRPr lang="en-US"/>
+            </a:p>
+          </p:txBody>
+        </p:sp>
+        <p:sp>
+          <p:nvSpPr>
+            <p:cNvPr id="18" name="Rectangle 17">
+              <a:extLst>
+                <a:ext uri="{FF2B5EF4-FFF2-40B4-BE49-F238E27FC236}">
+                  <a16:creationId xmlns:a16="http://schemas.microsoft.com/office/drawing/2014/main" id="{446E7C63-D94B-6E43-8CFE-1978DBB16224}"/>
+                </a:ext>
+              </a:extLst>
+            </p:cNvPr>
+            <p:cNvSpPr/>
+            <p:nvPr/>
+          </p:nvSpPr>
+          <p:spPr>
+            <a:xfrm>
+              <a:off x="2794356" y="3330284"/>
+              <a:ext cx="484143" cy="484143"/>
+            </a:xfrm>
+            <a:prstGeom prst="rect">
+              <a:avLst/>
+            </a:prstGeom>
+            <a:solidFill>
+              <a:schemeClr val="tx1"/>
+            </a:solidFill>
+            <a:ln w="28575">
+              <a:solidFill>
+                <a:schemeClr val="bg1">
+                  <a:lumMod val="95000"/>
+                </a:schemeClr>
+              </a:solidFill>
+            </a:ln>
+          </p:spPr>
+          <p:style>
+            <a:lnRef idx="2">
+              <a:schemeClr val="accent1">
+                <a:shade val="50000"/>
+              </a:schemeClr>
+            </a:lnRef>
+            <a:fillRef idx="1">
+              <a:schemeClr val="accent1"/>
+            </a:fillRef>
+            <a:effectRef idx="0">
+              <a:schemeClr val="accent1"/>
+            </a:effectRef>
+            <a:fontRef idx="minor">
+              <a:schemeClr val="lt1"/>
+            </a:fontRef>
+          </p:style>
+          <p:txBody>
+            <a:bodyPr rtlCol="0" anchor="ctr"/>
+            <a:lstStyle/>
+            <a:p>
+              <a:pPr algn="ctr"/>
+              <a:endParaRPr lang="en-US"/>
+            </a:p>
+          </p:txBody>
+        </p:sp>
+      </p:grpSp>
+      <p:grpSp>
+        <p:nvGrpSpPr>
+          <p:cNvPr id="19" name="Group 18">
+            <a:extLst>
+              <a:ext uri="{FF2B5EF4-FFF2-40B4-BE49-F238E27FC236}">
+                <a16:creationId xmlns:a16="http://schemas.microsoft.com/office/drawing/2014/main" id="{588D7756-4DF3-2540-99DF-C9405CBD93DC}"/>
+              </a:ext>
+            </a:extLst>
+          </p:cNvPr>
+          <p:cNvGrpSpPr/>
+          <p:nvPr/>
+        </p:nvGrpSpPr>
+        <p:grpSpPr>
+          <a:xfrm rot="16200000" flipV="1">
+            <a:off x="3897113" y="4388085"/>
+            <a:ext cx="3980350" cy="248772"/>
+            <a:chOff x="3979621" y="2024594"/>
+            <a:chExt cx="7746288" cy="484143"/>
+          </a:xfrm>
+        </p:grpSpPr>
+        <p:sp>
+          <p:nvSpPr>
+            <p:cNvPr id="20" name="Rectangle 19">
+              <a:extLst>
+                <a:ext uri="{FF2B5EF4-FFF2-40B4-BE49-F238E27FC236}">
+                  <a16:creationId xmlns:a16="http://schemas.microsoft.com/office/drawing/2014/main" id="{EF0A6EDD-8564-F541-AF8F-29C30742EF0B}"/>
+                </a:ext>
+              </a:extLst>
+            </p:cNvPr>
+            <p:cNvSpPr/>
+            <p:nvPr/>
+          </p:nvSpPr>
+          <p:spPr>
+            <a:xfrm>
+              <a:off x="3979621" y="2024594"/>
+              <a:ext cx="484143" cy="484143"/>
+            </a:xfrm>
+            <a:prstGeom prst="rect">
+              <a:avLst/>
+            </a:prstGeom>
+            <a:solidFill>
+              <a:schemeClr val="tx1"/>
+            </a:solidFill>
+            <a:ln w="28575">
+              <a:solidFill>
+                <a:schemeClr val="bg1">
+                  <a:lumMod val="95000"/>
+                </a:schemeClr>
+              </a:solidFill>
+            </a:ln>
+          </p:spPr>
+          <p:style>
+            <a:lnRef idx="2">
+              <a:schemeClr val="accent1">
+                <a:shade val="50000"/>
+              </a:schemeClr>
+            </a:lnRef>
+            <a:fillRef idx="1">
+              <a:schemeClr val="accent1"/>
+            </a:fillRef>
+            <a:effectRef idx="0">
+              <a:schemeClr val="accent1"/>
+            </a:effectRef>
+            <a:fontRef idx="minor">
+              <a:schemeClr val="lt1"/>
+            </a:fontRef>
+          </p:style>
+          <p:txBody>
+            <a:bodyPr rtlCol="0" anchor="ctr"/>
+            <a:lstStyle/>
+            <a:p>
+              <a:pPr algn="ctr"/>
+              <a:endParaRPr lang="en-US"/>
+            </a:p>
+          </p:txBody>
+        </p:sp>
+        <p:sp>
+          <p:nvSpPr>
+            <p:cNvPr id="21" name="Rectangle 20">
+              <a:extLst>
+                <a:ext uri="{FF2B5EF4-FFF2-40B4-BE49-F238E27FC236}">
+                  <a16:creationId xmlns:a16="http://schemas.microsoft.com/office/drawing/2014/main" id="{4CFC402F-A60A-E14B-873A-27EA335215DB}"/>
+                </a:ext>
+              </a:extLst>
+            </p:cNvPr>
+            <p:cNvSpPr/>
+            <p:nvPr/>
+          </p:nvSpPr>
+          <p:spPr>
+            <a:xfrm>
+              <a:off x="4463764" y="2024594"/>
+              <a:ext cx="484143" cy="484143"/>
+            </a:xfrm>
+            <a:prstGeom prst="rect">
+              <a:avLst/>
+            </a:prstGeom>
+            <a:solidFill>
+              <a:schemeClr val="tx1"/>
+            </a:solidFill>
+            <a:ln w="28575">
+              <a:solidFill>
+                <a:schemeClr val="bg1">
+                  <a:lumMod val="95000"/>
+                </a:schemeClr>
+              </a:solidFill>
+            </a:ln>
+          </p:spPr>
+          <p:style>
+            <a:lnRef idx="2">
+              <a:schemeClr val="accent1">
+                <a:shade val="50000"/>
+              </a:schemeClr>
+            </a:lnRef>
+            <a:fillRef idx="1">
+              <a:schemeClr val="accent1"/>
+            </a:fillRef>
+            <a:effectRef idx="0">
+              <a:schemeClr val="accent1"/>
+            </a:effectRef>
+            <a:fontRef idx="minor">
+              <a:schemeClr val="lt1"/>
+            </a:fontRef>
+          </p:style>
+          <p:txBody>
+            <a:bodyPr rtlCol="0" anchor="ctr"/>
+            <a:lstStyle/>
+            <a:p>
+              <a:pPr algn="ctr"/>
+              <a:endParaRPr lang="en-US"/>
+            </a:p>
+          </p:txBody>
+        </p:sp>
+        <p:sp>
+          <p:nvSpPr>
+            <p:cNvPr id="22" name="Rectangle 21">
+              <a:extLst>
+                <a:ext uri="{FF2B5EF4-FFF2-40B4-BE49-F238E27FC236}">
+                  <a16:creationId xmlns:a16="http://schemas.microsoft.com/office/drawing/2014/main" id="{AAB88BCA-FF05-8C44-AE66-13766530BE42}"/>
+                </a:ext>
+              </a:extLst>
+            </p:cNvPr>
+            <p:cNvSpPr/>
+            <p:nvPr/>
+          </p:nvSpPr>
+          <p:spPr>
+            <a:xfrm>
+              <a:off x="4947907" y="2024594"/>
+              <a:ext cx="484143" cy="484143"/>
+            </a:xfrm>
+            <a:prstGeom prst="rect">
+              <a:avLst/>
+            </a:prstGeom>
+            <a:solidFill>
+              <a:schemeClr val="tx1"/>
+            </a:solidFill>
+            <a:ln w="28575">
+              <a:solidFill>
+                <a:schemeClr val="bg1">
+                  <a:lumMod val="95000"/>
+                </a:schemeClr>
+              </a:solidFill>
+            </a:ln>
+          </p:spPr>
+          <p:style>
+            <a:lnRef idx="2">
+              <a:schemeClr val="accent1">
+                <a:shade val="50000"/>
+              </a:schemeClr>
+            </a:lnRef>
+            <a:fillRef idx="1">
+              <a:schemeClr val="accent1"/>
+            </a:fillRef>
+            <a:effectRef idx="0">
+              <a:schemeClr val="accent1"/>
+            </a:effectRef>
+            <a:fontRef idx="minor">
+              <a:schemeClr val="lt1"/>
+            </a:fontRef>
+          </p:style>
+          <p:txBody>
+            <a:bodyPr rtlCol="0" anchor="ctr"/>
+            <a:lstStyle/>
+            <a:p>
+              <a:pPr algn="ctr"/>
+              <a:endParaRPr lang="en-US"/>
+            </a:p>
+          </p:txBody>
+        </p:sp>
+        <p:sp>
+          <p:nvSpPr>
+            <p:cNvPr id="23" name="Rectangle 22">
+              <a:extLst>
+                <a:ext uri="{FF2B5EF4-FFF2-40B4-BE49-F238E27FC236}">
+                  <a16:creationId xmlns:a16="http://schemas.microsoft.com/office/drawing/2014/main" id="{7AFBAEF6-54B5-1C43-915B-63BDDDAE6599}"/>
+                </a:ext>
+              </a:extLst>
+            </p:cNvPr>
+            <p:cNvSpPr/>
+            <p:nvPr/>
+          </p:nvSpPr>
+          <p:spPr>
+            <a:xfrm>
+              <a:off x="5432050" y="2024594"/>
+              <a:ext cx="484143" cy="484143"/>
+            </a:xfrm>
+            <a:prstGeom prst="rect">
+              <a:avLst/>
+            </a:prstGeom>
+            <a:solidFill>
+              <a:schemeClr val="tx1"/>
+            </a:solidFill>
+            <a:ln w="28575">
+              <a:solidFill>
+                <a:schemeClr val="bg1">
+                  <a:lumMod val="95000"/>
+                </a:schemeClr>
+              </a:solidFill>
+            </a:ln>
+          </p:spPr>
+          <p:style>
+            <a:lnRef idx="2">
+              <a:schemeClr val="accent1">
+                <a:shade val="50000"/>
+              </a:schemeClr>
+            </a:lnRef>
+            <a:fillRef idx="1">
+              <a:schemeClr val="accent1"/>
+            </a:fillRef>
+            <a:effectRef idx="0">
+              <a:schemeClr val="accent1"/>
+            </a:effectRef>
+            <a:fontRef idx="minor">
+              <a:schemeClr val="lt1"/>
+            </a:fontRef>
+          </p:style>
+          <p:txBody>
+            <a:bodyPr rtlCol="0" anchor="ctr"/>
+            <a:lstStyle/>
+            <a:p>
+              <a:pPr algn="ctr"/>
+              <a:endParaRPr lang="en-US"/>
+            </a:p>
+          </p:txBody>
+        </p:sp>
+        <p:sp>
+          <p:nvSpPr>
+            <p:cNvPr id="24" name="Rectangle 23">
+              <a:extLst>
+                <a:ext uri="{FF2B5EF4-FFF2-40B4-BE49-F238E27FC236}">
+                  <a16:creationId xmlns:a16="http://schemas.microsoft.com/office/drawing/2014/main" id="{9D2398DE-4AB5-4942-AB7F-975CE2E822A6}"/>
+                </a:ext>
+              </a:extLst>
+            </p:cNvPr>
+            <p:cNvSpPr/>
+            <p:nvPr/>
+          </p:nvSpPr>
+          <p:spPr>
+            <a:xfrm>
+              <a:off x="5916193" y="2024594"/>
+              <a:ext cx="484143" cy="484143"/>
+            </a:xfrm>
+            <a:prstGeom prst="rect">
+              <a:avLst/>
+            </a:prstGeom>
+            <a:solidFill>
+              <a:schemeClr val="tx1"/>
+            </a:solidFill>
+            <a:ln w="28575">
+              <a:solidFill>
+                <a:schemeClr val="bg1">
+                  <a:lumMod val="95000"/>
+                </a:schemeClr>
+              </a:solidFill>
+            </a:ln>
+          </p:spPr>
+          <p:style>
+            <a:lnRef idx="2">
+              <a:schemeClr val="accent1">
+                <a:shade val="50000"/>
+              </a:schemeClr>
+            </a:lnRef>
+            <a:fillRef idx="1">
+              <a:schemeClr val="accent1"/>
+            </a:fillRef>
+            <a:effectRef idx="0">
+              <a:schemeClr val="accent1"/>
+            </a:effectRef>
+            <a:fontRef idx="minor">
+              <a:schemeClr val="lt1"/>
+            </a:fontRef>
+          </p:style>
+          <p:txBody>
+            <a:bodyPr rtlCol="0" anchor="ctr"/>
+            <a:lstStyle/>
+            <a:p>
+              <a:pPr algn="ctr"/>
+              <a:endParaRPr lang="en-US"/>
+            </a:p>
+          </p:txBody>
+        </p:sp>
+        <p:sp>
+          <p:nvSpPr>
+            <p:cNvPr id="25" name="Rectangle 24">
+              <a:extLst>
+                <a:ext uri="{FF2B5EF4-FFF2-40B4-BE49-F238E27FC236}">
+                  <a16:creationId xmlns:a16="http://schemas.microsoft.com/office/drawing/2014/main" id="{8C007BE5-3BB2-A24C-AF93-596A8505009B}"/>
+                </a:ext>
+              </a:extLst>
+            </p:cNvPr>
+            <p:cNvSpPr/>
+            <p:nvPr/>
+          </p:nvSpPr>
+          <p:spPr>
+            <a:xfrm>
+              <a:off x="6400336" y="2024594"/>
+              <a:ext cx="484143" cy="484143"/>
+            </a:xfrm>
+            <a:prstGeom prst="rect">
+              <a:avLst/>
+            </a:prstGeom>
+            <a:noFill/>
+            <a:ln w="28575">
+              <a:solidFill>
+                <a:schemeClr val="bg1">
+                  <a:lumMod val="95000"/>
+                </a:schemeClr>
+              </a:solidFill>
+            </a:ln>
+          </p:spPr>
+          <p:style>
+            <a:lnRef idx="2">
+              <a:schemeClr val="accent1">
+                <a:shade val="50000"/>
+              </a:schemeClr>
+            </a:lnRef>
+            <a:fillRef idx="1">
+              <a:schemeClr val="accent1"/>
+            </a:fillRef>
+            <a:effectRef idx="0">
+              <a:schemeClr val="accent1"/>
+            </a:effectRef>
+            <a:fontRef idx="minor">
+              <a:schemeClr val="lt1"/>
+            </a:fontRef>
+          </p:style>
+          <p:txBody>
+            <a:bodyPr rtlCol="0" anchor="ctr"/>
+            <a:lstStyle/>
+            <a:p>
+              <a:pPr algn="ctr"/>
+              <a:endParaRPr lang="en-US"/>
+            </a:p>
+          </p:txBody>
+        </p:sp>
+        <p:sp>
+          <p:nvSpPr>
+            <p:cNvPr id="26" name="Rectangle 25">
+              <a:extLst>
+                <a:ext uri="{FF2B5EF4-FFF2-40B4-BE49-F238E27FC236}">
+                  <a16:creationId xmlns:a16="http://schemas.microsoft.com/office/drawing/2014/main" id="{97C64FFD-DF1A-B947-991C-82E4FCFD96EB}"/>
+                </a:ext>
+              </a:extLst>
+            </p:cNvPr>
+            <p:cNvSpPr/>
+            <p:nvPr/>
+          </p:nvSpPr>
+          <p:spPr>
+            <a:xfrm>
+              <a:off x="6884479" y="2024594"/>
+              <a:ext cx="484143" cy="484143"/>
+            </a:xfrm>
+            <a:prstGeom prst="rect">
+              <a:avLst/>
+            </a:prstGeom>
+            <a:noFill/>
+            <a:ln w="28575">
+              <a:solidFill>
+                <a:schemeClr val="bg1">
+                  <a:lumMod val="95000"/>
+                </a:schemeClr>
+              </a:solidFill>
+            </a:ln>
+          </p:spPr>
+          <p:style>
+            <a:lnRef idx="2">
+              <a:schemeClr val="accent1">
+                <a:shade val="50000"/>
+              </a:schemeClr>
+            </a:lnRef>
+            <a:fillRef idx="1">
+              <a:schemeClr val="accent1"/>
+            </a:fillRef>
+            <a:effectRef idx="0">
+              <a:schemeClr val="accent1"/>
+            </a:effectRef>
+            <a:fontRef idx="minor">
+              <a:schemeClr val="lt1"/>
+            </a:fontRef>
+          </p:style>
+          <p:txBody>
+            <a:bodyPr rtlCol="0" anchor="ctr"/>
+            <a:lstStyle/>
+            <a:p>
+              <a:pPr algn="ctr"/>
+              <a:endParaRPr lang="en-US"/>
+            </a:p>
+          </p:txBody>
+        </p:sp>
+        <p:sp>
+          <p:nvSpPr>
+            <p:cNvPr id="27" name="Rectangle 26">
+              <a:extLst>
+                <a:ext uri="{FF2B5EF4-FFF2-40B4-BE49-F238E27FC236}">
+                  <a16:creationId xmlns:a16="http://schemas.microsoft.com/office/drawing/2014/main" id="{968DDAE9-BE0B-5346-B0C5-43810829825E}"/>
+                </a:ext>
+              </a:extLst>
+            </p:cNvPr>
+            <p:cNvSpPr/>
+            <p:nvPr/>
+          </p:nvSpPr>
+          <p:spPr>
+            <a:xfrm>
+              <a:off x="7368622" y="2024594"/>
+              <a:ext cx="484143" cy="484143"/>
+            </a:xfrm>
+            <a:prstGeom prst="rect">
+              <a:avLst/>
+            </a:prstGeom>
+            <a:solidFill>
+              <a:schemeClr val="tx1"/>
+            </a:solidFill>
+            <a:ln w="28575">
+              <a:solidFill>
+                <a:schemeClr val="bg1">
+                  <a:lumMod val="95000"/>
+                </a:schemeClr>
+              </a:solidFill>
+            </a:ln>
+          </p:spPr>
+          <p:style>
+            <a:lnRef idx="2">
+              <a:schemeClr val="accent1">
+                <a:shade val="50000"/>
+              </a:schemeClr>
+            </a:lnRef>
+            <a:fillRef idx="1">
+              <a:schemeClr val="accent1"/>
+            </a:fillRef>
+            <a:effectRef idx="0">
+              <a:schemeClr val="accent1"/>
+            </a:effectRef>
+            <a:fontRef idx="minor">
+              <a:schemeClr val="lt1"/>
+            </a:fontRef>
+          </p:style>
+          <p:txBody>
+            <a:bodyPr rtlCol="0" anchor="ctr"/>
+            <a:lstStyle/>
+            <a:p>
+              <a:pPr algn="ctr"/>
+              <a:endParaRPr lang="en-US"/>
+            </a:p>
+          </p:txBody>
+        </p:sp>
+        <p:sp>
+          <p:nvSpPr>
+            <p:cNvPr id="28" name="Rectangle 27">
+              <a:extLst>
+                <a:ext uri="{FF2B5EF4-FFF2-40B4-BE49-F238E27FC236}">
+                  <a16:creationId xmlns:a16="http://schemas.microsoft.com/office/drawing/2014/main" id="{C38CFE1D-C80E-9F4F-9391-E310A557B3E1}"/>
+                </a:ext>
+              </a:extLst>
+            </p:cNvPr>
+            <p:cNvSpPr/>
+            <p:nvPr/>
+          </p:nvSpPr>
+          <p:spPr>
+            <a:xfrm>
+              <a:off x="7852765" y="2024594"/>
+              <a:ext cx="484143" cy="484143"/>
+            </a:xfrm>
+            <a:prstGeom prst="rect">
+              <a:avLst/>
+            </a:prstGeom>
+            <a:solidFill>
+              <a:schemeClr val="tx1"/>
+            </a:solidFill>
+            <a:ln w="28575">
+              <a:solidFill>
+                <a:schemeClr val="bg1">
+                  <a:lumMod val="95000"/>
+                </a:schemeClr>
+              </a:solidFill>
+            </a:ln>
+          </p:spPr>
+          <p:style>
+            <a:lnRef idx="2">
+              <a:schemeClr val="accent1">
+                <a:shade val="50000"/>
+              </a:schemeClr>
+            </a:lnRef>
+            <a:fillRef idx="1">
+              <a:schemeClr val="accent1"/>
+            </a:fillRef>
+            <a:effectRef idx="0">
+              <a:schemeClr val="accent1"/>
+            </a:effectRef>
+            <a:fontRef idx="minor">
+              <a:schemeClr val="lt1"/>
+            </a:fontRef>
+          </p:style>
+          <p:txBody>
+            <a:bodyPr rtlCol="0" anchor="ctr"/>
+            <a:lstStyle/>
+            <a:p>
+              <a:pPr algn="ctr"/>
+              <a:endParaRPr lang="en-US"/>
+            </a:p>
+          </p:txBody>
+        </p:sp>
+        <p:sp>
+          <p:nvSpPr>
+            <p:cNvPr id="29" name="Rectangle 28">
+              <a:extLst>
+                <a:ext uri="{FF2B5EF4-FFF2-40B4-BE49-F238E27FC236}">
+                  <a16:creationId xmlns:a16="http://schemas.microsoft.com/office/drawing/2014/main" id="{280B8507-4255-A449-A42F-8699664D31C6}"/>
+                </a:ext>
+              </a:extLst>
+            </p:cNvPr>
+            <p:cNvSpPr/>
+            <p:nvPr/>
+          </p:nvSpPr>
+          <p:spPr>
+            <a:xfrm>
+              <a:off x="8336908" y="2024594"/>
+              <a:ext cx="484143" cy="484143"/>
+            </a:xfrm>
+            <a:prstGeom prst="rect">
+              <a:avLst/>
+            </a:prstGeom>
+            <a:noFill/>
+            <a:ln w="28575">
+              <a:solidFill>
+                <a:schemeClr val="bg1">
+                  <a:lumMod val="95000"/>
+                </a:schemeClr>
+              </a:solidFill>
+            </a:ln>
+          </p:spPr>
+          <p:style>
+            <a:lnRef idx="2">
+              <a:schemeClr val="accent1">
+                <a:shade val="50000"/>
+              </a:schemeClr>
+            </a:lnRef>
+            <a:fillRef idx="1">
+              <a:schemeClr val="accent1"/>
+            </a:fillRef>
+            <a:effectRef idx="0">
+              <a:schemeClr val="accent1"/>
+            </a:effectRef>
+            <a:fontRef idx="minor">
+              <a:schemeClr val="lt1"/>
+            </a:fontRef>
+          </p:style>
+          <p:txBody>
+            <a:bodyPr rtlCol="0" anchor="ctr"/>
+            <a:lstStyle/>
+            <a:p>
+              <a:pPr algn="ctr"/>
+              <a:endParaRPr lang="en-US"/>
+            </a:p>
+          </p:txBody>
+        </p:sp>
+        <p:sp>
+          <p:nvSpPr>
+            <p:cNvPr id="30" name="Rectangle 29">
+              <a:extLst>
+                <a:ext uri="{FF2B5EF4-FFF2-40B4-BE49-F238E27FC236}">
+                  <a16:creationId xmlns:a16="http://schemas.microsoft.com/office/drawing/2014/main" id="{E4E53845-5821-064E-9078-E1F2DF503A8A}"/>
+                </a:ext>
+              </a:extLst>
+            </p:cNvPr>
+            <p:cNvSpPr/>
+            <p:nvPr/>
+          </p:nvSpPr>
+          <p:spPr>
+            <a:xfrm>
+              <a:off x="8821051" y="2024594"/>
+              <a:ext cx="484143" cy="484143"/>
+            </a:xfrm>
+            <a:prstGeom prst="rect">
+              <a:avLst/>
+            </a:prstGeom>
+            <a:noFill/>
+            <a:ln w="28575">
+              <a:solidFill>
+                <a:schemeClr val="bg1">
+                  <a:lumMod val="95000"/>
+                </a:schemeClr>
+              </a:solidFill>
+            </a:ln>
+          </p:spPr>
+          <p:style>
+            <a:lnRef idx="2">
+              <a:schemeClr val="accent1">
+                <a:shade val="50000"/>
+              </a:schemeClr>
+            </a:lnRef>
+            <a:fillRef idx="1">
+              <a:schemeClr val="accent1"/>
+            </a:fillRef>
+            <a:effectRef idx="0">
+              <a:schemeClr val="accent1"/>
+            </a:effectRef>
+            <a:fontRef idx="minor">
+              <a:schemeClr val="lt1"/>
+            </a:fontRef>
+          </p:style>
+          <p:txBody>
+            <a:bodyPr rtlCol="0" anchor="ctr"/>
+            <a:lstStyle/>
+            <a:p>
+              <a:pPr algn="ctr"/>
+              <a:endParaRPr lang="en-US"/>
+            </a:p>
+          </p:txBody>
+        </p:sp>
+        <p:sp>
+          <p:nvSpPr>
+            <p:cNvPr id="31" name="Rectangle 30">
+              <a:extLst>
+                <a:ext uri="{FF2B5EF4-FFF2-40B4-BE49-F238E27FC236}">
+                  <a16:creationId xmlns:a16="http://schemas.microsoft.com/office/drawing/2014/main" id="{5822CCA4-9B44-3549-BDCF-3354CC97971D}"/>
+                </a:ext>
+              </a:extLst>
+            </p:cNvPr>
+            <p:cNvSpPr/>
+            <p:nvPr/>
+          </p:nvSpPr>
+          <p:spPr>
+            <a:xfrm>
+              <a:off x="9305194" y="2024594"/>
+              <a:ext cx="484143" cy="484143"/>
+            </a:xfrm>
+            <a:prstGeom prst="rect">
+              <a:avLst/>
+            </a:prstGeom>
+            <a:solidFill>
+              <a:schemeClr val="tx1"/>
+            </a:solidFill>
+            <a:ln w="28575">
+              <a:solidFill>
+                <a:schemeClr val="bg1">
+                  <a:lumMod val="95000"/>
+                </a:schemeClr>
+              </a:solidFill>
+            </a:ln>
+          </p:spPr>
+          <p:style>
+            <a:lnRef idx="2">
+              <a:schemeClr val="accent1">
+                <a:shade val="50000"/>
+              </a:schemeClr>
+            </a:lnRef>
+            <a:fillRef idx="1">
+              <a:schemeClr val="accent1"/>
+            </a:fillRef>
+            <a:effectRef idx="0">
+              <a:schemeClr val="accent1"/>
+            </a:effectRef>
+            <a:fontRef idx="minor">
+              <a:schemeClr val="lt1"/>
+            </a:fontRef>
+          </p:style>
+          <p:txBody>
+            <a:bodyPr rtlCol="0" anchor="ctr"/>
+            <a:lstStyle/>
+            <a:p>
+              <a:pPr algn="ctr"/>
+              <a:endParaRPr lang="en-US"/>
+            </a:p>
+          </p:txBody>
+        </p:sp>
+        <p:sp>
+          <p:nvSpPr>
+            <p:cNvPr id="32" name="Rectangle 31">
+              <a:extLst>
+                <a:ext uri="{FF2B5EF4-FFF2-40B4-BE49-F238E27FC236}">
+                  <a16:creationId xmlns:a16="http://schemas.microsoft.com/office/drawing/2014/main" id="{BCD6C52B-A4EF-C641-9046-479F4E65132E}"/>
+                </a:ext>
+              </a:extLst>
+            </p:cNvPr>
+            <p:cNvSpPr/>
+            <p:nvPr/>
+          </p:nvSpPr>
+          <p:spPr>
+            <a:xfrm>
+              <a:off x="9789337" y="2024594"/>
+              <a:ext cx="484143" cy="484143"/>
+            </a:xfrm>
+            <a:prstGeom prst="rect">
+              <a:avLst/>
+            </a:prstGeom>
+            <a:solidFill>
+              <a:schemeClr val="tx1"/>
+            </a:solidFill>
+            <a:ln w="28575">
+              <a:solidFill>
+                <a:schemeClr val="bg1">
+                  <a:lumMod val="95000"/>
+                </a:schemeClr>
+              </a:solidFill>
+            </a:ln>
+          </p:spPr>
+          <p:style>
+            <a:lnRef idx="2">
+              <a:schemeClr val="accent1">
+                <a:shade val="50000"/>
+              </a:schemeClr>
+            </a:lnRef>
+            <a:fillRef idx="1">
+              <a:schemeClr val="accent1"/>
+            </a:fillRef>
+            <a:effectRef idx="0">
+              <a:schemeClr val="accent1"/>
+            </a:effectRef>
+            <a:fontRef idx="minor">
+              <a:schemeClr val="lt1"/>
+            </a:fontRef>
+          </p:style>
+          <p:txBody>
+            <a:bodyPr rtlCol="0" anchor="ctr"/>
+            <a:lstStyle/>
+            <a:p>
+              <a:pPr algn="ctr"/>
+              <a:endParaRPr lang="en-US"/>
+            </a:p>
+          </p:txBody>
+        </p:sp>
+        <p:sp>
+          <p:nvSpPr>
+            <p:cNvPr id="33" name="Rectangle 32">
+              <a:extLst>
+                <a:ext uri="{FF2B5EF4-FFF2-40B4-BE49-F238E27FC236}">
+                  <a16:creationId xmlns:a16="http://schemas.microsoft.com/office/drawing/2014/main" id="{475C1CF7-9CEE-7F49-A7B8-9034BDA9148A}"/>
+                </a:ext>
+              </a:extLst>
+            </p:cNvPr>
+            <p:cNvSpPr/>
+            <p:nvPr/>
+          </p:nvSpPr>
+          <p:spPr>
+            <a:xfrm>
+              <a:off x="10273480" y="2024594"/>
+              <a:ext cx="484143" cy="484143"/>
+            </a:xfrm>
+            <a:prstGeom prst="rect">
+              <a:avLst/>
+            </a:prstGeom>
+            <a:solidFill>
+              <a:schemeClr val="tx1"/>
+            </a:solidFill>
+            <a:ln w="28575">
+              <a:solidFill>
+                <a:schemeClr val="bg1">
+                  <a:lumMod val="95000"/>
+                </a:schemeClr>
+              </a:solidFill>
+            </a:ln>
+          </p:spPr>
+          <p:style>
+            <a:lnRef idx="2">
+              <a:schemeClr val="accent1">
+                <a:shade val="50000"/>
+              </a:schemeClr>
+            </a:lnRef>
+            <a:fillRef idx="1">
+              <a:schemeClr val="accent1"/>
+            </a:fillRef>
+            <a:effectRef idx="0">
+              <a:schemeClr val="accent1"/>
+            </a:effectRef>
+            <a:fontRef idx="minor">
+              <a:schemeClr val="lt1"/>
+            </a:fontRef>
+          </p:style>
+          <p:txBody>
+            <a:bodyPr rtlCol="0" anchor="ctr"/>
+            <a:lstStyle/>
+            <a:p>
+              <a:pPr algn="ctr"/>
+              <a:endParaRPr lang="en-US"/>
+            </a:p>
+          </p:txBody>
+        </p:sp>
+        <p:sp>
+          <p:nvSpPr>
+            <p:cNvPr id="34" name="Rectangle 33">
+              <a:extLst>
+                <a:ext uri="{FF2B5EF4-FFF2-40B4-BE49-F238E27FC236}">
+                  <a16:creationId xmlns:a16="http://schemas.microsoft.com/office/drawing/2014/main" id="{765FF318-0585-2E48-8BB5-D13819015BD5}"/>
+                </a:ext>
+              </a:extLst>
+            </p:cNvPr>
+            <p:cNvSpPr/>
+            <p:nvPr/>
+          </p:nvSpPr>
+          <p:spPr>
+            <a:xfrm>
+              <a:off x="10757623" y="2024594"/>
+              <a:ext cx="484143" cy="484143"/>
+            </a:xfrm>
+            <a:prstGeom prst="rect">
+              <a:avLst/>
+            </a:prstGeom>
+            <a:solidFill>
+              <a:schemeClr val="tx1"/>
+            </a:solidFill>
+            <a:ln w="28575">
+              <a:solidFill>
+                <a:schemeClr val="bg1">
+                  <a:lumMod val="95000"/>
+                </a:schemeClr>
+              </a:solidFill>
+            </a:ln>
+          </p:spPr>
+          <p:style>
+            <a:lnRef idx="2">
+              <a:schemeClr val="accent1">
+                <a:shade val="50000"/>
+              </a:schemeClr>
+            </a:lnRef>
+            <a:fillRef idx="1">
+              <a:schemeClr val="accent1"/>
+            </a:fillRef>
+            <a:effectRef idx="0">
+              <a:schemeClr val="accent1"/>
+            </a:effectRef>
+            <a:fontRef idx="minor">
+              <a:schemeClr val="lt1"/>
+            </a:fontRef>
+          </p:style>
+          <p:txBody>
+            <a:bodyPr rtlCol="0" anchor="ctr"/>
+            <a:lstStyle/>
+            <a:p>
+              <a:pPr algn="ctr"/>
+              <a:endParaRPr lang="en-US"/>
+            </a:p>
+          </p:txBody>
+        </p:sp>
+        <p:sp>
+          <p:nvSpPr>
+            <p:cNvPr id="35" name="Rectangle 34">
+              <a:extLst>
+                <a:ext uri="{FF2B5EF4-FFF2-40B4-BE49-F238E27FC236}">
+                  <a16:creationId xmlns:a16="http://schemas.microsoft.com/office/drawing/2014/main" id="{B0BDFB67-3C6A-CA4C-9806-897EF89FD7B0}"/>
+                </a:ext>
+              </a:extLst>
+            </p:cNvPr>
+            <p:cNvSpPr/>
+            <p:nvPr/>
+          </p:nvSpPr>
+          <p:spPr>
+            <a:xfrm>
+              <a:off x="11241766" y="2024594"/>
+              <a:ext cx="484143" cy="484143"/>
+            </a:xfrm>
+            <a:prstGeom prst="rect">
+              <a:avLst/>
+            </a:prstGeom>
+            <a:solidFill>
+              <a:schemeClr val="tx1"/>
+            </a:solidFill>
+            <a:ln w="28575">
+              <a:solidFill>
+                <a:schemeClr val="bg1">
+                  <a:lumMod val="95000"/>
+                </a:schemeClr>
+              </a:solidFill>
+            </a:ln>
+          </p:spPr>
+          <p:style>
+            <a:lnRef idx="2">
+              <a:schemeClr val="accent1">
+                <a:shade val="50000"/>
+              </a:schemeClr>
+            </a:lnRef>
+            <a:fillRef idx="1">
+              <a:schemeClr val="accent1"/>
+            </a:fillRef>
+            <a:effectRef idx="0">
+              <a:schemeClr val="accent1"/>
+            </a:effectRef>
+            <a:fontRef idx="minor">
+              <a:schemeClr val="lt1"/>
+            </a:fontRef>
+          </p:style>
+          <p:txBody>
+            <a:bodyPr rtlCol="0" anchor="ctr"/>
+            <a:lstStyle/>
+            <a:p>
+              <a:pPr algn="ctr"/>
+              <a:endParaRPr lang="en-US"/>
+            </a:p>
+          </p:txBody>
+        </p:sp>
+      </p:grpSp>
+      <p:sp>
+        <p:nvSpPr>
+          <p:cNvPr id="37" name="Rectangle 36">
+            <a:extLst>
+              <a:ext uri="{FF2B5EF4-FFF2-40B4-BE49-F238E27FC236}">
+                <a16:creationId xmlns:a16="http://schemas.microsoft.com/office/drawing/2014/main" id="{71A915F2-96A1-A04F-BCAD-08EDDA250832}"/>
+              </a:ext>
+            </a:extLst>
+          </p:cNvPr>
+          <p:cNvSpPr/>
+          <p:nvPr/>
+        </p:nvSpPr>
+        <p:spPr>
+          <a:xfrm>
+            <a:off x="2843447" y="1681190"/>
+            <a:ext cx="2178230" cy="1149617"/>
+          </a:xfrm>
+          <a:prstGeom prst="rect">
+            <a:avLst/>
+          </a:prstGeom>
+          <a:noFill/>
+          <a:ln>
+            <a:noFill/>
+          </a:ln>
+        </p:spPr>
+        <p:style>
+          <a:lnRef idx="2">
+            <a:schemeClr val="accent1">
+              <a:shade val="50000"/>
+            </a:schemeClr>
+          </a:lnRef>
+          <a:fillRef idx="1">
+            <a:schemeClr val="accent1"/>
+          </a:fillRef>
+          <a:effectRef idx="0">
+            <a:schemeClr val="accent1"/>
+          </a:effectRef>
+          <a:fontRef idx="minor">
+            <a:schemeClr val="lt1"/>
+          </a:fontRef>
+        </p:style>
+        <p:txBody>
+          <a:bodyPr rtlCol="0" anchor="t"/>
+          <a:lstStyle/>
+          <a:p>
+            <a:pPr algn="ctr"/>
+            <a:r>
+              <a:rPr lang="en-US" sz="2400" b="1" dirty="0">
+                <a:solidFill>
+                  <a:schemeClr val="accent1"/>
+                </a:solidFill>
+              </a:rPr>
+              <a:t>Input Image</a:t>
+            </a:r>
+          </a:p>
+          <a:p>
+            <a:pPr algn="ctr"/>
+            <a:r>
+              <a:rPr lang="en-US" sz="2400" b="1" dirty="0">
+                <a:solidFill>
+                  <a:schemeClr val="accent1"/>
+                </a:solidFill>
+              </a:rPr>
+              <a:t>(28x28)</a:t>
+            </a:r>
+          </a:p>
+        </p:txBody>
+      </p:sp>
+      <p:sp>
+        <p:nvSpPr>
+          <p:cNvPr id="38" name="Rectangle 37">
+            <a:extLst>
+              <a:ext uri="{FF2B5EF4-FFF2-40B4-BE49-F238E27FC236}">
+                <a16:creationId xmlns:a16="http://schemas.microsoft.com/office/drawing/2014/main" id="{7DD36E38-FCD6-DB4D-A530-310BB39DDD48}"/>
+              </a:ext>
+            </a:extLst>
+          </p:cNvPr>
+          <p:cNvSpPr/>
+          <p:nvPr/>
+        </p:nvSpPr>
+        <p:spPr>
+          <a:xfrm>
+            <a:off x="4805198" y="1690688"/>
+            <a:ext cx="2178230" cy="564252"/>
+          </a:xfrm>
+          <a:prstGeom prst="rect">
+            <a:avLst/>
+          </a:prstGeom>
+          <a:noFill/>
+          <a:ln>
+            <a:noFill/>
+          </a:ln>
+        </p:spPr>
+        <p:style>
+          <a:lnRef idx="2">
+            <a:schemeClr val="accent1">
+              <a:shade val="50000"/>
+            </a:schemeClr>
+          </a:lnRef>
+          <a:fillRef idx="1">
+            <a:schemeClr val="accent1"/>
+          </a:fillRef>
+          <a:effectRef idx="0">
+            <a:schemeClr val="accent1"/>
+          </a:effectRef>
+          <a:fontRef idx="minor">
+            <a:schemeClr val="lt1"/>
+          </a:fontRef>
+        </p:style>
+        <p:txBody>
+          <a:bodyPr rtlCol="0" anchor="t"/>
+          <a:lstStyle/>
+          <a:p>
+            <a:pPr algn="ctr"/>
+            <a:r>
+              <a:rPr lang="en-US" sz="2400" b="1" dirty="0">
+                <a:solidFill>
+                  <a:schemeClr val="accent1"/>
+                </a:solidFill>
+              </a:rPr>
+              <a:t>Flatten</a:t>
+            </a:r>
+          </a:p>
+          <a:p>
+            <a:pPr algn="ctr"/>
+            <a:r>
+              <a:rPr lang="en-US" sz="2400" b="1" dirty="0">
+                <a:solidFill>
+                  <a:schemeClr val="accent1"/>
+                </a:solidFill>
+              </a:rPr>
+              <a:t>(1x784)</a:t>
+            </a:r>
+            <a:endParaRPr lang="en-KW" sz="2400" b="1" dirty="0">
+              <a:solidFill>
+                <a:schemeClr val="accent1"/>
+              </a:solidFill>
+            </a:endParaRPr>
+          </a:p>
+        </p:txBody>
+      </p:sp>
+      <p:sp>
+        <p:nvSpPr>
+          <p:cNvPr id="39" name="Rectangle 38">
+            <a:extLst>
+              <a:ext uri="{FF2B5EF4-FFF2-40B4-BE49-F238E27FC236}">
+                <a16:creationId xmlns:a16="http://schemas.microsoft.com/office/drawing/2014/main" id="{0E96ED4B-A86C-4E4F-BE4D-0C03A2D5068D}"/>
+              </a:ext>
+            </a:extLst>
+          </p:cNvPr>
+          <p:cNvSpPr/>
+          <p:nvPr/>
+        </p:nvSpPr>
+        <p:spPr>
+          <a:xfrm>
+            <a:off x="7509725" y="1681190"/>
+            <a:ext cx="2178230" cy="564252"/>
+          </a:xfrm>
+          <a:prstGeom prst="rect">
+            <a:avLst/>
+          </a:prstGeom>
+          <a:noFill/>
+          <a:ln>
+            <a:noFill/>
+          </a:ln>
+        </p:spPr>
+        <p:style>
+          <a:lnRef idx="2">
+            <a:schemeClr val="accent1">
+              <a:shade val="50000"/>
+            </a:schemeClr>
+          </a:lnRef>
+          <a:fillRef idx="1">
+            <a:schemeClr val="accent1"/>
+          </a:fillRef>
+          <a:effectRef idx="0">
+            <a:schemeClr val="accent1"/>
+          </a:effectRef>
+          <a:fontRef idx="minor">
+            <a:schemeClr val="lt1"/>
+          </a:fontRef>
+        </p:style>
+        <p:txBody>
+          <a:bodyPr rtlCol="0" anchor="t"/>
+          <a:lstStyle/>
+          <a:p>
+            <a:pPr algn="ctr"/>
+            <a:r>
+              <a:rPr lang="en-US" sz="2400" b="1" dirty="0">
+                <a:solidFill>
+                  <a:schemeClr val="accent1"/>
+                </a:solidFill>
+              </a:rPr>
+              <a:t>Predict</a:t>
+            </a:r>
+            <a:endParaRPr lang="en-KW" sz="2400" b="1" dirty="0">
+              <a:solidFill>
+                <a:schemeClr val="accent1"/>
+              </a:solidFill>
+            </a:endParaRPr>
+          </a:p>
+        </p:txBody>
+      </p:sp>
+      <p:pic>
+        <p:nvPicPr>
+          <p:cNvPr id="41" name="Picture 40" descr="Diagram&#10;&#10;Description automatically generated">
+            <a:extLst>
+              <a:ext uri="{FF2B5EF4-FFF2-40B4-BE49-F238E27FC236}">
+                <a16:creationId xmlns:a16="http://schemas.microsoft.com/office/drawing/2014/main" id="{AED69AB1-DC6D-BE4A-89CE-009E0896597C}"/>
+              </a:ext>
+            </a:extLst>
+          </p:cNvPr>
+          <p:cNvPicPr>
+            <a:picLocks noChangeAspect="1"/>
+          </p:cNvPicPr>
+          <p:nvPr/>
+        </p:nvPicPr>
+        <p:blipFill>
+          <a:blip r:embed="rId2"/>
+          <a:stretch>
+            <a:fillRect/>
+          </a:stretch>
+        </p:blipFill>
+        <p:spPr>
+          <a:xfrm>
+            <a:off x="6832283" y="2311067"/>
+            <a:ext cx="3533114" cy="4402805"/>
+          </a:xfrm>
+          <a:prstGeom prst="rect">
+            <a:avLst/>
+          </a:prstGeom>
+        </p:spPr>
+      </p:pic>
+      <p:sp>
+        <p:nvSpPr>
+          <p:cNvPr id="42" name="Rectangle: Rounded Corners 46">
+            <a:extLst>
+              <a:ext uri="{FF2B5EF4-FFF2-40B4-BE49-F238E27FC236}">
+                <a16:creationId xmlns:a16="http://schemas.microsoft.com/office/drawing/2014/main" id="{7E2A05DE-52A0-6842-9D91-C6A86CCD66CE}"/>
+              </a:ext>
+            </a:extLst>
+          </p:cNvPr>
+          <p:cNvSpPr/>
+          <p:nvPr/>
+        </p:nvSpPr>
+        <p:spPr>
+          <a:xfrm>
+            <a:off x="9719355" y="3136494"/>
+            <a:ext cx="507826" cy="2755348"/>
+          </a:xfrm>
+          <a:prstGeom prst="roundRect">
+            <a:avLst/>
+          </a:prstGeom>
+          <a:noFill/>
+          <a:ln w="38100">
+            <a:solidFill>
+              <a:srgbClr val="FF00FF"/>
+            </a:solidFill>
+            <a:prstDash val="lgDash"/>
+          </a:ln>
+        </p:spPr>
+        <p:style>
+          <a:lnRef idx="2">
+            <a:schemeClr val="accent1">
+              <a:shade val="50000"/>
+            </a:schemeClr>
+          </a:lnRef>
+          <a:fillRef idx="1">
+            <a:schemeClr val="accent1"/>
+          </a:fillRef>
+          <a:effectRef idx="0">
+            <a:schemeClr val="accent1"/>
+          </a:effectRef>
+          <a:fontRef idx="minor">
+            <a:schemeClr val="lt1"/>
+          </a:fontRef>
+        </p:style>
+        <p:txBody>
+          <a:bodyPr rtlCol="0" anchor="ctr"/>
+          <a:lstStyle/>
+          <a:p>
+            <a:pPr algn="ctr"/>
+            <a:endParaRPr lang="en-US"/>
+          </a:p>
+        </p:txBody>
+      </p:sp>
+      <p:sp>
+        <p:nvSpPr>
+          <p:cNvPr id="43" name="Rectangle 42">
+            <a:extLst>
+              <a:ext uri="{FF2B5EF4-FFF2-40B4-BE49-F238E27FC236}">
+                <a16:creationId xmlns:a16="http://schemas.microsoft.com/office/drawing/2014/main" id="{FDBF2AE8-8657-9F40-9938-55C467E628B8}"/>
+              </a:ext>
+            </a:extLst>
+          </p:cNvPr>
+          <p:cNvSpPr/>
+          <p:nvPr/>
+        </p:nvSpPr>
+        <p:spPr>
+          <a:xfrm>
+            <a:off x="9010273" y="2213385"/>
+            <a:ext cx="1925990" cy="930840"/>
+          </a:xfrm>
+          <a:prstGeom prst="rect">
+            <a:avLst/>
+          </a:prstGeom>
+          <a:noFill/>
+          <a:ln>
+            <a:noFill/>
+          </a:ln>
+        </p:spPr>
+        <p:style>
+          <a:lnRef idx="2">
+            <a:schemeClr val="accent1">
+              <a:shade val="50000"/>
+            </a:schemeClr>
+          </a:lnRef>
+          <a:fillRef idx="1">
+            <a:schemeClr val="accent1"/>
+          </a:fillRef>
+          <a:effectRef idx="0">
+            <a:schemeClr val="accent1"/>
+          </a:effectRef>
+          <a:fontRef idx="minor">
+            <a:schemeClr val="lt1"/>
+          </a:fontRef>
+        </p:style>
+        <p:txBody>
+          <a:bodyPr rtlCol="0" anchor="t"/>
+          <a:lstStyle/>
+          <a:p>
+            <a:pPr algn="ctr"/>
+            <a:r>
+              <a:rPr lang="en-US" sz="2400" b="1" dirty="0" err="1">
+                <a:solidFill>
+                  <a:srgbClr val="FF00FF"/>
+                </a:solidFill>
+              </a:rPr>
+              <a:t>softmax</a:t>
+            </a:r>
+            <a:r>
+              <a:rPr lang="en-US" sz="2400" b="1" dirty="0">
+                <a:solidFill>
+                  <a:srgbClr val="FF00FF"/>
+                </a:solidFill>
+              </a:rPr>
+              <a:t> units</a:t>
+            </a:r>
+            <a:endParaRPr lang="en-KW" sz="2400" b="1" dirty="0">
+              <a:solidFill>
+                <a:srgbClr val="FF00FF"/>
+              </a:solidFill>
+            </a:endParaRPr>
+          </a:p>
+        </p:txBody>
+      </p:sp>
+      <p:cxnSp>
+        <p:nvCxnSpPr>
+          <p:cNvPr id="44" name="Straight Arrow Connector 43">
+            <a:extLst>
+              <a:ext uri="{FF2B5EF4-FFF2-40B4-BE49-F238E27FC236}">
+                <a16:creationId xmlns:a16="http://schemas.microsoft.com/office/drawing/2014/main" id="{50239FAC-3602-7147-97EC-4CF28CA47D42}"/>
+              </a:ext>
+            </a:extLst>
+          </p:cNvPr>
+          <p:cNvCxnSpPr>
+            <a:cxnSpLocks/>
+            <a:endCxn id="42" idx="0"/>
+          </p:cNvCxnSpPr>
+          <p:nvPr/>
+        </p:nvCxnSpPr>
+        <p:spPr>
+          <a:xfrm>
+            <a:off x="9973268" y="2646681"/>
+            <a:ext cx="0" cy="489813"/>
+          </a:xfrm>
+          <a:prstGeom prst="straightConnector1">
+            <a:avLst/>
+          </a:prstGeom>
+          <a:ln w="38100">
+            <a:solidFill>
+              <a:srgbClr val="FF00FF"/>
+            </a:solidFill>
+            <a:tailEnd type="none"/>
+          </a:ln>
+        </p:spPr>
+        <p:style>
+          <a:lnRef idx="1">
+            <a:schemeClr val="accent1"/>
+          </a:lnRef>
+          <a:fillRef idx="0">
+            <a:schemeClr val="accent1"/>
+          </a:fillRef>
+          <a:effectRef idx="0">
+            <a:schemeClr val="accent1"/>
+          </a:effectRef>
+          <a:fontRef idx="minor">
+            <a:schemeClr val="tx1"/>
+          </a:fontRef>
+        </p:style>
+      </p:cxnSp>
+    </p:spTree>
+    <p:extLst>
+      <p:ext uri="{BB962C8B-B14F-4D97-AF65-F5344CB8AC3E}">
+        <p14:creationId xmlns:p14="http://schemas.microsoft.com/office/powerpoint/2010/main" val="1281314399"/>
+      </p:ext>
+    </p:extLst>
+  </p:cSld>
+  <p:clrMapOvr>
+    <a:masterClrMapping/>
+  </p:clrMapOvr>
+  <p:timing>
+    <p:tnLst>
+      <p:par>
+        <p:cTn id="1" dur="indefinite" restart="never" nodeType="tmRoot">
+          <p:childTnLst>
+            <p:seq concurrent="1" nextAc="seek">
+              <p:cTn id="2" dur="indefinite" nodeType="mainSeq">
+                <p:childTnLst>
+                  <p:par>
+                    <p:cTn id="3" fill="hold">
+                      <p:stCondLst>
+                        <p:cond delay="indefinite"/>
+                      </p:stCondLst>
+                      <p:childTnLst>
+                        <p:par>
+                          <p:cTn id="4" fill="hold">
+                            <p:stCondLst>
+                              <p:cond delay="0"/>
+                            </p:stCondLst>
+                            <p:childTnLst>
+                              <p:par>
+                                <p:cTn id="5" presetID="1" presetClass="entr" presetSubtype="0" fill="hold" grpId="0" nodeType="clickEffect">
+                                  <p:stCondLst>
+                                    <p:cond delay="0"/>
+                                  </p:stCondLst>
+                                  <p:childTnLst>
+                                    <p:set>
+                                      <p:cBhvr>
+                                        <p:cTn id="6" dur="1" fill="hold">
+                                          <p:stCondLst>
+                                            <p:cond delay="0"/>
+                                          </p:stCondLst>
+                                        </p:cTn>
+                                        <p:tgtEl>
+                                          <p:spTgt spid="37"/>
+                                        </p:tgtEl>
+                                        <p:attrNameLst>
+                                          <p:attrName>style.visibility</p:attrName>
+                                        </p:attrNameLst>
+                                      </p:cBhvr>
+                                      <p:to>
+                                        <p:strVal val="visible"/>
+                                      </p:to>
+                                    </p:set>
+                                  </p:childTnLst>
+                                </p:cTn>
+                              </p:par>
+                              <p:par>
+                                <p:cTn id="7" presetID="1" presetClass="entr" presetSubtype="0" fill="hold" nodeType="withEffect">
+                                  <p:stCondLst>
+                                    <p:cond delay="0"/>
+                                  </p:stCondLst>
+                                  <p:childTnLst>
+                                    <p:set>
+                                      <p:cBhvr>
+                                        <p:cTn id="8" dur="1" fill="hold">
+                                          <p:stCondLst>
+                                            <p:cond delay="0"/>
+                                          </p:stCondLst>
+                                        </p:cTn>
+                                        <p:tgtEl>
+                                          <p:spTgt spid="2"/>
+                                        </p:tgtEl>
+                                        <p:attrNameLst>
+                                          <p:attrName>style.visibility</p:attrName>
+                                        </p:attrNameLst>
+                                      </p:cBhvr>
+                                      <p:to>
+                                        <p:strVal val="visible"/>
+                                      </p:to>
+                                    </p:set>
+                                  </p:childTnLst>
+                                </p:cTn>
+                              </p:par>
+                            </p:childTnLst>
+                          </p:cTn>
+                        </p:par>
+                      </p:childTnLst>
+                    </p:cTn>
+                  </p:par>
+                  <p:par>
+                    <p:cTn id="9" fill="hold">
+                      <p:stCondLst>
+                        <p:cond delay="indefinite"/>
+                      </p:stCondLst>
+                      <p:childTnLst>
+                        <p:par>
+                          <p:cTn id="10" fill="hold">
+                            <p:stCondLst>
+                              <p:cond delay="0"/>
+                            </p:stCondLst>
+                            <p:childTnLst>
+                              <p:par>
+                                <p:cTn id="11" presetID="1" presetClass="entr" presetSubtype="0" fill="hold" grpId="0" nodeType="clickEffect">
+                                  <p:stCondLst>
+                                    <p:cond delay="0"/>
+                                  </p:stCondLst>
+                                  <p:childTnLst>
+                                    <p:set>
+                                      <p:cBhvr>
+                                        <p:cTn id="12" dur="1" fill="hold">
+                                          <p:stCondLst>
+                                            <p:cond delay="0"/>
+                                          </p:stCondLst>
+                                        </p:cTn>
+                                        <p:tgtEl>
+                                          <p:spTgt spid="38"/>
+                                        </p:tgtEl>
+                                        <p:attrNameLst>
+                                          <p:attrName>style.visibility</p:attrName>
+                                        </p:attrNameLst>
+                                      </p:cBhvr>
+                                      <p:to>
+                                        <p:strVal val="visible"/>
+                                      </p:to>
+                                    </p:set>
+                                  </p:childTnLst>
+                                </p:cTn>
+                              </p:par>
+                              <p:par>
+                                <p:cTn id="13" presetID="1" presetClass="entr" presetSubtype="0" fill="hold" nodeType="withEffect">
+                                  <p:stCondLst>
+                                    <p:cond delay="0"/>
+                                  </p:stCondLst>
+                                  <p:childTnLst>
+                                    <p:set>
+                                      <p:cBhvr>
+                                        <p:cTn id="14" dur="1" fill="hold">
+                                          <p:stCondLst>
+                                            <p:cond delay="0"/>
+                                          </p:stCondLst>
+                                        </p:cTn>
+                                        <p:tgtEl>
+                                          <p:spTgt spid="19"/>
+                                        </p:tgtEl>
+                                        <p:attrNameLst>
+                                          <p:attrName>style.visibility</p:attrName>
+                                        </p:attrNameLst>
+                                      </p:cBhvr>
+                                      <p:to>
+                                        <p:strVal val="visible"/>
+                                      </p:to>
+                                    </p:set>
+                                  </p:childTnLst>
+                                </p:cTn>
+                              </p:par>
+                              <p:par>
+                                <p:cTn id="15" presetID="1" presetClass="entr" presetSubtype="0" fill="hold" grpId="0" nodeType="withEffect">
+                                  <p:stCondLst>
+                                    <p:cond delay="0"/>
+                                  </p:stCondLst>
+                                  <p:childTnLst>
+                                    <p:set>
+                                      <p:cBhvr>
+                                        <p:cTn id="16" dur="1" fill="hold">
+                                          <p:stCondLst>
+                                            <p:cond delay="0"/>
+                                          </p:stCondLst>
+                                        </p:cTn>
+                                        <p:tgtEl>
+                                          <p:spTgt spid="39"/>
+                                        </p:tgtEl>
+                                        <p:attrNameLst>
+                                          <p:attrName>style.visibility</p:attrName>
+                                        </p:attrNameLst>
+                                      </p:cBhvr>
+                                      <p:to>
+                                        <p:strVal val="visible"/>
+                                      </p:to>
+                                    </p:set>
+                                  </p:childTnLst>
+                                </p:cTn>
+                              </p:par>
+                            </p:childTnLst>
+                          </p:cTn>
+                        </p:par>
+                      </p:childTnLst>
+                    </p:cTn>
+                  </p:par>
+                  <p:par>
+                    <p:cTn id="17" fill="hold">
+                      <p:stCondLst>
+                        <p:cond delay="indefinite"/>
+                      </p:stCondLst>
+                      <p:childTnLst>
+                        <p:par>
+                          <p:cTn id="18" fill="hold">
+                            <p:stCondLst>
+                              <p:cond delay="0"/>
+                            </p:stCondLst>
+                            <p:childTnLst>
+                              <p:par>
+                                <p:cTn id="19" presetID="1" presetClass="entr" presetSubtype="0" fill="hold" grpId="0" nodeType="clickEffect">
+                                  <p:stCondLst>
+                                    <p:cond delay="0"/>
+                                  </p:stCondLst>
+                                  <p:childTnLst>
+                                    <p:set>
+                                      <p:cBhvr>
+                                        <p:cTn id="20" dur="1" fill="hold">
+                                          <p:stCondLst>
+                                            <p:cond delay="0"/>
+                                          </p:stCondLst>
+                                        </p:cTn>
+                                        <p:tgtEl>
+                                          <p:spTgt spid="42"/>
+                                        </p:tgtEl>
+                                        <p:attrNameLst>
+                                          <p:attrName>style.visibility</p:attrName>
+                                        </p:attrNameLst>
+                                      </p:cBhvr>
+                                      <p:to>
+                                        <p:strVal val="visible"/>
+                                      </p:to>
+                                    </p:set>
+                                  </p:childTnLst>
+                                </p:cTn>
+                              </p:par>
+                              <p:par>
+                                <p:cTn id="21" presetID="1" presetClass="entr" presetSubtype="0" fill="hold" nodeType="withEffect">
+                                  <p:stCondLst>
+                                    <p:cond delay="0"/>
+                                  </p:stCondLst>
+                                  <p:childTnLst>
+                                    <p:set>
+                                      <p:cBhvr>
+                                        <p:cTn id="22" dur="1" fill="hold">
+                                          <p:stCondLst>
+                                            <p:cond delay="0"/>
+                                          </p:stCondLst>
+                                        </p:cTn>
+                                        <p:tgtEl>
+                                          <p:spTgt spid="44"/>
+                                        </p:tgtEl>
+                                        <p:attrNameLst>
+                                          <p:attrName>style.visibility</p:attrName>
+                                        </p:attrNameLst>
+                                      </p:cBhvr>
+                                      <p:to>
+                                        <p:strVal val="visible"/>
+                                      </p:to>
+                                    </p:set>
+                                  </p:childTnLst>
+                                </p:cTn>
+                              </p:par>
+                              <p:par>
+                                <p:cTn id="23" presetID="1" presetClass="entr" presetSubtype="0" fill="hold" grpId="0" nodeType="withEffect">
+                                  <p:stCondLst>
+                                    <p:cond delay="0"/>
+                                  </p:stCondLst>
+                                  <p:childTnLst>
+                                    <p:set>
+                                      <p:cBhvr>
+                                        <p:cTn id="24" dur="1" fill="hold">
+                                          <p:stCondLst>
+                                            <p:cond delay="0"/>
+                                          </p:stCondLst>
+                                        </p:cTn>
+                                        <p:tgtEl>
+                                          <p:spTgt spid="43"/>
+                                        </p:tgtEl>
+                                        <p:attrNameLst>
+                                          <p:attrName>style.visibility</p:attrName>
+                                        </p:attrNameLst>
+                                      </p:cBhvr>
+                                      <p:to>
+                                        <p:strVal val="visible"/>
+                                      </p:to>
+                                    </p:set>
+                                  </p:childTnLst>
+                                </p:cTn>
+                              </p:par>
+                            </p:childTnLst>
+                          </p:cTn>
+                        </p:par>
+                      </p:childTnLst>
+                    </p:cTn>
+                  </p:par>
+                </p:childTnLst>
+              </p:cTn>
+              <p:prevCondLst>
+                <p:cond evt="onPrev" delay="0">
+                  <p:tgtEl>
+                    <p:sldTgt/>
+                  </p:tgtEl>
+                </p:cond>
+              </p:prevCondLst>
+              <p:nextCondLst>
+                <p:cond evt="onNext" delay="0">
+                  <p:tgtEl>
+                    <p:sldTgt/>
+                  </p:tgtEl>
+                </p:cond>
+              </p:nextCondLst>
+            </p:seq>
+          </p:childTnLst>
+        </p:cTn>
+      </p:par>
+    </p:tnLst>
+    <p:bldLst>
+      <p:bldP spid="37" grpId="0"/>
+      <p:bldP spid="38" grpId="0"/>
+      <p:bldP spid="39" grpId="0"/>
+      <p:bldP spid="42" grpId="0" animBg="1"/>
+      <p:bldP spid="43" grpId="0"/>
+    </p:bldLst>
+  </p:timing>
+</p:sld>
+</file>
+
+<file path=ppt/slides/slide4.xml><?xml version="1.0" encoding="utf-8"?>
+<p:sld xmlns:a="http://schemas.openxmlformats.org/drawingml/2006/main" xmlns:r="http://schemas.openxmlformats.org/officeDocument/2006/relationships" xmlns:p="http://schemas.openxmlformats.org/presentationml/2006/main">
+  <p:cSld>
+    <p:spTree>
+      <p:nvGrpSpPr>
+        <p:cNvPr id="1" name=""/>
+        <p:cNvGrpSpPr/>
+        <p:nvPr/>
+      </p:nvGrpSpPr>
+      <p:grpSpPr>
+        <a:xfrm>
+          <a:off x="0" y="0"/>
+          <a:ext cx="0" cy="0"/>
+          <a:chOff x="0" y="0"/>
+          <a:chExt cx="0" cy="0"/>
+        </a:xfrm>
+      </p:grpSpPr>
+      <p:grpSp>
+        <p:nvGrpSpPr>
+          <p:cNvPr id="104" name="Group 103">
+            <a:extLst>
+              <a:ext uri="{FF2B5EF4-FFF2-40B4-BE49-F238E27FC236}">
+                <a16:creationId xmlns:a16="http://schemas.microsoft.com/office/drawing/2014/main" id="{A32AB553-6D18-0B46-8653-5AAFA664F66E}"/>
+              </a:ext>
+            </a:extLst>
+          </p:cNvPr>
+          <p:cNvGrpSpPr/>
+          <p:nvPr/>
+        </p:nvGrpSpPr>
+        <p:grpSpPr>
+          <a:xfrm>
+            <a:off x="389373" y="1633085"/>
+            <a:ext cx="3328515" cy="665705"/>
+            <a:chOff x="813916" y="1396722"/>
+            <a:chExt cx="3328515" cy="665705"/>
+          </a:xfrm>
+        </p:grpSpPr>
+        <p:sp>
+          <p:nvSpPr>
+            <p:cNvPr id="47" name="Rectangle 46">
+              <a:extLst>
+                <a:ext uri="{FF2B5EF4-FFF2-40B4-BE49-F238E27FC236}">
+                  <a16:creationId xmlns:a16="http://schemas.microsoft.com/office/drawing/2014/main" id="{CCDDC13B-A2C8-4142-A4F6-314811F4A6DC}"/>
+                </a:ext>
+              </a:extLst>
+            </p:cNvPr>
+            <p:cNvSpPr/>
+            <p:nvPr/>
+          </p:nvSpPr>
+          <p:spPr>
+            <a:xfrm>
+              <a:off x="813916" y="1396724"/>
+              <a:ext cx="665703" cy="665703"/>
+            </a:xfrm>
+            <a:prstGeom prst="rect">
+              <a:avLst/>
+            </a:prstGeom>
+            <a:noFill/>
+            <a:ln w="28575">
+              <a:solidFill>
+                <a:schemeClr val="tx1"/>
+              </a:solidFill>
+            </a:ln>
+          </p:spPr>
+          <p:style>
+            <a:lnRef idx="2">
+              <a:schemeClr val="accent1">
+                <a:shade val="50000"/>
+              </a:schemeClr>
+            </a:lnRef>
+            <a:fillRef idx="1">
+              <a:schemeClr val="accent1"/>
+            </a:fillRef>
+            <a:effectRef idx="0">
+              <a:schemeClr val="accent1"/>
+            </a:effectRef>
+            <a:fontRef idx="minor">
+              <a:schemeClr val="lt1"/>
+            </a:fontRef>
+          </p:style>
+          <p:txBody>
+            <a:bodyPr rtlCol="0" anchor="ctr"/>
+            <a:lstStyle/>
+            <a:p>
+              <a:pPr algn="ctr"/>
+              <a:r>
+                <a:rPr lang="en-KW" dirty="0">
+                  <a:solidFill>
+                    <a:schemeClr val="tx1"/>
+                  </a:solidFill>
+                </a:rPr>
+                <a:t>0.5</a:t>
+              </a:r>
+            </a:p>
+          </p:txBody>
+        </p:sp>
+        <p:sp>
+          <p:nvSpPr>
+            <p:cNvPr id="48" name="Rectangle 47">
+              <a:extLst>
+                <a:ext uri="{FF2B5EF4-FFF2-40B4-BE49-F238E27FC236}">
+                  <a16:creationId xmlns:a16="http://schemas.microsoft.com/office/drawing/2014/main" id="{AC941480-15B3-3A40-BDAB-AEB0AE7A2285}"/>
+                </a:ext>
+              </a:extLst>
+            </p:cNvPr>
+            <p:cNvSpPr/>
+            <p:nvPr/>
+          </p:nvSpPr>
+          <p:spPr>
+            <a:xfrm>
+              <a:off x="1479619" y="1396723"/>
+              <a:ext cx="665703" cy="665703"/>
+            </a:xfrm>
+            <a:prstGeom prst="rect">
+              <a:avLst/>
+            </a:prstGeom>
+            <a:noFill/>
+            <a:ln w="28575">
+              <a:solidFill>
+                <a:schemeClr val="tx1"/>
+              </a:solidFill>
+            </a:ln>
+          </p:spPr>
+          <p:style>
+            <a:lnRef idx="2">
+              <a:schemeClr val="accent1">
+                <a:shade val="50000"/>
+              </a:schemeClr>
+            </a:lnRef>
+            <a:fillRef idx="1">
+              <a:schemeClr val="accent1"/>
+            </a:fillRef>
+            <a:effectRef idx="0">
+              <a:schemeClr val="accent1"/>
+            </a:effectRef>
+            <a:fontRef idx="minor">
+              <a:schemeClr val="lt1"/>
+            </a:fontRef>
+          </p:style>
+          <p:txBody>
+            <a:bodyPr rtlCol="0" anchor="ctr"/>
+            <a:lstStyle/>
+            <a:p>
+              <a:pPr algn="ctr"/>
+              <a:endParaRPr lang="en-KW" dirty="0">
+                <a:solidFill>
+                  <a:schemeClr val="tx1"/>
+                </a:solidFill>
+              </a:endParaRPr>
+            </a:p>
+          </p:txBody>
+        </p:sp>
+        <p:sp>
+          <p:nvSpPr>
+            <p:cNvPr id="49" name="Rectangle 48">
+              <a:extLst>
+                <a:ext uri="{FF2B5EF4-FFF2-40B4-BE49-F238E27FC236}">
+                  <a16:creationId xmlns:a16="http://schemas.microsoft.com/office/drawing/2014/main" id="{557912DE-3878-5545-95BB-91C9475A73C5}"/>
+                </a:ext>
+              </a:extLst>
+            </p:cNvPr>
+            <p:cNvSpPr/>
+            <p:nvPr/>
+          </p:nvSpPr>
+          <p:spPr>
+            <a:xfrm>
+              <a:off x="2145322" y="1396723"/>
+              <a:ext cx="665703" cy="665703"/>
+            </a:xfrm>
+            <a:prstGeom prst="rect">
+              <a:avLst/>
+            </a:prstGeom>
+            <a:noFill/>
+            <a:ln w="28575">
+              <a:solidFill>
+                <a:schemeClr val="tx1"/>
+              </a:solidFill>
+            </a:ln>
+          </p:spPr>
+          <p:style>
+            <a:lnRef idx="2">
+              <a:schemeClr val="accent1">
+                <a:shade val="50000"/>
+              </a:schemeClr>
+            </a:lnRef>
+            <a:fillRef idx="1">
+              <a:schemeClr val="accent1"/>
+            </a:fillRef>
+            <a:effectRef idx="0">
+              <a:schemeClr val="accent1"/>
+            </a:effectRef>
+            <a:fontRef idx="minor">
+              <a:schemeClr val="lt1"/>
+            </a:fontRef>
+          </p:style>
+          <p:txBody>
+            <a:bodyPr rtlCol="0" anchor="ctr"/>
+            <a:lstStyle/>
+            <a:p>
+              <a:pPr algn="ctr"/>
+              <a:endParaRPr lang="en-KW" dirty="0">
+                <a:solidFill>
+                  <a:schemeClr val="tx1"/>
+                </a:solidFill>
+              </a:endParaRPr>
+            </a:p>
+          </p:txBody>
+        </p:sp>
+        <p:sp>
+          <p:nvSpPr>
+            <p:cNvPr id="50" name="Rectangle 49">
+              <a:extLst>
+                <a:ext uri="{FF2B5EF4-FFF2-40B4-BE49-F238E27FC236}">
+                  <a16:creationId xmlns:a16="http://schemas.microsoft.com/office/drawing/2014/main" id="{C4661962-A50F-8A46-8AC0-047383B07F01}"/>
+                </a:ext>
+              </a:extLst>
+            </p:cNvPr>
+            <p:cNvSpPr/>
+            <p:nvPr/>
+          </p:nvSpPr>
+          <p:spPr>
+            <a:xfrm>
+              <a:off x="2811025" y="1396722"/>
+              <a:ext cx="665703" cy="665703"/>
+            </a:xfrm>
+            <a:prstGeom prst="rect">
+              <a:avLst/>
+            </a:prstGeom>
+            <a:noFill/>
+            <a:ln w="28575">
+              <a:solidFill>
+                <a:schemeClr val="tx1"/>
+              </a:solidFill>
+            </a:ln>
+          </p:spPr>
+          <p:style>
+            <a:lnRef idx="2">
+              <a:schemeClr val="accent1">
+                <a:shade val="50000"/>
+              </a:schemeClr>
+            </a:lnRef>
+            <a:fillRef idx="1">
+              <a:schemeClr val="accent1"/>
+            </a:fillRef>
+            <a:effectRef idx="0">
+              <a:schemeClr val="accent1"/>
+            </a:effectRef>
+            <a:fontRef idx="minor">
+              <a:schemeClr val="lt1"/>
+            </a:fontRef>
+          </p:style>
+          <p:txBody>
+            <a:bodyPr rtlCol="0" anchor="ctr"/>
+            <a:lstStyle/>
+            <a:p>
+              <a:pPr algn="ctr"/>
+              <a:endParaRPr lang="en-KW" dirty="0">
+                <a:solidFill>
+                  <a:schemeClr val="tx1"/>
+                </a:solidFill>
+              </a:endParaRPr>
+            </a:p>
+          </p:txBody>
+        </p:sp>
+        <p:sp>
+          <p:nvSpPr>
+            <p:cNvPr id="51" name="Rectangle 50">
+              <a:extLst>
+                <a:ext uri="{FF2B5EF4-FFF2-40B4-BE49-F238E27FC236}">
+                  <a16:creationId xmlns:a16="http://schemas.microsoft.com/office/drawing/2014/main" id="{70A6C74D-5E7E-E843-92E3-78A6CC5D120F}"/>
+                </a:ext>
+              </a:extLst>
+            </p:cNvPr>
+            <p:cNvSpPr/>
+            <p:nvPr/>
+          </p:nvSpPr>
+          <p:spPr>
+            <a:xfrm>
+              <a:off x="3476728" y="1396723"/>
+              <a:ext cx="665703" cy="665703"/>
+            </a:xfrm>
+            <a:prstGeom prst="rect">
+              <a:avLst/>
+            </a:prstGeom>
+            <a:noFill/>
+            <a:ln w="28575">
+              <a:solidFill>
+                <a:schemeClr val="tx1"/>
+              </a:solidFill>
+            </a:ln>
+          </p:spPr>
+          <p:style>
+            <a:lnRef idx="2">
+              <a:schemeClr val="accent1">
+                <a:shade val="50000"/>
+              </a:schemeClr>
+            </a:lnRef>
+            <a:fillRef idx="1">
+              <a:schemeClr val="accent1"/>
+            </a:fillRef>
+            <a:effectRef idx="0">
+              <a:schemeClr val="accent1"/>
+            </a:effectRef>
+            <a:fontRef idx="minor">
+              <a:schemeClr val="lt1"/>
+            </a:fontRef>
+          </p:style>
+          <p:txBody>
+            <a:bodyPr rtlCol="0" anchor="ctr"/>
+            <a:lstStyle/>
+            <a:p>
+              <a:pPr algn="ctr"/>
+              <a:endParaRPr lang="en-KW" dirty="0">
+                <a:solidFill>
+                  <a:schemeClr val="tx1"/>
+                </a:solidFill>
+              </a:endParaRPr>
+            </a:p>
+          </p:txBody>
+        </p:sp>
+      </p:grpSp>
+      <p:grpSp>
+        <p:nvGrpSpPr>
+          <p:cNvPr id="94" name="Group 93">
+            <a:extLst>
+              <a:ext uri="{FF2B5EF4-FFF2-40B4-BE49-F238E27FC236}">
+                <a16:creationId xmlns:a16="http://schemas.microsoft.com/office/drawing/2014/main" id="{60A03264-CB30-C54A-BE04-9ADD83F0B644}"/>
+              </a:ext>
+            </a:extLst>
+          </p:cNvPr>
+          <p:cNvGrpSpPr/>
+          <p:nvPr/>
+        </p:nvGrpSpPr>
+        <p:grpSpPr>
+          <a:xfrm>
+            <a:off x="266280" y="150790"/>
+            <a:ext cx="1577592" cy="1313877"/>
+            <a:chOff x="723482" y="2622620"/>
+            <a:chExt cx="1577592" cy="1313877"/>
+          </a:xfrm>
+        </p:grpSpPr>
+        <p:sp>
+          <p:nvSpPr>
+            <p:cNvPr id="84" name="Rectangle 83">
+              <a:extLst>
+                <a:ext uri="{FF2B5EF4-FFF2-40B4-BE49-F238E27FC236}">
+                  <a16:creationId xmlns:a16="http://schemas.microsoft.com/office/drawing/2014/main" id="{06FFC601-3E68-754C-951C-4080C7482654}"/>
+                </a:ext>
+              </a:extLst>
+            </p:cNvPr>
+            <p:cNvSpPr/>
+            <p:nvPr/>
+          </p:nvSpPr>
+          <p:spPr>
+            <a:xfrm>
+              <a:off x="723482" y="2622620"/>
+              <a:ext cx="1577592" cy="944545"/>
+            </a:xfrm>
+            <a:prstGeom prst="rect">
+              <a:avLst/>
+            </a:prstGeom>
+            <a:solidFill>
+              <a:srgbClr val="FF40FF">
+                <a:alpha val="38039"/>
+              </a:srgbClr>
+            </a:solidFill>
+            <a:ln>
+              <a:noFill/>
+            </a:ln>
+          </p:spPr>
+          <p:style>
+            <a:lnRef idx="2">
+              <a:schemeClr val="accent1">
+                <a:shade val="50000"/>
+              </a:schemeClr>
+            </a:lnRef>
+            <a:fillRef idx="1">
+              <a:schemeClr val="accent1"/>
+            </a:fillRef>
+            <a:effectRef idx="0">
+              <a:schemeClr val="accent1"/>
+            </a:effectRef>
+            <a:fontRef idx="minor">
+              <a:schemeClr val="lt1"/>
+            </a:fontRef>
+          </p:style>
+          <p:txBody>
+            <a:bodyPr rtlCol="0" anchor="ctr"/>
+            <a:lstStyle/>
+            <a:p>
+              <a:pPr algn="ctr"/>
+              <a:endParaRPr lang="en-KW"/>
+            </a:p>
+          </p:txBody>
+        </p:sp>
+        <p:sp>
+          <p:nvSpPr>
+            <p:cNvPr id="85" name="TextBox 84">
+              <a:extLst>
+                <a:ext uri="{FF2B5EF4-FFF2-40B4-BE49-F238E27FC236}">
+                  <a16:creationId xmlns:a16="http://schemas.microsoft.com/office/drawing/2014/main" id="{349BE15A-2F20-B945-949C-89C8E7A2F308}"/>
+                </a:ext>
+              </a:extLst>
+            </p:cNvPr>
+            <p:cNvSpPr txBox="1"/>
+            <p:nvPr/>
+          </p:nvSpPr>
+          <p:spPr>
+            <a:xfrm>
+              <a:off x="943051" y="3567165"/>
+              <a:ext cx="1138453" cy="369332"/>
+            </a:xfrm>
+            <a:prstGeom prst="rect">
+              <a:avLst/>
+            </a:prstGeom>
+            <a:noFill/>
+          </p:spPr>
+          <p:txBody>
+            <a:bodyPr wrap="none" rtlCol="0">
+              <a:spAutoFit/>
+            </a:bodyPr>
+            <a:lstStyle/>
+            <a:p>
+              <a:r>
+                <a:rPr lang="en-KW" dirty="0"/>
+                <a:t>0.5       0.5</a:t>
+              </a:r>
+            </a:p>
+          </p:txBody>
+        </p:sp>
+      </p:grpSp>
+      <p:grpSp>
+        <p:nvGrpSpPr>
+          <p:cNvPr id="105" name="Group 104">
+            <a:extLst>
+              <a:ext uri="{FF2B5EF4-FFF2-40B4-BE49-F238E27FC236}">
+                <a16:creationId xmlns:a16="http://schemas.microsoft.com/office/drawing/2014/main" id="{6EA3CB3D-621C-AB40-95A3-E8CE9F9F6959}"/>
+              </a:ext>
+            </a:extLst>
+          </p:cNvPr>
+          <p:cNvGrpSpPr/>
+          <p:nvPr/>
+        </p:nvGrpSpPr>
+        <p:grpSpPr>
+          <a:xfrm>
+            <a:off x="389373" y="263807"/>
+            <a:ext cx="3328515" cy="665705"/>
+            <a:chOff x="813916" y="1396722"/>
+            <a:chExt cx="3328515" cy="665705"/>
+          </a:xfrm>
+        </p:grpSpPr>
+        <p:sp>
+          <p:nvSpPr>
+            <p:cNvPr id="106" name="Rectangle 105">
+              <a:extLst>
+                <a:ext uri="{FF2B5EF4-FFF2-40B4-BE49-F238E27FC236}">
+                  <a16:creationId xmlns:a16="http://schemas.microsoft.com/office/drawing/2014/main" id="{43F8ABE8-1E79-8E48-90E2-EFCAD18849C8}"/>
+                </a:ext>
+              </a:extLst>
+            </p:cNvPr>
+            <p:cNvSpPr/>
+            <p:nvPr/>
+          </p:nvSpPr>
+          <p:spPr>
+            <a:xfrm>
+              <a:off x="813916" y="1396724"/>
+              <a:ext cx="665703" cy="665703"/>
+            </a:xfrm>
+            <a:prstGeom prst="rect">
+              <a:avLst/>
+            </a:prstGeom>
+            <a:noFill/>
+            <a:ln w="28575">
+              <a:solidFill>
+                <a:schemeClr val="tx1"/>
+              </a:solidFill>
+            </a:ln>
+          </p:spPr>
+          <p:style>
+            <a:lnRef idx="2">
+              <a:schemeClr val="accent1">
+                <a:shade val="50000"/>
+              </a:schemeClr>
+            </a:lnRef>
+            <a:fillRef idx="1">
+              <a:schemeClr val="accent1"/>
+            </a:fillRef>
+            <a:effectRef idx="0">
+              <a:schemeClr val="accent1"/>
+            </a:effectRef>
+            <a:fontRef idx="minor">
+              <a:schemeClr val="lt1"/>
+            </a:fontRef>
+          </p:style>
+          <p:txBody>
+            <a:bodyPr rtlCol="0" anchor="ctr"/>
+            <a:lstStyle/>
+            <a:p>
+              <a:pPr algn="ctr"/>
+              <a:r>
+                <a:rPr lang="en-KW" dirty="0">
+                  <a:solidFill>
+                    <a:schemeClr val="tx1"/>
+                  </a:solidFill>
+                </a:rPr>
+                <a:t>1</a:t>
+              </a:r>
+            </a:p>
+          </p:txBody>
+        </p:sp>
+        <p:sp>
+          <p:nvSpPr>
+            <p:cNvPr id="107" name="Rectangle 106">
+              <a:extLst>
+                <a:ext uri="{FF2B5EF4-FFF2-40B4-BE49-F238E27FC236}">
+                  <a16:creationId xmlns:a16="http://schemas.microsoft.com/office/drawing/2014/main" id="{6304BC80-3ED0-2549-A0D2-455E7B00B016}"/>
+                </a:ext>
+              </a:extLst>
+            </p:cNvPr>
+            <p:cNvSpPr/>
+            <p:nvPr/>
+          </p:nvSpPr>
+          <p:spPr>
+            <a:xfrm>
+              <a:off x="1479619" y="1396723"/>
+              <a:ext cx="665703" cy="665703"/>
+            </a:xfrm>
+            <a:prstGeom prst="rect">
+              <a:avLst/>
+            </a:prstGeom>
+            <a:noFill/>
+            <a:ln w="28575">
+              <a:solidFill>
+                <a:schemeClr val="tx1"/>
+              </a:solidFill>
+            </a:ln>
+          </p:spPr>
+          <p:style>
+            <a:lnRef idx="2">
+              <a:schemeClr val="accent1">
+                <a:shade val="50000"/>
+              </a:schemeClr>
+            </a:lnRef>
+            <a:fillRef idx="1">
+              <a:schemeClr val="accent1"/>
+            </a:fillRef>
+            <a:effectRef idx="0">
+              <a:schemeClr val="accent1"/>
+            </a:effectRef>
+            <a:fontRef idx="minor">
+              <a:schemeClr val="lt1"/>
+            </a:fontRef>
+          </p:style>
+          <p:txBody>
+            <a:bodyPr rtlCol="0" anchor="ctr"/>
+            <a:lstStyle/>
+            <a:p>
+              <a:pPr algn="ctr"/>
+              <a:r>
+                <a:rPr lang="en-KW" dirty="0">
+                  <a:solidFill>
+                    <a:schemeClr val="tx1"/>
+                  </a:solidFill>
+                </a:rPr>
+                <a:t>0</a:t>
+              </a:r>
+            </a:p>
+          </p:txBody>
+        </p:sp>
+        <p:sp>
+          <p:nvSpPr>
+            <p:cNvPr id="108" name="Rectangle 107">
+              <a:extLst>
+                <a:ext uri="{FF2B5EF4-FFF2-40B4-BE49-F238E27FC236}">
+                  <a16:creationId xmlns:a16="http://schemas.microsoft.com/office/drawing/2014/main" id="{A09CFD15-E374-8F4B-969F-5572236A9997}"/>
+                </a:ext>
+              </a:extLst>
+            </p:cNvPr>
+            <p:cNvSpPr/>
+            <p:nvPr/>
+          </p:nvSpPr>
+          <p:spPr>
+            <a:xfrm>
+              <a:off x="2145322" y="1396723"/>
+              <a:ext cx="665703" cy="665703"/>
+            </a:xfrm>
+            <a:prstGeom prst="rect">
+              <a:avLst/>
+            </a:prstGeom>
+            <a:noFill/>
+            <a:ln w="28575">
+              <a:solidFill>
+                <a:schemeClr val="tx1"/>
+              </a:solidFill>
+            </a:ln>
+          </p:spPr>
+          <p:style>
+            <a:lnRef idx="2">
+              <a:schemeClr val="accent1">
+                <a:shade val="50000"/>
+              </a:schemeClr>
+            </a:lnRef>
+            <a:fillRef idx="1">
+              <a:schemeClr val="accent1"/>
+            </a:fillRef>
+            <a:effectRef idx="0">
+              <a:schemeClr val="accent1"/>
+            </a:effectRef>
+            <a:fontRef idx="minor">
+              <a:schemeClr val="lt1"/>
+            </a:fontRef>
+          </p:style>
+          <p:txBody>
+            <a:bodyPr rtlCol="0" anchor="ctr"/>
+            <a:lstStyle/>
+            <a:p>
+              <a:pPr algn="ctr"/>
+              <a:r>
+                <a:rPr lang="en-KW" dirty="0">
+                  <a:solidFill>
+                    <a:schemeClr val="tx1"/>
+                  </a:solidFill>
+                </a:rPr>
+                <a:t>2</a:t>
+              </a:r>
+            </a:p>
+          </p:txBody>
+        </p:sp>
+        <p:sp>
+          <p:nvSpPr>
+            <p:cNvPr id="109" name="Rectangle 108">
+              <a:extLst>
+                <a:ext uri="{FF2B5EF4-FFF2-40B4-BE49-F238E27FC236}">
+                  <a16:creationId xmlns:a16="http://schemas.microsoft.com/office/drawing/2014/main" id="{CF1F203F-253F-304D-8060-1804D520199B}"/>
+                </a:ext>
+              </a:extLst>
+            </p:cNvPr>
+            <p:cNvSpPr/>
+            <p:nvPr/>
+          </p:nvSpPr>
+          <p:spPr>
+            <a:xfrm>
+              <a:off x="2811025" y="1396722"/>
+              <a:ext cx="665703" cy="665703"/>
+            </a:xfrm>
+            <a:prstGeom prst="rect">
+              <a:avLst/>
+            </a:prstGeom>
+            <a:noFill/>
+            <a:ln w="28575">
+              <a:solidFill>
+                <a:schemeClr val="tx1"/>
+              </a:solidFill>
+            </a:ln>
+          </p:spPr>
+          <p:style>
+            <a:lnRef idx="2">
+              <a:schemeClr val="accent1">
+                <a:shade val="50000"/>
+              </a:schemeClr>
+            </a:lnRef>
+            <a:fillRef idx="1">
+              <a:schemeClr val="accent1"/>
+            </a:fillRef>
+            <a:effectRef idx="0">
+              <a:schemeClr val="accent1"/>
+            </a:effectRef>
+            <a:fontRef idx="minor">
+              <a:schemeClr val="lt1"/>
+            </a:fontRef>
+          </p:style>
+          <p:txBody>
+            <a:bodyPr rtlCol="0" anchor="ctr"/>
+            <a:lstStyle/>
+            <a:p>
+              <a:pPr algn="ctr"/>
+              <a:r>
+                <a:rPr lang="en-KW" dirty="0">
+                  <a:solidFill>
+                    <a:schemeClr val="tx1"/>
+                  </a:solidFill>
+                </a:rPr>
+                <a:t>3</a:t>
+              </a:r>
+            </a:p>
+          </p:txBody>
+        </p:sp>
+        <p:sp>
+          <p:nvSpPr>
+            <p:cNvPr id="110" name="Rectangle 109">
+              <a:extLst>
+                <a:ext uri="{FF2B5EF4-FFF2-40B4-BE49-F238E27FC236}">
+                  <a16:creationId xmlns:a16="http://schemas.microsoft.com/office/drawing/2014/main" id="{C6FA1887-4E71-DB4F-B9C0-C2C367D20444}"/>
+                </a:ext>
+              </a:extLst>
+            </p:cNvPr>
+            <p:cNvSpPr/>
+            <p:nvPr/>
+          </p:nvSpPr>
+          <p:spPr>
+            <a:xfrm>
+              <a:off x="3476728" y="1396723"/>
+              <a:ext cx="665703" cy="665703"/>
+            </a:xfrm>
+            <a:prstGeom prst="rect">
+              <a:avLst/>
+            </a:prstGeom>
+            <a:noFill/>
+            <a:ln w="28575">
+              <a:solidFill>
+                <a:schemeClr val="tx1"/>
+              </a:solidFill>
+            </a:ln>
+          </p:spPr>
+          <p:style>
+            <a:lnRef idx="2">
+              <a:schemeClr val="accent1">
+                <a:shade val="50000"/>
+              </a:schemeClr>
+            </a:lnRef>
+            <a:fillRef idx="1">
+              <a:schemeClr val="accent1"/>
+            </a:fillRef>
+            <a:effectRef idx="0">
+              <a:schemeClr val="accent1"/>
+            </a:effectRef>
+            <a:fontRef idx="minor">
+              <a:schemeClr val="lt1"/>
+            </a:fontRef>
+          </p:style>
+          <p:txBody>
+            <a:bodyPr rtlCol="0" anchor="ctr"/>
+            <a:lstStyle/>
+            <a:p>
+              <a:pPr algn="ctr"/>
+              <a:r>
+                <a:rPr lang="en-KW" dirty="0">
+                  <a:solidFill>
+                    <a:schemeClr val="tx1"/>
+                  </a:solidFill>
+                </a:rPr>
+                <a:t>…</a:t>
+              </a:r>
+            </a:p>
+          </p:txBody>
+        </p:sp>
+      </p:grpSp>
+      <p:grpSp>
+        <p:nvGrpSpPr>
+          <p:cNvPr id="162" name="Group 161">
+            <a:extLst>
+              <a:ext uri="{FF2B5EF4-FFF2-40B4-BE49-F238E27FC236}">
+                <a16:creationId xmlns:a16="http://schemas.microsoft.com/office/drawing/2014/main" id="{63C3227F-0A66-3A4D-B497-14C302F73E0E}"/>
+              </a:ext>
+            </a:extLst>
+          </p:cNvPr>
+          <p:cNvGrpSpPr/>
+          <p:nvPr/>
+        </p:nvGrpSpPr>
+        <p:grpSpPr>
+          <a:xfrm>
+            <a:off x="4383591" y="150788"/>
+            <a:ext cx="3328515" cy="2148000"/>
+            <a:chOff x="5049294" y="150788"/>
+            <a:chExt cx="3328515" cy="2148000"/>
+          </a:xfrm>
+        </p:grpSpPr>
+        <p:grpSp>
+          <p:nvGrpSpPr>
+            <p:cNvPr id="112" name="Group 111">
+              <a:extLst>
+                <a:ext uri="{FF2B5EF4-FFF2-40B4-BE49-F238E27FC236}">
+                  <a16:creationId xmlns:a16="http://schemas.microsoft.com/office/drawing/2014/main" id="{7E304D4D-B81F-AC4E-B7D7-6301A022A02E}"/>
+                </a:ext>
+              </a:extLst>
+            </p:cNvPr>
+            <p:cNvGrpSpPr/>
+            <p:nvPr/>
+          </p:nvGrpSpPr>
+          <p:grpSpPr>
+            <a:xfrm>
+              <a:off x="5049294" y="1633083"/>
+              <a:ext cx="3328515" cy="665705"/>
+              <a:chOff x="813916" y="1396722"/>
+              <a:chExt cx="3328515" cy="665705"/>
+            </a:xfrm>
+          </p:grpSpPr>
+          <p:sp>
+            <p:nvSpPr>
+              <p:cNvPr id="113" name="Rectangle 112">
+                <a:extLst>
+                  <a:ext uri="{FF2B5EF4-FFF2-40B4-BE49-F238E27FC236}">
+                    <a16:creationId xmlns:a16="http://schemas.microsoft.com/office/drawing/2014/main" id="{395379F8-08B1-DE45-885D-B07927EECC02}"/>
+                  </a:ext>
+                </a:extLst>
+              </p:cNvPr>
+              <p:cNvSpPr/>
+              <p:nvPr/>
+            </p:nvSpPr>
+            <p:spPr>
+              <a:xfrm>
+                <a:off x="813916" y="1396724"/>
+                <a:ext cx="665703" cy="665703"/>
+              </a:xfrm>
+              <a:prstGeom prst="rect">
+                <a:avLst/>
+              </a:prstGeom>
+              <a:noFill/>
+              <a:ln w="28575">
+                <a:solidFill>
+                  <a:schemeClr val="tx1"/>
+                </a:solidFill>
+              </a:ln>
+            </p:spPr>
+            <p:style>
+              <a:lnRef idx="2">
+                <a:schemeClr val="accent1">
+                  <a:shade val="50000"/>
+                </a:schemeClr>
+              </a:lnRef>
+              <a:fillRef idx="1">
+                <a:schemeClr val="accent1"/>
+              </a:fillRef>
+              <a:effectRef idx="0">
+                <a:schemeClr val="accent1"/>
+              </a:effectRef>
+              <a:fontRef idx="minor">
+                <a:schemeClr val="lt1"/>
+              </a:fontRef>
+            </p:style>
+            <p:txBody>
+              <a:bodyPr rtlCol="0" anchor="ctr"/>
+              <a:lstStyle/>
+              <a:p>
+                <a:pPr algn="ctr"/>
+                <a:r>
+                  <a:rPr lang="en-KW" dirty="0">
+                    <a:solidFill>
+                      <a:schemeClr val="tx1"/>
+                    </a:solidFill>
+                  </a:rPr>
+                  <a:t>0.5</a:t>
+                </a:r>
+              </a:p>
+            </p:txBody>
+          </p:sp>
+          <p:sp>
+            <p:nvSpPr>
+              <p:cNvPr id="114" name="Rectangle 113">
+                <a:extLst>
+                  <a:ext uri="{FF2B5EF4-FFF2-40B4-BE49-F238E27FC236}">
+                    <a16:creationId xmlns:a16="http://schemas.microsoft.com/office/drawing/2014/main" id="{42A5EAA2-AE44-B742-AAFB-54C31C402529}"/>
+                  </a:ext>
+                </a:extLst>
+              </p:cNvPr>
+              <p:cNvSpPr/>
+              <p:nvPr/>
+            </p:nvSpPr>
+            <p:spPr>
+              <a:xfrm>
+                <a:off x="1479619" y="1396723"/>
+                <a:ext cx="665703" cy="665703"/>
+              </a:xfrm>
+              <a:prstGeom prst="rect">
+                <a:avLst/>
+              </a:prstGeom>
+              <a:noFill/>
+              <a:ln w="28575">
+                <a:solidFill>
+                  <a:schemeClr val="tx1"/>
+                </a:solidFill>
+              </a:ln>
+            </p:spPr>
+            <p:style>
+              <a:lnRef idx="2">
+                <a:schemeClr val="accent1">
+                  <a:shade val="50000"/>
+                </a:schemeClr>
+              </a:lnRef>
+              <a:fillRef idx="1">
+                <a:schemeClr val="accent1"/>
+              </a:fillRef>
+              <a:effectRef idx="0">
+                <a:schemeClr val="accent1"/>
+              </a:effectRef>
+              <a:fontRef idx="minor">
+                <a:schemeClr val="lt1"/>
+              </a:fontRef>
+            </p:style>
+            <p:txBody>
+              <a:bodyPr rtlCol="0" anchor="ctr"/>
+              <a:lstStyle/>
+              <a:p>
+                <a:pPr algn="ctr"/>
+                <a:r>
+                  <a:rPr lang="en-KW" dirty="0">
+                    <a:solidFill>
+                      <a:schemeClr val="tx1"/>
+                    </a:solidFill>
+                  </a:rPr>
+                  <a:t>1</a:t>
+                </a:r>
+              </a:p>
+            </p:txBody>
+          </p:sp>
+          <p:sp>
+            <p:nvSpPr>
+              <p:cNvPr id="115" name="Rectangle 114">
+                <a:extLst>
+                  <a:ext uri="{FF2B5EF4-FFF2-40B4-BE49-F238E27FC236}">
+                    <a16:creationId xmlns:a16="http://schemas.microsoft.com/office/drawing/2014/main" id="{D3E1E68B-A13F-6B44-B9A6-C99B91D1B376}"/>
+                  </a:ext>
+                </a:extLst>
+              </p:cNvPr>
+              <p:cNvSpPr/>
+              <p:nvPr/>
+            </p:nvSpPr>
+            <p:spPr>
+              <a:xfrm>
+                <a:off x="2145322" y="1396723"/>
+                <a:ext cx="665703" cy="665703"/>
+              </a:xfrm>
+              <a:prstGeom prst="rect">
+                <a:avLst/>
+              </a:prstGeom>
+              <a:noFill/>
+              <a:ln w="28575">
+                <a:solidFill>
+                  <a:schemeClr val="tx1"/>
+                </a:solidFill>
+              </a:ln>
+            </p:spPr>
+            <p:style>
+              <a:lnRef idx="2">
+                <a:schemeClr val="accent1">
+                  <a:shade val="50000"/>
+                </a:schemeClr>
+              </a:lnRef>
+              <a:fillRef idx="1">
+                <a:schemeClr val="accent1"/>
+              </a:fillRef>
+              <a:effectRef idx="0">
+                <a:schemeClr val="accent1"/>
+              </a:effectRef>
+              <a:fontRef idx="minor">
+                <a:schemeClr val="lt1"/>
+              </a:fontRef>
+            </p:style>
+            <p:txBody>
+              <a:bodyPr rtlCol="0" anchor="ctr"/>
+              <a:lstStyle/>
+              <a:p>
+                <a:pPr algn="ctr"/>
+                <a:endParaRPr lang="en-KW" dirty="0">
+                  <a:solidFill>
+                    <a:schemeClr val="tx1"/>
+                  </a:solidFill>
+                </a:endParaRPr>
+              </a:p>
+            </p:txBody>
+          </p:sp>
+          <p:sp>
+            <p:nvSpPr>
+              <p:cNvPr id="116" name="Rectangle 115">
+                <a:extLst>
+                  <a:ext uri="{FF2B5EF4-FFF2-40B4-BE49-F238E27FC236}">
+                    <a16:creationId xmlns:a16="http://schemas.microsoft.com/office/drawing/2014/main" id="{08A64CF4-7BB5-3B4E-BA03-0F9F071850FB}"/>
+                  </a:ext>
+                </a:extLst>
+              </p:cNvPr>
+              <p:cNvSpPr/>
+              <p:nvPr/>
+            </p:nvSpPr>
+            <p:spPr>
+              <a:xfrm>
+                <a:off x="2811025" y="1396722"/>
+                <a:ext cx="665703" cy="665703"/>
+              </a:xfrm>
+              <a:prstGeom prst="rect">
+                <a:avLst/>
+              </a:prstGeom>
+              <a:noFill/>
+              <a:ln w="28575">
+                <a:solidFill>
+                  <a:schemeClr val="tx1"/>
+                </a:solidFill>
+              </a:ln>
+            </p:spPr>
+            <p:style>
+              <a:lnRef idx="2">
+                <a:schemeClr val="accent1">
+                  <a:shade val="50000"/>
+                </a:schemeClr>
+              </a:lnRef>
+              <a:fillRef idx="1">
+                <a:schemeClr val="accent1"/>
+              </a:fillRef>
+              <a:effectRef idx="0">
+                <a:schemeClr val="accent1"/>
+              </a:effectRef>
+              <a:fontRef idx="minor">
+                <a:schemeClr val="lt1"/>
+              </a:fontRef>
+            </p:style>
+            <p:txBody>
+              <a:bodyPr rtlCol="0" anchor="ctr"/>
+              <a:lstStyle/>
+              <a:p>
+                <a:pPr algn="ctr"/>
+                <a:endParaRPr lang="en-KW" dirty="0">
+                  <a:solidFill>
+                    <a:schemeClr val="tx1"/>
+                  </a:solidFill>
+                </a:endParaRPr>
+              </a:p>
+            </p:txBody>
+          </p:sp>
+          <p:sp>
+            <p:nvSpPr>
+              <p:cNvPr id="117" name="Rectangle 116">
+                <a:extLst>
+                  <a:ext uri="{FF2B5EF4-FFF2-40B4-BE49-F238E27FC236}">
+                    <a16:creationId xmlns:a16="http://schemas.microsoft.com/office/drawing/2014/main" id="{AE2DB66F-52B8-CA47-9B7A-EDABC97E5BAC}"/>
+                  </a:ext>
+                </a:extLst>
+              </p:cNvPr>
+              <p:cNvSpPr/>
+              <p:nvPr/>
+            </p:nvSpPr>
+            <p:spPr>
+              <a:xfrm>
+                <a:off x="3476728" y="1396723"/>
+                <a:ext cx="665703" cy="665703"/>
+              </a:xfrm>
+              <a:prstGeom prst="rect">
+                <a:avLst/>
+              </a:prstGeom>
+              <a:noFill/>
+              <a:ln w="28575">
+                <a:solidFill>
+                  <a:schemeClr val="tx1"/>
+                </a:solidFill>
+              </a:ln>
+            </p:spPr>
+            <p:style>
+              <a:lnRef idx="2">
+                <a:schemeClr val="accent1">
+                  <a:shade val="50000"/>
+                </a:schemeClr>
+              </a:lnRef>
+              <a:fillRef idx="1">
+                <a:schemeClr val="accent1"/>
+              </a:fillRef>
+              <a:effectRef idx="0">
+                <a:schemeClr val="accent1"/>
+              </a:effectRef>
+              <a:fontRef idx="minor">
+                <a:schemeClr val="lt1"/>
+              </a:fontRef>
+            </p:style>
+            <p:txBody>
+              <a:bodyPr rtlCol="0" anchor="ctr"/>
+              <a:lstStyle/>
+              <a:p>
+                <a:pPr algn="ctr"/>
+                <a:endParaRPr lang="en-KW" dirty="0">
+                  <a:solidFill>
+                    <a:schemeClr val="tx1"/>
+                  </a:solidFill>
+                </a:endParaRPr>
+              </a:p>
+            </p:txBody>
+          </p:sp>
+        </p:grpSp>
+        <p:grpSp>
+          <p:nvGrpSpPr>
+            <p:cNvPr id="119" name="Group 118">
+              <a:extLst>
+                <a:ext uri="{FF2B5EF4-FFF2-40B4-BE49-F238E27FC236}">
+                  <a16:creationId xmlns:a16="http://schemas.microsoft.com/office/drawing/2014/main" id="{17485ED9-A256-2442-9CA0-61916DAC2F2C}"/>
+                </a:ext>
+              </a:extLst>
+            </p:cNvPr>
+            <p:cNvGrpSpPr/>
+            <p:nvPr/>
+          </p:nvGrpSpPr>
+          <p:grpSpPr>
+            <a:xfrm>
+              <a:off x="5599440" y="150788"/>
+              <a:ext cx="1577592" cy="1313877"/>
+              <a:chOff x="723482" y="2622620"/>
+              <a:chExt cx="1577592" cy="1313877"/>
+            </a:xfrm>
+          </p:grpSpPr>
+          <p:sp>
+            <p:nvSpPr>
+              <p:cNvPr id="120" name="Rectangle 119">
+                <a:extLst>
+                  <a:ext uri="{FF2B5EF4-FFF2-40B4-BE49-F238E27FC236}">
+                    <a16:creationId xmlns:a16="http://schemas.microsoft.com/office/drawing/2014/main" id="{F179597C-30DB-114D-9271-07B3DEE13C2C}"/>
+                  </a:ext>
+                </a:extLst>
+              </p:cNvPr>
+              <p:cNvSpPr/>
+              <p:nvPr/>
+            </p:nvSpPr>
+            <p:spPr>
+              <a:xfrm>
+                <a:off x="723482" y="2622620"/>
+                <a:ext cx="1577592" cy="944545"/>
+              </a:xfrm>
+              <a:prstGeom prst="rect">
+                <a:avLst/>
+              </a:prstGeom>
+              <a:solidFill>
+                <a:srgbClr val="FF40FF">
+                  <a:alpha val="38039"/>
+                </a:srgbClr>
+              </a:solidFill>
+              <a:ln>
+                <a:noFill/>
+              </a:ln>
+            </p:spPr>
+            <p:style>
+              <a:lnRef idx="2">
+                <a:schemeClr val="accent1">
+                  <a:shade val="50000"/>
+                </a:schemeClr>
+              </a:lnRef>
+              <a:fillRef idx="1">
+                <a:schemeClr val="accent1"/>
+              </a:fillRef>
+              <a:effectRef idx="0">
+                <a:schemeClr val="accent1"/>
+              </a:effectRef>
+              <a:fontRef idx="minor">
+                <a:schemeClr val="lt1"/>
+              </a:fontRef>
+            </p:style>
+            <p:txBody>
+              <a:bodyPr rtlCol="0" anchor="ctr"/>
+              <a:lstStyle/>
+              <a:p>
+                <a:pPr algn="ctr"/>
+                <a:endParaRPr lang="en-KW"/>
+              </a:p>
+            </p:txBody>
+          </p:sp>
+          <p:sp>
+            <p:nvSpPr>
+              <p:cNvPr id="121" name="TextBox 120">
+                <a:extLst>
+                  <a:ext uri="{FF2B5EF4-FFF2-40B4-BE49-F238E27FC236}">
+                    <a16:creationId xmlns:a16="http://schemas.microsoft.com/office/drawing/2014/main" id="{4D4B6AD7-8C85-154B-BFB5-4FF096E2C9F0}"/>
+                  </a:ext>
+                </a:extLst>
+              </p:cNvPr>
+              <p:cNvSpPr txBox="1"/>
+              <p:nvPr/>
+            </p:nvSpPr>
+            <p:spPr>
+              <a:xfrm>
+                <a:off x="943051" y="3567165"/>
+                <a:ext cx="1138453" cy="369332"/>
+              </a:xfrm>
+              <a:prstGeom prst="rect">
+                <a:avLst/>
+              </a:prstGeom>
+              <a:noFill/>
+            </p:spPr>
+            <p:txBody>
+              <a:bodyPr wrap="none" rtlCol="0">
+                <a:spAutoFit/>
+              </a:bodyPr>
+              <a:lstStyle/>
+              <a:p>
+                <a:r>
+                  <a:rPr lang="en-KW" dirty="0"/>
+                  <a:t>0.5       0.5</a:t>
+                </a:r>
+              </a:p>
+            </p:txBody>
+          </p:sp>
+        </p:grpSp>
+        <p:grpSp>
+          <p:nvGrpSpPr>
+            <p:cNvPr id="122" name="Group 121">
+              <a:extLst>
+                <a:ext uri="{FF2B5EF4-FFF2-40B4-BE49-F238E27FC236}">
+                  <a16:creationId xmlns:a16="http://schemas.microsoft.com/office/drawing/2014/main" id="{203AF828-AD77-114B-A0E1-8E37B80A4495}"/>
+                </a:ext>
+              </a:extLst>
+            </p:cNvPr>
+            <p:cNvGrpSpPr/>
+            <p:nvPr/>
+          </p:nvGrpSpPr>
+          <p:grpSpPr>
+            <a:xfrm>
+              <a:off x="5049294" y="263805"/>
+              <a:ext cx="3328515" cy="665705"/>
+              <a:chOff x="813916" y="1396722"/>
+              <a:chExt cx="3328515" cy="665705"/>
+            </a:xfrm>
+          </p:grpSpPr>
+          <p:sp>
+            <p:nvSpPr>
+              <p:cNvPr id="123" name="Rectangle 122">
+                <a:extLst>
+                  <a:ext uri="{FF2B5EF4-FFF2-40B4-BE49-F238E27FC236}">
+                    <a16:creationId xmlns:a16="http://schemas.microsoft.com/office/drawing/2014/main" id="{1D1D9C77-3DD0-3344-BF65-02548569DF39}"/>
+                  </a:ext>
+                </a:extLst>
+              </p:cNvPr>
+              <p:cNvSpPr/>
+              <p:nvPr/>
+            </p:nvSpPr>
+            <p:spPr>
+              <a:xfrm>
+                <a:off x="813916" y="1396724"/>
+                <a:ext cx="665703" cy="665703"/>
+              </a:xfrm>
+              <a:prstGeom prst="rect">
+                <a:avLst/>
+              </a:prstGeom>
+              <a:noFill/>
+              <a:ln w="28575">
+                <a:solidFill>
+                  <a:schemeClr val="tx1"/>
+                </a:solidFill>
+              </a:ln>
+            </p:spPr>
+            <p:style>
+              <a:lnRef idx="2">
+                <a:schemeClr val="accent1">
+                  <a:shade val="50000"/>
+                </a:schemeClr>
+              </a:lnRef>
+              <a:fillRef idx="1">
+                <a:schemeClr val="accent1"/>
+              </a:fillRef>
+              <a:effectRef idx="0">
+                <a:schemeClr val="accent1"/>
+              </a:effectRef>
+              <a:fontRef idx="minor">
+                <a:schemeClr val="lt1"/>
+              </a:fontRef>
+            </p:style>
+            <p:txBody>
+              <a:bodyPr rtlCol="0" anchor="ctr"/>
+              <a:lstStyle/>
+              <a:p>
+                <a:pPr algn="ctr"/>
+                <a:r>
+                  <a:rPr lang="en-KW" dirty="0">
+                    <a:solidFill>
+                      <a:schemeClr val="tx1"/>
+                    </a:solidFill>
+                  </a:rPr>
+                  <a:t>1</a:t>
+                </a:r>
+              </a:p>
+            </p:txBody>
+          </p:sp>
+          <p:sp>
+            <p:nvSpPr>
+              <p:cNvPr id="124" name="Rectangle 123">
+                <a:extLst>
+                  <a:ext uri="{FF2B5EF4-FFF2-40B4-BE49-F238E27FC236}">
+                    <a16:creationId xmlns:a16="http://schemas.microsoft.com/office/drawing/2014/main" id="{24F2AF83-C789-334F-8FB9-A96CA2E71231}"/>
+                  </a:ext>
+                </a:extLst>
+              </p:cNvPr>
+              <p:cNvSpPr/>
+              <p:nvPr/>
+            </p:nvSpPr>
+            <p:spPr>
+              <a:xfrm>
+                <a:off x="1479619" y="1396723"/>
+                <a:ext cx="665703" cy="665703"/>
+              </a:xfrm>
+              <a:prstGeom prst="rect">
+                <a:avLst/>
+              </a:prstGeom>
+              <a:noFill/>
+              <a:ln w="28575">
+                <a:solidFill>
+                  <a:schemeClr val="tx1"/>
+                </a:solidFill>
+              </a:ln>
+            </p:spPr>
+            <p:style>
+              <a:lnRef idx="2">
+                <a:schemeClr val="accent1">
+                  <a:shade val="50000"/>
+                </a:schemeClr>
+              </a:lnRef>
+              <a:fillRef idx="1">
+                <a:schemeClr val="accent1"/>
+              </a:fillRef>
+              <a:effectRef idx="0">
+                <a:schemeClr val="accent1"/>
+              </a:effectRef>
+              <a:fontRef idx="minor">
+                <a:schemeClr val="lt1"/>
+              </a:fontRef>
+            </p:style>
+            <p:txBody>
+              <a:bodyPr rtlCol="0" anchor="ctr"/>
+              <a:lstStyle/>
+              <a:p>
+                <a:pPr algn="ctr"/>
+                <a:r>
+                  <a:rPr lang="en-KW" dirty="0">
+                    <a:solidFill>
+                      <a:schemeClr val="tx1"/>
+                    </a:solidFill>
+                  </a:rPr>
+                  <a:t>0</a:t>
+                </a:r>
+              </a:p>
+            </p:txBody>
+          </p:sp>
+          <p:sp>
+            <p:nvSpPr>
+              <p:cNvPr id="125" name="Rectangle 124">
+                <a:extLst>
+                  <a:ext uri="{FF2B5EF4-FFF2-40B4-BE49-F238E27FC236}">
+                    <a16:creationId xmlns:a16="http://schemas.microsoft.com/office/drawing/2014/main" id="{F41E1741-AC71-3844-9503-0E2A381D3091}"/>
+                  </a:ext>
+                </a:extLst>
+              </p:cNvPr>
+              <p:cNvSpPr/>
+              <p:nvPr/>
+            </p:nvSpPr>
+            <p:spPr>
+              <a:xfrm>
+                <a:off x="2145322" y="1396723"/>
+                <a:ext cx="665703" cy="665703"/>
+              </a:xfrm>
+              <a:prstGeom prst="rect">
+                <a:avLst/>
+              </a:prstGeom>
+              <a:noFill/>
+              <a:ln w="28575">
+                <a:solidFill>
+                  <a:schemeClr val="tx1"/>
+                </a:solidFill>
+              </a:ln>
+            </p:spPr>
+            <p:style>
+              <a:lnRef idx="2">
+                <a:schemeClr val="accent1">
+                  <a:shade val="50000"/>
+                </a:schemeClr>
+              </a:lnRef>
+              <a:fillRef idx="1">
+                <a:schemeClr val="accent1"/>
+              </a:fillRef>
+              <a:effectRef idx="0">
+                <a:schemeClr val="accent1"/>
+              </a:effectRef>
+              <a:fontRef idx="minor">
+                <a:schemeClr val="lt1"/>
+              </a:fontRef>
+            </p:style>
+            <p:txBody>
+              <a:bodyPr rtlCol="0" anchor="ctr"/>
+              <a:lstStyle/>
+              <a:p>
+                <a:pPr algn="ctr"/>
+                <a:r>
+                  <a:rPr lang="en-KW" dirty="0">
+                    <a:solidFill>
+                      <a:schemeClr val="tx1"/>
+                    </a:solidFill>
+                  </a:rPr>
+                  <a:t>2</a:t>
+                </a:r>
+              </a:p>
+            </p:txBody>
+          </p:sp>
+          <p:sp>
+            <p:nvSpPr>
+              <p:cNvPr id="126" name="Rectangle 125">
+                <a:extLst>
+                  <a:ext uri="{FF2B5EF4-FFF2-40B4-BE49-F238E27FC236}">
+                    <a16:creationId xmlns:a16="http://schemas.microsoft.com/office/drawing/2014/main" id="{86F3FF4C-C597-784E-A078-4538B9973D5E}"/>
+                  </a:ext>
+                </a:extLst>
+              </p:cNvPr>
+              <p:cNvSpPr/>
+              <p:nvPr/>
+            </p:nvSpPr>
+            <p:spPr>
+              <a:xfrm>
+                <a:off x="2811025" y="1396722"/>
+                <a:ext cx="665703" cy="665703"/>
+              </a:xfrm>
+              <a:prstGeom prst="rect">
+                <a:avLst/>
+              </a:prstGeom>
+              <a:noFill/>
+              <a:ln w="28575">
+                <a:solidFill>
+                  <a:schemeClr val="tx1"/>
+                </a:solidFill>
+              </a:ln>
+            </p:spPr>
+            <p:style>
+              <a:lnRef idx="2">
+                <a:schemeClr val="accent1">
+                  <a:shade val="50000"/>
+                </a:schemeClr>
+              </a:lnRef>
+              <a:fillRef idx="1">
+                <a:schemeClr val="accent1"/>
+              </a:fillRef>
+              <a:effectRef idx="0">
+                <a:schemeClr val="accent1"/>
+              </a:effectRef>
+              <a:fontRef idx="minor">
+                <a:schemeClr val="lt1"/>
+              </a:fontRef>
+            </p:style>
+            <p:txBody>
+              <a:bodyPr rtlCol="0" anchor="ctr"/>
+              <a:lstStyle/>
+              <a:p>
+                <a:pPr algn="ctr"/>
+                <a:r>
+                  <a:rPr lang="en-KW" dirty="0">
+                    <a:solidFill>
+                      <a:schemeClr val="tx1"/>
+                    </a:solidFill>
+                  </a:rPr>
+                  <a:t>3</a:t>
+                </a:r>
+              </a:p>
+            </p:txBody>
+          </p:sp>
+          <p:sp>
+            <p:nvSpPr>
+              <p:cNvPr id="127" name="Rectangle 126">
+                <a:extLst>
+                  <a:ext uri="{FF2B5EF4-FFF2-40B4-BE49-F238E27FC236}">
+                    <a16:creationId xmlns:a16="http://schemas.microsoft.com/office/drawing/2014/main" id="{883C61F5-38D6-184F-BCC4-6734A53FA2C4}"/>
+                  </a:ext>
+                </a:extLst>
+              </p:cNvPr>
+              <p:cNvSpPr/>
+              <p:nvPr/>
+            </p:nvSpPr>
+            <p:spPr>
+              <a:xfrm>
+                <a:off x="3476728" y="1396723"/>
+                <a:ext cx="665703" cy="665703"/>
+              </a:xfrm>
+              <a:prstGeom prst="rect">
+                <a:avLst/>
+              </a:prstGeom>
+              <a:noFill/>
+              <a:ln w="28575">
+                <a:solidFill>
+                  <a:schemeClr val="tx1"/>
+                </a:solidFill>
+              </a:ln>
+            </p:spPr>
+            <p:style>
+              <a:lnRef idx="2">
+                <a:schemeClr val="accent1">
+                  <a:shade val="50000"/>
+                </a:schemeClr>
+              </a:lnRef>
+              <a:fillRef idx="1">
+                <a:schemeClr val="accent1"/>
+              </a:fillRef>
+              <a:effectRef idx="0">
+                <a:schemeClr val="accent1"/>
+              </a:effectRef>
+              <a:fontRef idx="minor">
+                <a:schemeClr val="lt1"/>
+              </a:fontRef>
+            </p:style>
+            <p:txBody>
+              <a:bodyPr rtlCol="0" anchor="ctr"/>
+              <a:lstStyle/>
+              <a:p>
+                <a:pPr algn="ctr"/>
+                <a:r>
+                  <a:rPr lang="en-KW" dirty="0">
+                    <a:solidFill>
+                      <a:schemeClr val="tx1"/>
+                    </a:solidFill>
+                  </a:rPr>
+                  <a:t>…</a:t>
+                </a:r>
+              </a:p>
+            </p:txBody>
+          </p:sp>
+        </p:grpSp>
+      </p:grpSp>
+      <p:grpSp>
+        <p:nvGrpSpPr>
+          <p:cNvPr id="161" name="Group 160">
+            <a:extLst>
+              <a:ext uri="{FF2B5EF4-FFF2-40B4-BE49-F238E27FC236}">
+                <a16:creationId xmlns:a16="http://schemas.microsoft.com/office/drawing/2014/main" id="{19A58DF0-875B-4C49-85EF-9B8D300F7CB5}"/>
+              </a:ext>
+            </a:extLst>
+          </p:cNvPr>
+          <p:cNvGrpSpPr/>
+          <p:nvPr/>
+        </p:nvGrpSpPr>
+        <p:grpSpPr>
+          <a:xfrm>
+            <a:off x="8288868" y="170882"/>
+            <a:ext cx="3328515" cy="2127904"/>
+            <a:chOff x="388113" y="3097012"/>
+            <a:chExt cx="3328515" cy="2127904"/>
+          </a:xfrm>
+        </p:grpSpPr>
+        <p:grpSp>
+          <p:nvGrpSpPr>
+            <p:cNvPr id="146" name="Group 145">
+              <a:extLst>
+                <a:ext uri="{FF2B5EF4-FFF2-40B4-BE49-F238E27FC236}">
+                  <a16:creationId xmlns:a16="http://schemas.microsoft.com/office/drawing/2014/main" id="{A090F518-2C22-EF47-A54A-F7103753401C}"/>
+                </a:ext>
+              </a:extLst>
+            </p:cNvPr>
+            <p:cNvGrpSpPr/>
+            <p:nvPr/>
+          </p:nvGrpSpPr>
+          <p:grpSpPr>
+            <a:xfrm>
+              <a:off x="388113" y="4559211"/>
+              <a:ext cx="3328515" cy="665705"/>
+              <a:chOff x="813916" y="1396722"/>
+              <a:chExt cx="3328515" cy="665705"/>
+            </a:xfrm>
+          </p:grpSpPr>
+          <p:sp>
+            <p:nvSpPr>
+              <p:cNvPr id="147" name="Rectangle 146">
+                <a:extLst>
+                  <a:ext uri="{FF2B5EF4-FFF2-40B4-BE49-F238E27FC236}">
+                    <a16:creationId xmlns:a16="http://schemas.microsoft.com/office/drawing/2014/main" id="{983DC273-23F4-2546-A39E-DD3EFD3DCC44}"/>
+                  </a:ext>
+                </a:extLst>
+              </p:cNvPr>
+              <p:cNvSpPr/>
+              <p:nvPr/>
+            </p:nvSpPr>
+            <p:spPr>
+              <a:xfrm>
+                <a:off x="813916" y="1396724"/>
+                <a:ext cx="665703" cy="665703"/>
+              </a:xfrm>
+              <a:prstGeom prst="rect">
+                <a:avLst/>
+              </a:prstGeom>
+              <a:noFill/>
+              <a:ln w="28575">
+                <a:solidFill>
+                  <a:schemeClr val="tx1"/>
+                </a:solidFill>
+              </a:ln>
+            </p:spPr>
+            <p:style>
+              <a:lnRef idx="2">
+                <a:schemeClr val="accent1">
+                  <a:shade val="50000"/>
+                </a:schemeClr>
+              </a:lnRef>
+              <a:fillRef idx="1">
+                <a:schemeClr val="accent1"/>
+              </a:fillRef>
+              <a:effectRef idx="0">
+                <a:schemeClr val="accent1"/>
+              </a:effectRef>
+              <a:fontRef idx="minor">
+                <a:schemeClr val="lt1"/>
+              </a:fontRef>
+            </p:style>
+            <p:txBody>
+              <a:bodyPr rtlCol="0" anchor="ctr"/>
+              <a:lstStyle/>
+              <a:p>
+                <a:pPr algn="ctr"/>
+                <a:r>
+                  <a:rPr lang="en-KW" dirty="0">
+                    <a:solidFill>
+                      <a:schemeClr val="tx1"/>
+                    </a:solidFill>
+                  </a:rPr>
+                  <a:t>0.5</a:t>
+                </a:r>
+              </a:p>
+            </p:txBody>
+          </p:sp>
+          <p:sp>
+            <p:nvSpPr>
+              <p:cNvPr id="148" name="Rectangle 147">
+                <a:extLst>
+                  <a:ext uri="{FF2B5EF4-FFF2-40B4-BE49-F238E27FC236}">
+                    <a16:creationId xmlns:a16="http://schemas.microsoft.com/office/drawing/2014/main" id="{BA7639A9-4850-0F4A-B1AE-B826E9C17708}"/>
+                  </a:ext>
+                </a:extLst>
+              </p:cNvPr>
+              <p:cNvSpPr/>
+              <p:nvPr/>
+            </p:nvSpPr>
+            <p:spPr>
+              <a:xfrm>
+                <a:off x="1479619" y="1396723"/>
+                <a:ext cx="665703" cy="665703"/>
+              </a:xfrm>
+              <a:prstGeom prst="rect">
+                <a:avLst/>
+              </a:prstGeom>
+              <a:noFill/>
+              <a:ln w="28575">
+                <a:solidFill>
+                  <a:schemeClr val="tx1"/>
+                </a:solidFill>
+              </a:ln>
+            </p:spPr>
+            <p:style>
+              <a:lnRef idx="2">
+                <a:schemeClr val="accent1">
+                  <a:shade val="50000"/>
+                </a:schemeClr>
+              </a:lnRef>
+              <a:fillRef idx="1">
+                <a:schemeClr val="accent1"/>
+              </a:fillRef>
+              <a:effectRef idx="0">
+                <a:schemeClr val="accent1"/>
+              </a:effectRef>
+              <a:fontRef idx="minor">
+                <a:schemeClr val="lt1"/>
+              </a:fontRef>
+            </p:style>
+            <p:txBody>
+              <a:bodyPr rtlCol="0" anchor="ctr"/>
+              <a:lstStyle/>
+              <a:p>
+                <a:pPr algn="ctr"/>
+                <a:r>
+                  <a:rPr lang="en-KW" dirty="0">
+                    <a:solidFill>
+                      <a:schemeClr val="tx1"/>
+                    </a:solidFill>
+                  </a:rPr>
+                  <a:t>1</a:t>
+                </a:r>
+              </a:p>
+            </p:txBody>
+          </p:sp>
+          <p:sp>
+            <p:nvSpPr>
+              <p:cNvPr id="149" name="Rectangle 148">
+                <a:extLst>
+                  <a:ext uri="{FF2B5EF4-FFF2-40B4-BE49-F238E27FC236}">
+                    <a16:creationId xmlns:a16="http://schemas.microsoft.com/office/drawing/2014/main" id="{9EFB7898-AA9E-0948-97AE-7197DB2ACF3E}"/>
+                  </a:ext>
+                </a:extLst>
+              </p:cNvPr>
+              <p:cNvSpPr/>
+              <p:nvPr/>
+            </p:nvSpPr>
+            <p:spPr>
+              <a:xfrm>
+                <a:off x="2145322" y="1396723"/>
+                <a:ext cx="665703" cy="665703"/>
+              </a:xfrm>
+              <a:prstGeom prst="rect">
+                <a:avLst/>
+              </a:prstGeom>
+              <a:noFill/>
+              <a:ln w="28575">
+                <a:solidFill>
+                  <a:schemeClr val="tx1"/>
+                </a:solidFill>
+              </a:ln>
+            </p:spPr>
+            <p:style>
+              <a:lnRef idx="2">
+                <a:schemeClr val="accent1">
+                  <a:shade val="50000"/>
+                </a:schemeClr>
+              </a:lnRef>
+              <a:fillRef idx="1">
+                <a:schemeClr val="accent1"/>
+              </a:fillRef>
+              <a:effectRef idx="0">
+                <a:schemeClr val="accent1"/>
+              </a:effectRef>
+              <a:fontRef idx="minor">
+                <a:schemeClr val="lt1"/>
+              </a:fontRef>
+            </p:style>
+            <p:txBody>
+              <a:bodyPr rtlCol="0" anchor="ctr"/>
+              <a:lstStyle/>
+              <a:p>
+                <a:pPr algn="ctr"/>
+                <a:r>
+                  <a:rPr lang="en-KW" dirty="0">
+                    <a:solidFill>
+                      <a:schemeClr val="tx1"/>
+                    </a:solidFill>
+                  </a:rPr>
+                  <a:t>2.5</a:t>
+                </a:r>
+              </a:p>
+            </p:txBody>
+          </p:sp>
+          <p:sp>
+            <p:nvSpPr>
+              <p:cNvPr id="150" name="Rectangle 149">
+                <a:extLst>
+                  <a:ext uri="{FF2B5EF4-FFF2-40B4-BE49-F238E27FC236}">
+                    <a16:creationId xmlns:a16="http://schemas.microsoft.com/office/drawing/2014/main" id="{AA7721A0-946A-5440-B840-53DB174356DC}"/>
+                  </a:ext>
+                </a:extLst>
+              </p:cNvPr>
+              <p:cNvSpPr/>
+              <p:nvPr/>
+            </p:nvSpPr>
+            <p:spPr>
+              <a:xfrm>
+                <a:off x="2811025" y="1396722"/>
+                <a:ext cx="665703" cy="665703"/>
+              </a:xfrm>
+              <a:prstGeom prst="rect">
+                <a:avLst/>
+              </a:prstGeom>
+              <a:noFill/>
+              <a:ln w="28575">
+                <a:solidFill>
+                  <a:schemeClr val="tx1"/>
+                </a:solidFill>
+              </a:ln>
+            </p:spPr>
+            <p:style>
+              <a:lnRef idx="2">
+                <a:schemeClr val="accent1">
+                  <a:shade val="50000"/>
+                </a:schemeClr>
+              </a:lnRef>
+              <a:fillRef idx="1">
+                <a:schemeClr val="accent1"/>
+              </a:fillRef>
+              <a:effectRef idx="0">
+                <a:schemeClr val="accent1"/>
+              </a:effectRef>
+              <a:fontRef idx="minor">
+                <a:schemeClr val="lt1"/>
+              </a:fontRef>
+            </p:style>
+            <p:txBody>
+              <a:bodyPr rtlCol="0" anchor="ctr"/>
+              <a:lstStyle/>
+              <a:p>
+                <a:pPr algn="ctr"/>
+                <a:endParaRPr lang="en-KW" dirty="0">
+                  <a:solidFill>
+                    <a:schemeClr val="tx1"/>
+                  </a:solidFill>
+                </a:endParaRPr>
+              </a:p>
+            </p:txBody>
+          </p:sp>
+          <p:sp>
+            <p:nvSpPr>
+              <p:cNvPr id="151" name="Rectangle 150">
+                <a:extLst>
+                  <a:ext uri="{FF2B5EF4-FFF2-40B4-BE49-F238E27FC236}">
+                    <a16:creationId xmlns:a16="http://schemas.microsoft.com/office/drawing/2014/main" id="{A435C4B6-8EFE-DF4C-A5D3-B317137FB92F}"/>
+                  </a:ext>
+                </a:extLst>
+              </p:cNvPr>
+              <p:cNvSpPr/>
+              <p:nvPr/>
+            </p:nvSpPr>
+            <p:spPr>
+              <a:xfrm>
+                <a:off x="3476728" y="1396723"/>
+                <a:ext cx="665703" cy="665703"/>
+              </a:xfrm>
+              <a:prstGeom prst="rect">
+                <a:avLst/>
+              </a:prstGeom>
+              <a:noFill/>
+              <a:ln w="28575">
+                <a:solidFill>
+                  <a:schemeClr val="tx1"/>
+                </a:solidFill>
+              </a:ln>
+            </p:spPr>
+            <p:style>
+              <a:lnRef idx="2">
+                <a:schemeClr val="accent1">
+                  <a:shade val="50000"/>
+                </a:schemeClr>
+              </a:lnRef>
+              <a:fillRef idx="1">
+                <a:schemeClr val="accent1"/>
+              </a:fillRef>
+              <a:effectRef idx="0">
+                <a:schemeClr val="accent1"/>
+              </a:effectRef>
+              <a:fontRef idx="minor">
+                <a:schemeClr val="lt1"/>
+              </a:fontRef>
+            </p:style>
+            <p:txBody>
+              <a:bodyPr rtlCol="0" anchor="ctr"/>
+              <a:lstStyle/>
+              <a:p>
+                <a:pPr algn="ctr"/>
+                <a:endParaRPr lang="en-KW" dirty="0">
+                  <a:solidFill>
+                    <a:schemeClr val="tx1"/>
+                  </a:solidFill>
+                </a:endParaRPr>
+              </a:p>
+            </p:txBody>
+          </p:sp>
+        </p:grpSp>
+        <p:grpSp>
+          <p:nvGrpSpPr>
+            <p:cNvPr id="152" name="Group 151">
+              <a:extLst>
+                <a:ext uri="{FF2B5EF4-FFF2-40B4-BE49-F238E27FC236}">
+                  <a16:creationId xmlns:a16="http://schemas.microsoft.com/office/drawing/2014/main" id="{21FBD0E8-64E2-7A4A-83FF-2EC88F71DAAA}"/>
+                </a:ext>
+              </a:extLst>
+            </p:cNvPr>
+            <p:cNvGrpSpPr/>
+            <p:nvPr/>
+          </p:nvGrpSpPr>
+          <p:grpSpPr>
+            <a:xfrm>
+              <a:off x="1624302" y="3097012"/>
+              <a:ext cx="1577592" cy="1313877"/>
+              <a:chOff x="723482" y="2622620"/>
+              <a:chExt cx="1577592" cy="1313877"/>
+            </a:xfrm>
+          </p:grpSpPr>
+          <p:sp>
+            <p:nvSpPr>
+              <p:cNvPr id="153" name="Rectangle 152">
+                <a:extLst>
+                  <a:ext uri="{FF2B5EF4-FFF2-40B4-BE49-F238E27FC236}">
+                    <a16:creationId xmlns:a16="http://schemas.microsoft.com/office/drawing/2014/main" id="{B3A69EAD-30D3-4641-8AE5-73893408D46C}"/>
+                  </a:ext>
+                </a:extLst>
+              </p:cNvPr>
+              <p:cNvSpPr/>
+              <p:nvPr/>
+            </p:nvSpPr>
+            <p:spPr>
+              <a:xfrm>
+                <a:off x="723482" y="2622620"/>
+                <a:ext cx="1577592" cy="944545"/>
+              </a:xfrm>
+              <a:prstGeom prst="rect">
+                <a:avLst/>
+              </a:prstGeom>
+              <a:solidFill>
+                <a:srgbClr val="FF40FF">
+                  <a:alpha val="38039"/>
+                </a:srgbClr>
+              </a:solidFill>
+              <a:ln>
+                <a:noFill/>
+              </a:ln>
+            </p:spPr>
+            <p:style>
+              <a:lnRef idx="2">
+                <a:schemeClr val="accent1">
+                  <a:shade val="50000"/>
+                </a:schemeClr>
+              </a:lnRef>
+              <a:fillRef idx="1">
+                <a:schemeClr val="accent1"/>
+              </a:fillRef>
+              <a:effectRef idx="0">
+                <a:schemeClr val="accent1"/>
+              </a:effectRef>
+              <a:fontRef idx="minor">
+                <a:schemeClr val="lt1"/>
+              </a:fontRef>
+            </p:style>
+            <p:txBody>
+              <a:bodyPr rtlCol="0" anchor="ctr"/>
+              <a:lstStyle/>
+              <a:p>
+                <a:pPr algn="ctr"/>
+                <a:endParaRPr lang="en-KW"/>
+              </a:p>
+            </p:txBody>
+          </p:sp>
+          <p:sp>
+            <p:nvSpPr>
+              <p:cNvPr id="154" name="TextBox 153">
+                <a:extLst>
+                  <a:ext uri="{FF2B5EF4-FFF2-40B4-BE49-F238E27FC236}">
+                    <a16:creationId xmlns:a16="http://schemas.microsoft.com/office/drawing/2014/main" id="{1AEDD22D-142B-9144-8058-C83640A06731}"/>
+                  </a:ext>
+                </a:extLst>
+              </p:cNvPr>
+              <p:cNvSpPr txBox="1"/>
+              <p:nvPr/>
+            </p:nvSpPr>
+            <p:spPr>
+              <a:xfrm>
+                <a:off x="943051" y="3567165"/>
+                <a:ext cx="1138453" cy="369332"/>
+              </a:xfrm>
+              <a:prstGeom prst="rect">
+                <a:avLst/>
+              </a:prstGeom>
+              <a:noFill/>
+            </p:spPr>
+            <p:txBody>
+              <a:bodyPr wrap="none" rtlCol="0">
+                <a:spAutoFit/>
+              </a:bodyPr>
+              <a:lstStyle/>
+              <a:p>
+                <a:r>
+                  <a:rPr lang="en-KW" dirty="0"/>
+                  <a:t>0.5       0.5</a:t>
+                </a:r>
+              </a:p>
+            </p:txBody>
+          </p:sp>
+        </p:grpSp>
+        <p:grpSp>
+          <p:nvGrpSpPr>
+            <p:cNvPr id="155" name="Group 154">
+              <a:extLst>
+                <a:ext uri="{FF2B5EF4-FFF2-40B4-BE49-F238E27FC236}">
+                  <a16:creationId xmlns:a16="http://schemas.microsoft.com/office/drawing/2014/main" id="{B542C03B-FEC0-6F41-B04F-BAFD344D9613}"/>
+                </a:ext>
+              </a:extLst>
+            </p:cNvPr>
+            <p:cNvGrpSpPr/>
+            <p:nvPr/>
+          </p:nvGrpSpPr>
+          <p:grpSpPr>
+            <a:xfrm>
+              <a:off x="388113" y="3189933"/>
+              <a:ext cx="3328515" cy="665705"/>
+              <a:chOff x="813916" y="1396722"/>
+              <a:chExt cx="3328515" cy="665705"/>
+            </a:xfrm>
+          </p:grpSpPr>
+          <p:sp>
+            <p:nvSpPr>
+              <p:cNvPr id="156" name="Rectangle 155">
+                <a:extLst>
+                  <a:ext uri="{FF2B5EF4-FFF2-40B4-BE49-F238E27FC236}">
+                    <a16:creationId xmlns:a16="http://schemas.microsoft.com/office/drawing/2014/main" id="{85DF6283-F64C-DF45-99D0-6C8E7EB23502}"/>
+                  </a:ext>
+                </a:extLst>
+              </p:cNvPr>
+              <p:cNvSpPr/>
+              <p:nvPr/>
+            </p:nvSpPr>
+            <p:spPr>
+              <a:xfrm>
+                <a:off x="813916" y="1396724"/>
+                <a:ext cx="665703" cy="665703"/>
+              </a:xfrm>
+              <a:prstGeom prst="rect">
+                <a:avLst/>
+              </a:prstGeom>
+              <a:noFill/>
+              <a:ln w="28575">
+                <a:solidFill>
+                  <a:schemeClr val="tx1"/>
+                </a:solidFill>
+              </a:ln>
+            </p:spPr>
+            <p:style>
+              <a:lnRef idx="2">
+                <a:schemeClr val="accent1">
+                  <a:shade val="50000"/>
+                </a:schemeClr>
+              </a:lnRef>
+              <a:fillRef idx="1">
+                <a:schemeClr val="accent1"/>
+              </a:fillRef>
+              <a:effectRef idx="0">
+                <a:schemeClr val="accent1"/>
+              </a:effectRef>
+              <a:fontRef idx="minor">
+                <a:schemeClr val="lt1"/>
+              </a:fontRef>
+            </p:style>
+            <p:txBody>
+              <a:bodyPr rtlCol="0" anchor="ctr"/>
+              <a:lstStyle/>
+              <a:p>
+                <a:pPr algn="ctr"/>
+                <a:r>
+                  <a:rPr lang="en-KW" dirty="0">
+                    <a:solidFill>
+                      <a:schemeClr val="tx1"/>
+                    </a:solidFill>
+                  </a:rPr>
+                  <a:t>1</a:t>
+                </a:r>
+              </a:p>
+            </p:txBody>
+          </p:sp>
+          <p:sp>
+            <p:nvSpPr>
+              <p:cNvPr id="157" name="Rectangle 156">
+                <a:extLst>
+                  <a:ext uri="{FF2B5EF4-FFF2-40B4-BE49-F238E27FC236}">
+                    <a16:creationId xmlns:a16="http://schemas.microsoft.com/office/drawing/2014/main" id="{3574236C-30ED-4246-95BA-3D810A0BF7E9}"/>
+                  </a:ext>
+                </a:extLst>
+              </p:cNvPr>
+              <p:cNvSpPr/>
+              <p:nvPr/>
+            </p:nvSpPr>
+            <p:spPr>
+              <a:xfrm>
+                <a:off x="1479619" y="1396723"/>
+                <a:ext cx="665703" cy="665703"/>
+              </a:xfrm>
+              <a:prstGeom prst="rect">
+                <a:avLst/>
+              </a:prstGeom>
+              <a:noFill/>
+              <a:ln w="28575">
+                <a:solidFill>
+                  <a:schemeClr val="tx1"/>
+                </a:solidFill>
+              </a:ln>
+            </p:spPr>
+            <p:style>
+              <a:lnRef idx="2">
+                <a:schemeClr val="accent1">
+                  <a:shade val="50000"/>
+                </a:schemeClr>
+              </a:lnRef>
+              <a:fillRef idx="1">
+                <a:schemeClr val="accent1"/>
+              </a:fillRef>
+              <a:effectRef idx="0">
+                <a:schemeClr val="accent1"/>
+              </a:effectRef>
+              <a:fontRef idx="minor">
+                <a:schemeClr val="lt1"/>
+              </a:fontRef>
+            </p:style>
+            <p:txBody>
+              <a:bodyPr rtlCol="0" anchor="ctr"/>
+              <a:lstStyle/>
+              <a:p>
+                <a:pPr algn="ctr"/>
+                <a:r>
+                  <a:rPr lang="en-KW" dirty="0">
+                    <a:solidFill>
+                      <a:schemeClr val="tx1"/>
+                    </a:solidFill>
+                  </a:rPr>
+                  <a:t>0</a:t>
+                </a:r>
+              </a:p>
+            </p:txBody>
+          </p:sp>
+          <p:sp>
+            <p:nvSpPr>
+              <p:cNvPr id="158" name="Rectangle 157">
+                <a:extLst>
+                  <a:ext uri="{FF2B5EF4-FFF2-40B4-BE49-F238E27FC236}">
+                    <a16:creationId xmlns:a16="http://schemas.microsoft.com/office/drawing/2014/main" id="{36EEEA54-599C-2F48-A20A-5461BCF7A450}"/>
+                  </a:ext>
+                </a:extLst>
+              </p:cNvPr>
+              <p:cNvSpPr/>
+              <p:nvPr/>
+            </p:nvSpPr>
+            <p:spPr>
+              <a:xfrm>
+                <a:off x="2145322" y="1396723"/>
+                <a:ext cx="665703" cy="665703"/>
+              </a:xfrm>
+              <a:prstGeom prst="rect">
+                <a:avLst/>
+              </a:prstGeom>
+              <a:noFill/>
+              <a:ln w="28575">
+                <a:solidFill>
+                  <a:schemeClr val="tx1"/>
+                </a:solidFill>
+              </a:ln>
+            </p:spPr>
+            <p:style>
+              <a:lnRef idx="2">
+                <a:schemeClr val="accent1">
+                  <a:shade val="50000"/>
+                </a:schemeClr>
+              </a:lnRef>
+              <a:fillRef idx="1">
+                <a:schemeClr val="accent1"/>
+              </a:fillRef>
+              <a:effectRef idx="0">
+                <a:schemeClr val="accent1"/>
+              </a:effectRef>
+              <a:fontRef idx="minor">
+                <a:schemeClr val="lt1"/>
+              </a:fontRef>
+            </p:style>
+            <p:txBody>
+              <a:bodyPr rtlCol="0" anchor="ctr"/>
+              <a:lstStyle/>
+              <a:p>
+                <a:pPr algn="ctr"/>
+                <a:r>
+                  <a:rPr lang="en-KW" dirty="0">
+                    <a:solidFill>
+                      <a:schemeClr val="tx1"/>
+                    </a:solidFill>
+                  </a:rPr>
+                  <a:t>2</a:t>
+                </a:r>
+              </a:p>
+            </p:txBody>
+          </p:sp>
+          <p:sp>
+            <p:nvSpPr>
+              <p:cNvPr id="159" name="Rectangle 158">
+                <a:extLst>
+                  <a:ext uri="{FF2B5EF4-FFF2-40B4-BE49-F238E27FC236}">
+                    <a16:creationId xmlns:a16="http://schemas.microsoft.com/office/drawing/2014/main" id="{4045BE36-E090-A548-A3DC-C2FF46976373}"/>
+                  </a:ext>
+                </a:extLst>
+              </p:cNvPr>
+              <p:cNvSpPr/>
+              <p:nvPr/>
+            </p:nvSpPr>
+            <p:spPr>
+              <a:xfrm>
+                <a:off x="2811025" y="1396722"/>
+                <a:ext cx="665703" cy="665703"/>
+              </a:xfrm>
+              <a:prstGeom prst="rect">
+                <a:avLst/>
+              </a:prstGeom>
+              <a:noFill/>
+              <a:ln w="28575">
+                <a:solidFill>
+                  <a:schemeClr val="tx1"/>
+                </a:solidFill>
+              </a:ln>
+            </p:spPr>
+            <p:style>
+              <a:lnRef idx="2">
+                <a:schemeClr val="accent1">
+                  <a:shade val="50000"/>
+                </a:schemeClr>
+              </a:lnRef>
+              <a:fillRef idx="1">
+                <a:schemeClr val="accent1"/>
+              </a:fillRef>
+              <a:effectRef idx="0">
+                <a:schemeClr val="accent1"/>
+              </a:effectRef>
+              <a:fontRef idx="minor">
+                <a:schemeClr val="lt1"/>
+              </a:fontRef>
+            </p:style>
+            <p:txBody>
+              <a:bodyPr rtlCol="0" anchor="ctr"/>
+              <a:lstStyle/>
+              <a:p>
+                <a:pPr algn="ctr"/>
+                <a:r>
+                  <a:rPr lang="en-KW" dirty="0">
+                    <a:solidFill>
+                      <a:schemeClr val="tx1"/>
+                    </a:solidFill>
+                  </a:rPr>
+                  <a:t>3</a:t>
+                </a:r>
+              </a:p>
+            </p:txBody>
+          </p:sp>
+          <p:sp>
+            <p:nvSpPr>
+              <p:cNvPr id="160" name="Rectangle 159">
+                <a:extLst>
+                  <a:ext uri="{FF2B5EF4-FFF2-40B4-BE49-F238E27FC236}">
+                    <a16:creationId xmlns:a16="http://schemas.microsoft.com/office/drawing/2014/main" id="{FBF19D3A-A87A-0847-90A4-CF496627FBD5}"/>
+                  </a:ext>
+                </a:extLst>
+              </p:cNvPr>
+              <p:cNvSpPr/>
+              <p:nvPr/>
+            </p:nvSpPr>
+            <p:spPr>
+              <a:xfrm>
+                <a:off x="3476728" y="1396723"/>
+                <a:ext cx="665703" cy="665703"/>
+              </a:xfrm>
+              <a:prstGeom prst="rect">
+                <a:avLst/>
+              </a:prstGeom>
+              <a:noFill/>
+              <a:ln w="28575">
+                <a:solidFill>
+                  <a:schemeClr val="tx1"/>
+                </a:solidFill>
+              </a:ln>
+            </p:spPr>
+            <p:style>
+              <a:lnRef idx="2">
+                <a:schemeClr val="accent1">
+                  <a:shade val="50000"/>
+                </a:schemeClr>
+              </a:lnRef>
+              <a:fillRef idx="1">
+                <a:schemeClr val="accent1"/>
+              </a:fillRef>
+              <a:effectRef idx="0">
+                <a:schemeClr val="accent1"/>
+              </a:effectRef>
+              <a:fontRef idx="minor">
+                <a:schemeClr val="lt1"/>
+              </a:fontRef>
+            </p:style>
+            <p:txBody>
+              <a:bodyPr rtlCol="0" anchor="ctr"/>
+              <a:lstStyle/>
+              <a:p>
+                <a:pPr algn="ctr"/>
+                <a:r>
+                  <a:rPr lang="en-KW" dirty="0">
+                    <a:solidFill>
+                      <a:schemeClr val="tx1"/>
+                    </a:solidFill>
+                  </a:rPr>
+                  <a:t>…</a:t>
+                </a:r>
+              </a:p>
+            </p:txBody>
+          </p:sp>
+        </p:grpSp>
+      </p:grpSp>
+    </p:spTree>
+    <p:extLst>
+      <p:ext uri="{BB962C8B-B14F-4D97-AF65-F5344CB8AC3E}">
+        <p14:creationId xmlns:p14="http://schemas.microsoft.com/office/powerpoint/2010/main" val="2882499948"/>
+      </p:ext>
+    </p:extLst>
+  </p:cSld>
+  <p:clrMapOvr>
+    <a:masterClrMapping/>
+  </p:clrMapOvr>
+</p:sld>
+</file>
+
 <file path=ppt/theme/theme1.xml><?xml version="1.0" encoding="utf-8"?>
 <a:theme xmlns:a="http://schemas.openxmlformats.org/drawingml/2006/main" name="Office Theme">
   <a:themeElements>
